--- a/slides/ppt/intro/intro.pptx
+++ b/slides/ppt/intro/intro.pptx
@@ -208,7 +208,7 @@
             <a:fld id="{A7B72033-589B-43AE-B8E1-AF9DC04A1F48}" type="datetimeFigureOut">
               <a:rPr lang="en-US" smtClean="0"/>
               <a:pPr/>
-              <a:t>1/22/2024</a:t>
+              <a:t>9/20/2024</a:t>
             </a:fld>
             <a:endParaRPr lang="en-US" dirty="0"/>
           </a:p>
@@ -627,7 +627,7 @@
           <a:p>
             <a:fld id="{C99BBB17-2D1A-4F24-B9AD-CEA35EC18396}" type="datetimeFigureOut">
               <a:rPr lang="en-US" smtClean="0"/>
-              <a:t>1/22/2024</a:t>
+              <a:t>9/20/2024</a:t>
             </a:fld>
             <a:endParaRPr lang="en-US"/>
           </a:p>
@@ -825,7 +825,7 @@
           <a:p>
             <a:fld id="{C99BBB17-2D1A-4F24-B9AD-CEA35EC18396}" type="datetimeFigureOut">
               <a:rPr lang="en-US" smtClean="0"/>
-              <a:t>1/22/2024</a:t>
+              <a:t>9/20/2024</a:t>
             </a:fld>
             <a:endParaRPr lang="en-US"/>
           </a:p>
@@ -1033,7 +1033,7 @@
           <a:p>
             <a:fld id="{C99BBB17-2D1A-4F24-B9AD-CEA35EC18396}" type="datetimeFigureOut">
               <a:rPr lang="en-US" smtClean="0"/>
-              <a:t>1/22/2024</a:t>
+              <a:t>9/20/2024</a:t>
             </a:fld>
             <a:endParaRPr lang="en-US"/>
           </a:p>
@@ -1231,7 +1231,7 @@
           <a:p>
             <a:fld id="{C99BBB17-2D1A-4F24-B9AD-CEA35EC18396}" type="datetimeFigureOut">
               <a:rPr lang="en-US" smtClean="0"/>
-              <a:t>1/22/2024</a:t>
+              <a:t>9/20/2024</a:t>
             </a:fld>
             <a:endParaRPr lang="en-US"/>
           </a:p>
@@ -1506,7 +1506,7 @@
           <a:p>
             <a:fld id="{C99BBB17-2D1A-4F24-B9AD-CEA35EC18396}" type="datetimeFigureOut">
               <a:rPr lang="en-US" smtClean="0"/>
-              <a:t>1/22/2024</a:t>
+              <a:t>9/20/2024</a:t>
             </a:fld>
             <a:endParaRPr lang="en-US"/>
           </a:p>
@@ -1771,7 +1771,7 @@
           <a:p>
             <a:fld id="{C99BBB17-2D1A-4F24-B9AD-CEA35EC18396}" type="datetimeFigureOut">
               <a:rPr lang="en-US" smtClean="0"/>
-              <a:t>1/22/2024</a:t>
+              <a:t>9/20/2024</a:t>
             </a:fld>
             <a:endParaRPr lang="en-US"/>
           </a:p>
@@ -2183,7 +2183,7 @@
           <a:p>
             <a:fld id="{C99BBB17-2D1A-4F24-B9AD-CEA35EC18396}" type="datetimeFigureOut">
               <a:rPr lang="en-US" smtClean="0"/>
-              <a:t>1/22/2024</a:t>
+              <a:t>9/20/2024</a:t>
             </a:fld>
             <a:endParaRPr lang="en-US"/>
           </a:p>
@@ -2324,7 +2324,7 @@
           <a:p>
             <a:fld id="{C99BBB17-2D1A-4F24-B9AD-CEA35EC18396}" type="datetimeFigureOut">
               <a:rPr lang="en-US" smtClean="0"/>
-              <a:t>1/22/2024</a:t>
+              <a:t>9/20/2024</a:t>
             </a:fld>
             <a:endParaRPr lang="en-US"/>
           </a:p>
@@ -2437,7 +2437,7 @@
           <a:p>
             <a:fld id="{C99BBB17-2D1A-4F24-B9AD-CEA35EC18396}" type="datetimeFigureOut">
               <a:rPr lang="en-US" smtClean="0"/>
-              <a:t>1/22/2024</a:t>
+              <a:t>9/20/2024</a:t>
             </a:fld>
             <a:endParaRPr lang="en-US"/>
           </a:p>
@@ -2748,7 +2748,7 @@
           <a:p>
             <a:fld id="{C99BBB17-2D1A-4F24-B9AD-CEA35EC18396}" type="datetimeFigureOut">
               <a:rPr lang="en-US" smtClean="0"/>
-              <a:t>1/22/2024</a:t>
+              <a:t>9/20/2024</a:t>
             </a:fld>
             <a:endParaRPr lang="en-US"/>
           </a:p>
@@ -3036,7 +3036,7 @@
           <a:p>
             <a:fld id="{C99BBB17-2D1A-4F24-B9AD-CEA35EC18396}" type="datetimeFigureOut">
               <a:rPr lang="en-US" smtClean="0"/>
-              <a:t>1/22/2024</a:t>
+              <a:t>9/20/2024</a:t>
             </a:fld>
             <a:endParaRPr lang="en-US"/>
           </a:p>
@@ -3279,7 +3279,7 @@
             <a:fld id="{C99BBB17-2D1A-4F24-B9AD-CEA35EC18396}" type="datetimeFigureOut">
               <a:rPr lang="en-US" smtClean="0"/>
               <a:pPr/>
-              <a:t>1/22/2024</a:t>
+              <a:t>9/20/2024</a:t>
             </a:fld>
             <a:endParaRPr lang="en-US" dirty="0"/>
           </a:p>
@@ -4527,199 +4527,6 @@
           </a:p>
         </p:txBody>
       </p:sp>
-      <p:grpSp>
-        <p:nvGrpSpPr>
-          <p:cNvPr id="23" name="Group 22">
-            <a:extLst>
-              <a:ext uri="{FF2B5EF4-FFF2-40B4-BE49-F238E27FC236}">
-                <a16:creationId xmlns:a16="http://schemas.microsoft.com/office/drawing/2014/main" id="{5C8CC107-8B6F-2BA8-A951-E8276E1CAFC8}"/>
-              </a:ext>
-            </a:extLst>
-          </p:cNvPr>
-          <p:cNvGrpSpPr/>
-          <p:nvPr/>
-        </p:nvGrpSpPr>
-        <p:grpSpPr>
-          <a:xfrm>
-            <a:off x="42671" y="6443508"/>
-            <a:ext cx="12006913" cy="385818"/>
-            <a:chOff x="42671" y="6443508"/>
-            <a:chExt cx="12006913" cy="385818"/>
-          </a:xfrm>
-        </p:grpSpPr>
-        <p:sp>
-          <p:nvSpPr>
-            <p:cNvPr id="24" name="TextBox 23">
-              <a:extLst>
-                <a:ext uri="{FF2B5EF4-FFF2-40B4-BE49-F238E27FC236}">
-                  <a16:creationId xmlns:a16="http://schemas.microsoft.com/office/drawing/2014/main" id="{1B538703-361B-3F8B-537E-BBCFEBB6CACC}"/>
-                </a:ext>
-              </a:extLst>
-            </p:cNvPr>
-            <p:cNvSpPr txBox="1"/>
-            <p:nvPr/>
-          </p:nvSpPr>
-          <p:spPr>
-            <a:xfrm>
-              <a:off x="854075" y="6521549"/>
-              <a:ext cx="3805382" cy="307777"/>
-            </a:xfrm>
-            <a:prstGeom prst="rect">
-              <a:avLst/>
-            </a:prstGeom>
-            <a:noFill/>
-          </p:spPr>
-          <p:txBody>
-            <a:bodyPr wrap="square" rtlCol="0">
-              <a:spAutoFit/>
-            </a:bodyPr>
-            <a:lstStyle/>
-            <a:p>
-              <a:r>
-                <a:rPr lang="nb-NO" sz="1400" i="1" dirty="0">
-                  <a:latin typeface="Arial" panose="020B0604020202020204" pitchFamily="34" charset="0"/>
-                  <a:cs typeface="Arial" panose="020B0604020202020204" pitchFamily="34" charset="0"/>
-                </a:rPr>
-                <a:t>FAIR digital documentation &amp; teaching</a:t>
-              </a:r>
-              <a:endParaRPr lang="en-US" sz="1400" i="1" dirty="0">
-                <a:latin typeface="Arial" panose="020B0604020202020204" pitchFamily="34" charset="0"/>
-                <a:cs typeface="Arial" panose="020B0604020202020204" pitchFamily="34" charset="0"/>
-              </a:endParaRPr>
-            </a:p>
-          </p:txBody>
-        </p:sp>
-        <p:pic>
-          <p:nvPicPr>
-            <p:cNvPr id="25" name="Picture 24" descr="A screenshot of a video game&#10;&#10;Description automatically generated">
-              <a:extLst>
-                <a:ext uri="{FF2B5EF4-FFF2-40B4-BE49-F238E27FC236}">
-                  <a16:creationId xmlns:a16="http://schemas.microsoft.com/office/drawing/2014/main" id="{5F21D3D7-314B-1C6E-B50E-93CFE61D5082}"/>
-                </a:ext>
-              </a:extLst>
-            </p:cNvPr>
-            <p:cNvPicPr>
-              <a:picLocks noChangeAspect="1"/>
-            </p:cNvPicPr>
-            <p:nvPr/>
-          </p:nvPicPr>
-          <p:blipFill>
-            <a:blip r:embed="rId2">
-              <a:extLst>
-                <a:ext uri="{28A0092B-C50C-407E-A947-70E740481C1C}">
-                  <a14:useLocalDpi xmlns:a14="http://schemas.microsoft.com/office/drawing/2010/main" val="0"/>
-                </a:ext>
-              </a:extLst>
-            </a:blip>
-            <a:stretch>
-              <a:fillRect/>
-            </a:stretch>
-          </p:blipFill>
-          <p:spPr>
-            <a:xfrm>
-              <a:off x="42671" y="6563571"/>
-              <a:ext cx="876716" cy="230005"/>
-            </a:xfrm>
-            <a:prstGeom prst="rect">
-              <a:avLst/>
-            </a:prstGeom>
-          </p:spPr>
-        </p:pic>
-        <p:pic>
-          <p:nvPicPr>
-            <p:cNvPr id="26" name="Picture 2" descr="UNIS - The university centre in Svalbard">
-              <a:extLst>
-                <a:ext uri="{FF2B5EF4-FFF2-40B4-BE49-F238E27FC236}">
-                  <a16:creationId xmlns:a16="http://schemas.microsoft.com/office/drawing/2014/main" id="{3FBB4A11-E9C3-D45E-8EDE-6CF34C32E59B}"/>
-                </a:ext>
-              </a:extLst>
-            </p:cNvPr>
-            <p:cNvPicPr>
-              <a:picLocks noChangeAspect="1" noChangeArrowheads="1"/>
-            </p:cNvPicPr>
-            <p:nvPr/>
-          </p:nvPicPr>
-          <p:blipFill>
-            <a:blip r:embed="rId3">
-              <a:extLst>
-                <a:ext uri="{28A0092B-C50C-407E-A947-70E740481C1C}">
-                  <a14:useLocalDpi xmlns:a14="http://schemas.microsoft.com/office/drawing/2010/main" val="0"/>
-                </a:ext>
-              </a:extLst>
-            </a:blip>
-            <a:srcRect/>
-            <a:stretch>
-              <a:fillRect/>
-            </a:stretch>
-          </p:blipFill>
-          <p:spPr bwMode="auto">
-            <a:xfrm>
-              <a:off x="10413848" y="6443508"/>
-              <a:ext cx="1210145" cy="326740"/>
-            </a:xfrm>
-            <a:prstGeom prst="rect">
-              <a:avLst/>
-            </a:prstGeom>
-            <a:noFill/>
-            <a:extLst>
-              <a:ext uri="{909E8E84-426E-40DD-AFC4-6F175D3DCCD1}">
-                <a14:hiddenFill xmlns:a14="http://schemas.microsoft.com/office/drawing/2010/main">
-                  <a:solidFill>
-                    <a:srgbClr val="FFFFFF"/>
-                  </a:solidFill>
-                </a14:hiddenFill>
-              </a:ext>
-            </a:extLst>
-          </p:spPr>
-        </p:pic>
-        <p:pic>
-          <p:nvPicPr>
-            <p:cNvPr id="27" name="Picture 2" descr="Site is undergoing maintenance">
-              <a:extLst>
-                <a:ext uri="{FF2B5EF4-FFF2-40B4-BE49-F238E27FC236}">
-                  <a16:creationId xmlns:a16="http://schemas.microsoft.com/office/drawing/2014/main" id="{A9B52DA7-A2A2-0059-A038-02CDC274F002}"/>
-                </a:ext>
-              </a:extLst>
-            </p:cNvPr>
-            <p:cNvPicPr>
-              <a:picLocks noChangeAspect="1" noChangeArrowheads="1"/>
-            </p:cNvPicPr>
-            <p:nvPr/>
-          </p:nvPicPr>
-          <p:blipFill>
-            <a:blip r:embed="rId4">
-              <a:extLst>
-                <a:ext uri="{28A0092B-C50C-407E-A947-70E740481C1C}">
-                  <a14:useLocalDpi xmlns:a14="http://schemas.microsoft.com/office/drawing/2010/main" val="0"/>
-                </a:ext>
-              </a:extLst>
-            </a:blip>
-            <a:srcRect/>
-            <a:stretch>
-              <a:fillRect/>
-            </a:stretch>
-          </p:blipFill>
-          <p:spPr bwMode="auto">
-            <a:xfrm>
-              <a:off x="11766409" y="6449818"/>
-              <a:ext cx="283175" cy="326740"/>
-            </a:xfrm>
-            <a:prstGeom prst="rect">
-              <a:avLst/>
-            </a:prstGeom>
-            <a:noFill/>
-            <a:extLst>
-              <a:ext uri="{909E8E84-426E-40DD-AFC4-6F175D3DCCD1}">
-                <a14:hiddenFill xmlns:a14="http://schemas.microsoft.com/office/drawing/2010/main">
-                  <a:solidFill>
-                    <a:srgbClr val="FFFFFF"/>
-                  </a:solidFill>
-                </a14:hiddenFill>
-              </a:ext>
-            </a:extLst>
-          </p:spPr>
-        </p:pic>
-      </p:grpSp>
       <p:sp>
         <p:nvSpPr>
           <p:cNvPr id="2" name="Title 1">
@@ -4802,6 +4609,157 @@
           </a:p>
         </p:txBody>
       </p:sp>
+      <p:grpSp>
+        <p:nvGrpSpPr>
+          <p:cNvPr id="3" name="Group 2">
+            <a:extLst>
+              <a:ext uri="{FF2B5EF4-FFF2-40B4-BE49-F238E27FC236}">
+                <a16:creationId xmlns:a16="http://schemas.microsoft.com/office/drawing/2014/main" id="{070192C8-C5E3-DC75-11DE-A781646B1D82}"/>
+              </a:ext>
+            </a:extLst>
+          </p:cNvPr>
+          <p:cNvGrpSpPr/>
+          <p:nvPr/>
+        </p:nvGrpSpPr>
+        <p:grpSpPr>
+          <a:xfrm>
+            <a:off x="9704900" y="6443508"/>
+            <a:ext cx="2344684" cy="333050"/>
+            <a:chOff x="9704900" y="6443508"/>
+            <a:chExt cx="2344684" cy="333050"/>
+          </a:xfrm>
+        </p:grpSpPr>
+        <p:pic>
+          <p:nvPicPr>
+            <p:cNvPr id="11" name="Picture 2" descr="UNIS - The university centre in Svalbard">
+              <a:extLst>
+                <a:ext uri="{FF2B5EF4-FFF2-40B4-BE49-F238E27FC236}">
+                  <a16:creationId xmlns:a16="http://schemas.microsoft.com/office/drawing/2014/main" id="{1177932D-36B1-2E23-FB7A-6716626735A7}"/>
+                </a:ext>
+              </a:extLst>
+            </p:cNvPr>
+            <p:cNvPicPr>
+              <a:picLocks noChangeAspect="1" noChangeArrowheads="1"/>
+            </p:cNvPicPr>
+            <p:nvPr/>
+          </p:nvPicPr>
+          <p:blipFill>
+            <a:blip r:embed="rId2">
+              <a:extLst>
+                <a:ext uri="{28A0092B-C50C-407E-A947-70E740481C1C}">
+                  <a14:useLocalDpi xmlns:a14="http://schemas.microsoft.com/office/drawing/2010/main" val="0"/>
+                </a:ext>
+              </a:extLst>
+            </a:blip>
+            <a:srcRect/>
+            <a:stretch>
+              <a:fillRect/>
+            </a:stretch>
+          </p:blipFill>
+          <p:spPr bwMode="auto">
+            <a:xfrm>
+              <a:off x="10413848" y="6443508"/>
+              <a:ext cx="1210145" cy="326740"/>
+            </a:xfrm>
+            <a:prstGeom prst="rect">
+              <a:avLst/>
+            </a:prstGeom>
+            <a:noFill/>
+            <a:extLst>
+              <a:ext uri="{909E8E84-426E-40DD-AFC4-6F175D3DCCD1}">
+                <a14:hiddenFill xmlns:a14="http://schemas.microsoft.com/office/drawing/2010/main">
+                  <a:solidFill>
+                    <a:srgbClr val="FFFFFF"/>
+                  </a:solidFill>
+                </a14:hiddenFill>
+              </a:ext>
+            </a:extLst>
+          </p:spPr>
+        </p:pic>
+        <p:pic>
+          <p:nvPicPr>
+            <p:cNvPr id="14" name="Picture 2" descr="Site is undergoing maintenance">
+              <a:extLst>
+                <a:ext uri="{FF2B5EF4-FFF2-40B4-BE49-F238E27FC236}">
+                  <a16:creationId xmlns:a16="http://schemas.microsoft.com/office/drawing/2014/main" id="{5E5E2DB1-C9D9-50BE-7C5B-D9E904B99FAF}"/>
+                </a:ext>
+              </a:extLst>
+            </p:cNvPr>
+            <p:cNvPicPr>
+              <a:picLocks noChangeAspect="1" noChangeArrowheads="1"/>
+            </p:cNvPicPr>
+            <p:nvPr/>
+          </p:nvPicPr>
+          <p:blipFill>
+            <a:blip r:embed="rId3">
+              <a:extLst>
+                <a:ext uri="{28A0092B-C50C-407E-A947-70E740481C1C}">
+                  <a14:useLocalDpi xmlns:a14="http://schemas.microsoft.com/office/drawing/2010/main" val="0"/>
+                </a:ext>
+              </a:extLst>
+            </a:blip>
+            <a:srcRect/>
+            <a:stretch>
+              <a:fillRect/>
+            </a:stretch>
+          </p:blipFill>
+          <p:spPr bwMode="auto">
+            <a:xfrm>
+              <a:off x="11766409" y="6449818"/>
+              <a:ext cx="283175" cy="326740"/>
+            </a:xfrm>
+            <a:prstGeom prst="rect">
+              <a:avLst/>
+            </a:prstGeom>
+            <a:noFill/>
+            <a:extLst>
+              <a:ext uri="{909E8E84-426E-40DD-AFC4-6F175D3DCCD1}">
+                <a14:hiddenFill xmlns:a14="http://schemas.microsoft.com/office/drawing/2010/main">
+                  <a:solidFill>
+                    <a:srgbClr val="FFFFFF"/>
+                  </a:solidFill>
+                </a14:hiddenFill>
+              </a:ext>
+            </a:extLst>
+          </p:spPr>
+        </p:pic>
+        <p:pic>
+          <p:nvPicPr>
+            <p:cNvPr id="15" name="Picture 14" descr="A black background with grey letters and a red triangle&#10;&#10;Description automatically generated">
+              <a:extLst>
+                <a:ext uri="{FF2B5EF4-FFF2-40B4-BE49-F238E27FC236}">
+                  <a16:creationId xmlns:a16="http://schemas.microsoft.com/office/drawing/2014/main" id="{E96C472B-99EF-87E2-3574-11C5C15AC68A}"/>
+                </a:ext>
+              </a:extLst>
+            </p:cNvPr>
+            <p:cNvPicPr>
+              <a:picLocks noChangeAspect="1"/>
+            </p:cNvPicPr>
+            <p:nvPr/>
+          </p:nvPicPr>
+          <p:blipFill>
+            <a:blip r:embed="rId4">
+              <a:extLst>
+                <a:ext uri="{28A0092B-C50C-407E-A947-70E740481C1C}">
+                  <a14:useLocalDpi xmlns:a14="http://schemas.microsoft.com/office/drawing/2010/main" val="0"/>
+                </a:ext>
+              </a:extLst>
+            </a:blip>
+            <a:stretch>
+              <a:fillRect/>
+            </a:stretch>
+          </p:blipFill>
+          <p:spPr>
+            <a:xfrm>
+              <a:off x="9704900" y="6486750"/>
+              <a:ext cx="580285" cy="270414"/>
+            </a:xfrm>
+            <a:prstGeom prst="rect">
+              <a:avLst/>
+            </a:prstGeom>
+          </p:spPr>
+        </p:pic>
+      </p:grpSp>
     </p:spTree>
     <p:extLst>
       <p:ext uri="{BB962C8B-B14F-4D97-AF65-F5344CB8AC3E}">
@@ -5582,199 +5540,6 @@
           </a:p>
         </p:txBody>
       </p:sp>
-      <p:grpSp>
-        <p:nvGrpSpPr>
-          <p:cNvPr id="23" name="Group 22">
-            <a:extLst>
-              <a:ext uri="{FF2B5EF4-FFF2-40B4-BE49-F238E27FC236}">
-                <a16:creationId xmlns:a16="http://schemas.microsoft.com/office/drawing/2014/main" id="{5C8CC107-8B6F-2BA8-A951-E8276E1CAFC8}"/>
-              </a:ext>
-            </a:extLst>
-          </p:cNvPr>
-          <p:cNvGrpSpPr/>
-          <p:nvPr/>
-        </p:nvGrpSpPr>
-        <p:grpSpPr>
-          <a:xfrm>
-            <a:off x="42671" y="6443508"/>
-            <a:ext cx="12006913" cy="385818"/>
-            <a:chOff x="42671" y="6443508"/>
-            <a:chExt cx="12006913" cy="385818"/>
-          </a:xfrm>
-        </p:grpSpPr>
-        <p:sp>
-          <p:nvSpPr>
-            <p:cNvPr id="24" name="TextBox 23">
-              <a:extLst>
-                <a:ext uri="{FF2B5EF4-FFF2-40B4-BE49-F238E27FC236}">
-                  <a16:creationId xmlns:a16="http://schemas.microsoft.com/office/drawing/2014/main" id="{1B538703-361B-3F8B-537E-BBCFEBB6CACC}"/>
-                </a:ext>
-              </a:extLst>
-            </p:cNvPr>
-            <p:cNvSpPr txBox="1"/>
-            <p:nvPr/>
-          </p:nvSpPr>
-          <p:spPr>
-            <a:xfrm>
-              <a:off x="854075" y="6521549"/>
-              <a:ext cx="3805382" cy="307777"/>
-            </a:xfrm>
-            <a:prstGeom prst="rect">
-              <a:avLst/>
-            </a:prstGeom>
-            <a:noFill/>
-          </p:spPr>
-          <p:txBody>
-            <a:bodyPr wrap="square" rtlCol="0">
-              <a:spAutoFit/>
-            </a:bodyPr>
-            <a:lstStyle/>
-            <a:p>
-              <a:r>
-                <a:rPr lang="nb-NO" sz="1400" i="1" dirty="0">
-                  <a:latin typeface="Arial" panose="020B0604020202020204" pitchFamily="34" charset="0"/>
-                  <a:cs typeface="Arial" panose="020B0604020202020204" pitchFamily="34" charset="0"/>
-                </a:rPr>
-                <a:t>FAIR digital documentation &amp; teaching</a:t>
-              </a:r>
-              <a:endParaRPr lang="en-US" sz="1400" i="1" dirty="0">
-                <a:latin typeface="Arial" panose="020B0604020202020204" pitchFamily="34" charset="0"/>
-                <a:cs typeface="Arial" panose="020B0604020202020204" pitchFamily="34" charset="0"/>
-              </a:endParaRPr>
-            </a:p>
-          </p:txBody>
-        </p:sp>
-        <p:pic>
-          <p:nvPicPr>
-            <p:cNvPr id="25" name="Picture 24" descr="A screenshot of a video game&#10;&#10;Description automatically generated">
-              <a:extLst>
-                <a:ext uri="{FF2B5EF4-FFF2-40B4-BE49-F238E27FC236}">
-                  <a16:creationId xmlns:a16="http://schemas.microsoft.com/office/drawing/2014/main" id="{5F21D3D7-314B-1C6E-B50E-93CFE61D5082}"/>
-                </a:ext>
-              </a:extLst>
-            </p:cNvPr>
-            <p:cNvPicPr>
-              <a:picLocks noChangeAspect="1"/>
-            </p:cNvPicPr>
-            <p:nvPr/>
-          </p:nvPicPr>
-          <p:blipFill>
-            <a:blip r:embed="rId2">
-              <a:extLst>
-                <a:ext uri="{28A0092B-C50C-407E-A947-70E740481C1C}">
-                  <a14:useLocalDpi xmlns:a14="http://schemas.microsoft.com/office/drawing/2010/main" val="0"/>
-                </a:ext>
-              </a:extLst>
-            </a:blip>
-            <a:stretch>
-              <a:fillRect/>
-            </a:stretch>
-          </p:blipFill>
-          <p:spPr>
-            <a:xfrm>
-              <a:off x="42671" y="6563571"/>
-              <a:ext cx="876716" cy="230005"/>
-            </a:xfrm>
-            <a:prstGeom prst="rect">
-              <a:avLst/>
-            </a:prstGeom>
-          </p:spPr>
-        </p:pic>
-        <p:pic>
-          <p:nvPicPr>
-            <p:cNvPr id="26" name="Picture 2" descr="UNIS - The university centre in Svalbard">
-              <a:extLst>
-                <a:ext uri="{FF2B5EF4-FFF2-40B4-BE49-F238E27FC236}">
-                  <a16:creationId xmlns:a16="http://schemas.microsoft.com/office/drawing/2014/main" id="{3FBB4A11-E9C3-D45E-8EDE-6CF34C32E59B}"/>
-                </a:ext>
-              </a:extLst>
-            </p:cNvPr>
-            <p:cNvPicPr>
-              <a:picLocks noChangeAspect="1" noChangeArrowheads="1"/>
-            </p:cNvPicPr>
-            <p:nvPr/>
-          </p:nvPicPr>
-          <p:blipFill>
-            <a:blip r:embed="rId3">
-              <a:extLst>
-                <a:ext uri="{28A0092B-C50C-407E-A947-70E740481C1C}">
-                  <a14:useLocalDpi xmlns:a14="http://schemas.microsoft.com/office/drawing/2010/main" val="0"/>
-                </a:ext>
-              </a:extLst>
-            </a:blip>
-            <a:srcRect/>
-            <a:stretch>
-              <a:fillRect/>
-            </a:stretch>
-          </p:blipFill>
-          <p:spPr bwMode="auto">
-            <a:xfrm>
-              <a:off x="10413848" y="6443508"/>
-              <a:ext cx="1210145" cy="326740"/>
-            </a:xfrm>
-            <a:prstGeom prst="rect">
-              <a:avLst/>
-            </a:prstGeom>
-            <a:noFill/>
-            <a:extLst>
-              <a:ext uri="{909E8E84-426E-40DD-AFC4-6F175D3DCCD1}">
-                <a14:hiddenFill xmlns:a14="http://schemas.microsoft.com/office/drawing/2010/main">
-                  <a:solidFill>
-                    <a:srgbClr val="FFFFFF"/>
-                  </a:solidFill>
-                </a14:hiddenFill>
-              </a:ext>
-            </a:extLst>
-          </p:spPr>
-        </p:pic>
-        <p:pic>
-          <p:nvPicPr>
-            <p:cNvPr id="27" name="Picture 2" descr="Site is undergoing maintenance">
-              <a:extLst>
-                <a:ext uri="{FF2B5EF4-FFF2-40B4-BE49-F238E27FC236}">
-                  <a16:creationId xmlns:a16="http://schemas.microsoft.com/office/drawing/2014/main" id="{A9B52DA7-A2A2-0059-A038-02CDC274F002}"/>
-                </a:ext>
-              </a:extLst>
-            </p:cNvPr>
-            <p:cNvPicPr>
-              <a:picLocks noChangeAspect="1" noChangeArrowheads="1"/>
-            </p:cNvPicPr>
-            <p:nvPr/>
-          </p:nvPicPr>
-          <p:blipFill>
-            <a:blip r:embed="rId4">
-              <a:extLst>
-                <a:ext uri="{28A0092B-C50C-407E-A947-70E740481C1C}">
-                  <a14:useLocalDpi xmlns:a14="http://schemas.microsoft.com/office/drawing/2010/main" val="0"/>
-                </a:ext>
-              </a:extLst>
-            </a:blip>
-            <a:srcRect/>
-            <a:stretch>
-              <a:fillRect/>
-            </a:stretch>
-          </p:blipFill>
-          <p:spPr bwMode="auto">
-            <a:xfrm>
-              <a:off x="11766409" y="6449818"/>
-              <a:ext cx="283175" cy="326740"/>
-            </a:xfrm>
-            <a:prstGeom prst="rect">
-              <a:avLst/>
-            </a:prstGeom>
-            <a:noFill/>
-            <a:extLst>
-              <a:ext uri="{909E8E84-426E-40DD-AFC4-6F175D3DCCD1}">
-                <a14:hiddenFill xmlns:a14="http://schemas.microsoft.com/office/drawing/2010/main">
-                  <a:solidFill>
-                    <a:srgbClr val="FFFFFF"/>
-                  </a:solidFill>
-                </a14:hiddenFill>
-              </a:ext>
-            </a:extLst>
-          </p:spPr>
-        </p:pic>
-      </p:grpSp>
       <p:sp>
         <p:nvSpPr>
           <p:cNvPr id="2" name="Title 1">
@@ -5805,7 +5570,7 @@
           <a:p>
             <a:r>
               <a:rPr lang="nb-NO" sz="3600" dirty="0"/>
-              <a:t>AG-222: spring 2024 lecture series</a:t>
+              <a:t>AG-214: autumn 2024 lecture series</a:t>
             </a:r>
             <a:endParaRPr lang="en-US" sz="3600" dirty="0"/>
           </a:p>
@@ -5841,7 +5606,7 @@
           <a:p>
             <a:r>
               <a:rPr lang="nb-NO" sz="2800" dirty="0"/>
-              <a:t>4.5/5 days of lectures and hands-on practicals – «Learning by doing»</a:t>
+              <a:t>3 days of lectures and hands-on practicals – «Learning by doing»</a:t>
             </a:r>
           </a:p>
           <a:p>
@@ -5854,7 +5619,7 @@
             </a:r>
             <a:r>
               <a:rPr lang="nb-NO" dirty="0">
-                <a:hlinkClick r:id="rId5"/>
+                <a:hlinkClick r:id="rId2"/>
               </a:rPr>
               <a:t>https://unisvalbard.github.io/ebooks/</a:t>
             </a:r>
@@ -5870,7 +5635,7 @@
             </a:r>
             <a:r>
               <a:rPr lang="nb-NO" sz="2800" dirty="0">
-                <a:hlinkClick r:id="rId6"/>
+                <a:hlinkClick r:id="rId3"/>
               </a:rPr>
               <a:t>https://unisvalbard.github.io/Geo-SfM/</a:t>
             </a:r>
@@ -5878,15 +5643,6 @@
           </a:p>
           <a:p>
             <a:endParaRPr lang="nb-NO" dirty="0"/>
-          </a:p>
-          <a:p>
-            <a:pPr marL="0" indent="0">
-              <a:buNone/>
-            </a:pPr>
-            <a:endParaRPr lang="nb-NO" sz="2800" dirty="0"/>
-          </a:p>
-          <a:p>
-            <a:endParaRPr lang="nb-NO" sz="2800" dirty="0"/>
           </a:p>
           <a:p>
             <a:pPr marL="0" indent="0">
@@ -5911,7 +5667,7 @@
           <p:nvPr/>
         </p:nvPicPr>
         <p:blipFill rotWithShape="1">
-          <a:blip r:embed="rId7">
+          <a:blip r:embed="rId4">
             <a:extLst>
               <a:ext uri="{28A0092B-C50C-407E-A947-70E740481C1C}">
                 <a14:useLocalDpi xmlns:a14="http://schemas.microsoft.com/office/drawing/2010/main" val="0"/>
@@ -5955,8 +5711,8 @@
         </p:nvSpPr>
         <p:spPr>
           <a:xfrm>
-            <a:off x="9120133" y="2444912"/>
-            <a:ext cx="2121093" cy="923330"/>
+            <a:off x="9203489" y="2228671"/>
+            <a:ext cx="1954381" cy="1107996"/>
           </a:xfrm>
           <a:prstGeom prst="rect">
             <a:avLst/>
@@ -5992,11 +5748,171 @@
               <a:rPr lang="en-US" dirty="0">
                 <a:latin typeface="Arial" panose="020B0604020202020204" pitchFamily="34" charset="0"/>
               </a:rPr>
+              <a:t>NGI: 2024 - ???</a:t>
+            </a:r>
+          </a:p>
+          <a:p>
+            <a:pPr algn="ctr"/>
+            <a:r>
+              <a:rPr lang="en-US" sz="1100" dirty="0">
+                <a:latin typeface="Arial" panose="020B0604020202020204" pitchFamily="34" charset="0"/>
+              </a:rPr>
               <a:t>(UNIS: 2016-2024)</a:t>
             </a:r>
           </a:p>
         </p:txBody>
       </p:sp>
+      <p:grpSp>
+        <p:nvGrpSpPr>
+          <p:cNvPr id="16" name="Group 15">
+            <a:extLst>
+              <a:ext uri="{FF2B5EF4-FFF2-40B4-BE49-F238E27FC236}">
+                <a16:creationId xmlns:a16="http://schemas.microsoft.com/office/drawing/2014/main" id="{8762CCD0-FED5-8F25-CC96-DCBDAB5A6172}"/>
+              </a:ext>
+            </a:extLst>
+          </p:cNvPr>
+          <p:cNvGrpSpPr/>
+          <p:nvPr/>
+        </p:nvGrpSpPr>
+        <p:grpSpPr>
+          <a:xfrm>
+            <a:off x="9704900" y="6435344"/>
+            <a:ext cx="2344684" cy="333050"/>
+            <a:chOff x="9704900" y="6443508"/>
+            <a:chExt cx="2344684" cy="333050"/>
+          </a:xfrm>
+        </p:grpSpPr>
+        <p:pic>
+          <p:nvPicPr>
+            <p:cNvPr id="26" name="Picture 2" descr="UNIS - The university centre in Svalbard">
+              <a:extLst>
+                <a:ext uri="{FF2B5EF4-FFF2-40B4-BE49-F238E27FC236}">
+                  <a16:creationId xmlns:a16="http://schemas.microsoft.com/office/drawing/2014/main" id="{3FBB4A11-E9C3-D45E-8EDE-6CF34C32E59B}"/>
+                </a:ext>
+              </a:extLst>
+            </p:cNvPr>
+            <p:cNvPicPr>
+              <a:picLocks noChangeAspect="1" noChangeArrowheads="1"/>
+            </p:cNvPicPr>
+            <p:nvPr/>
+          </p:nvPicPr>
+          <p:blipFill>
+            <a:blip r:embed="rId5">
+              <a:extLst>
+                <a:ext uri="{28A0092B-C50C-407E-A947-70E740481C1C}">
+                  <a14:useLocalDpi xmlns:a14="http://schemas.microsoft.com/office/drawing/2010/main" val="0"/>
+                </a:ext>
+              </a:extLst>
+            </a:blip>
+            <a:srcRect/>
+            <a:stretch>
+              <a:fillRect/>
+            </a:stretch>
+          </p:blipFill>
+          <p:spPr bwMode="auto">
+            <a:xfrm>
+              <a:off x="10413848" y="6443508"/>
+              <a:ext cx="1210145" cy="326740"/>
+            </a:xfrm>
+            <a:prstGeom prst="rect">
+              <a:avLst/>
+            </a:prstGeom>
+            <a:noFill/>
+            <a:extLst>
+              <a:ext uri="{909E8E84-426E-40DD-AFC4-6F175D3DCCD1}">
+                <a14:hiddenFill xmlns:a14="http://schemas.microsoft.com/office/drawing/2010/main">
+                  <a:solidFill>
+                    <a:srgbClr val="FFFFFF"/>
+                  </a:solidFill>
+                </a14:hiddenFill>
+              </a:ext>
+            </a:extLst>
+          </p:spPr>
+        </p:pic>
+        <p:pic>
+          <p:nvPicPr>
+            <p:cNvPr id="27" name="Picture 2" descr="Site is undergoing maintenance">
+              <a:extLst>
+                <a:ext uri="{FF2B5EF4-FFF2-40B4-BE49-F238E27FC236}">
+                  <a16:creationId xmlns:a16="http://schemas.microsoft.com/office/drawing/2014/main" id="{A9B52DA7-A2A2-0059-A038-02CDC274F002}"/>
+                </a:ext>
+              </a:extLst>
+            </p:cNvPr>
+            <p:cNvPicPr>
+              <a:picLocks noChangeAspect="1" noChangeArrowheads="1"/>
+            </p:cNvPicPr>
+            <p:nvPr/>
+          </p:nvPicPr>
+          <p:blipFill>
+            <a:blip r:embed="rId6">
+              <a:extLst>
+                <a:ext uri="{28A0092B-C50C-407E-A947-70E740481C1C}">
+                  <a14:useLocalDpi xmlns:a14="http://schemas.microsoft.com/office/drawing/2010/main" val="0"/>
+                </a:ext>
+              </a:extLst>
+            </a:blip>
+            <a:srcRect/>
+            <a:stretch>
+              <a:fillRect/>
+            </a:stretch>
+          </p:blipFill>
+          <p:spPr bwMode="auto">
+            <a:xfrm>
+              <a:off x="11766409" y="6449818"/>
+              <a:ext cx="283175" cy="326740"/>
+            </a:xfrm>
+            <a:prstGeom prst="rect">
+              <a:avLst/>
+            </a:prstGeom>
+            <a:noFill/>
+            <a:extLst>
+              <a:ext uri="{909E8E84-426E-40DD-AFC4-6F175D3DCCD1}">
+                <a14:hiddenFill xmlns:a14="http://schemas.microsoft.com/office/drawing/2010/main">
+                  <a:solidFill>
+                    <a:srgbClr val="FFFFFF"/>
+                  </a:solidFill>
+                </a14:hiddenFill>
+              </a:ext>
+            </a:extLst>
+          </p:spPr>
+        </p:pic>
+        <p:pic>
+          <p:nvPicPr>
+            <p:cNvPr id="15" name="Picture 14" descr="A black background with grey letters and a red triangle&#10;&#10;Description automatically generated">
+              <a:extLst>
+                <a:ext uri="{FF2B5EF4-FFF2-40B4-BE49-F238E27FC236}">
+                  <a16:creationId xmlns:a16="http://schemas.microsoft.com/office/drawing/2014/main" id="{182DAC85-A616-3DBD-D6D8-798F84AF0BF6}"/>
+                </a:ext>
+              </a:extLst>
+            </p:cNvPr>
+            <p:cNvPicPr>
+              <a:picLocks noChangeAspect="1"/>
+            </p:cNvPicPr>
+            <p:nvPr/>
+          </p:nvPicPr>
+          <p:blipFill>
+            <a:blip r:embed="rId7">
+              <a:extLst>
+                <a:ext uri="{28A0092B-C50C-407E-A947-70E740481C1C}">
+                  <a14:useLocalDpi xmlns:a14="http://schemas.microsoft.com/office/drawing/2010/main" val="0"/>
+                </a:ext>
+              </a:extLst>
+            </a:blip>
+            <a:stretch>
+              <a:fillRect/>
+            </a:stretch>
+          </p:blipFill>
+          <p:spPr>
+            <a:xfrm>
+              <a:off x="9704900" y="6486750"/>
+              <a:ext cx="580285" cy="270414"/>
+            </a:xfrm>
+            <a:prstGeom prst="rect">
+              <a:avLst/>
+            </a:prstGeom>
+          </p:spPr>
+        </p:pic>
+      </p:grpSp>
     </p:spTree>
     <p:extLst>
       <p:ext uri="{BB962C8B-B14F-4D97-AF65-F5344CB8AC3E}">
@@ -6777,12 +6693,155 @@
           </a:p>
         </p:txBody>
       </p:sp>
+      <p:sp>
+        <p:nvSpPr>
+          <p:cNvPr id="2" name="Title 1">
+            <a:extLst>
+              <a:ext uri="{FF2B5EF4-FFF2-40B4-BE49-F238E27FC236}">
+                <a16:creationId xmlns:a16="http://schemas.microsoft.com/office/drawing/2014/main" id="{044D5C86-6C13-B385-18EB-CE82554A07BC}"/>
+              </a:ext>
+            </a:extLst>
+          </p:cNvPr>
+          <p:cNvSpPr>
+            <a:spLocks noGrp="1"/>
+          </p:cNvSpPr>
+          <p:nvPr>
+            <p:ph type="title"/>
+          </p:nvPr>
+        </p:nvSpPr>
+        <p:spPr>
+          <a:xfrm>
+            <a:off x="1676400" y="-7563"/>
+            <a:ext cx="10515600" cy="1325563"/>
+          </a:xfrm>
+        </p:spPr>
+        <p:txBody>
+          <a:bodyPr>
+            <a:normAutofit/>
+          </a:bodyPr>
+          <a:lstStyle/>
+          <a:p>
+            <a:r>
+              <a:rPr lang="nb-NO" sz="3600" dirty="0"/>
+              <a:t>AG-222: Focus &amp; aims</a:t>
+            </a:r>
+            <a:endParaRPr lang="en-US" sz="3600" dirty="0"/>
+          </a:p>
+        </p:txBody>
+      </p:sp>
+      <p:sp>
+        <p:nvSpPr>
+          <p:cNvPr id="3" name="Content Placeholder 2">
+            <a:extLst>
+              <a:ext uri="{FF2B5EF4-FFF2-40B4-BE49-F238E27FC236}">
+                <a16:creationId xmlns:a16="http://schemas.microsoft.com/office/drawing/2014/main" id="{2D0EA7A2-E4A5-2799-2A25-121BD1FEE728}"/>
+              </a:ext>
+            </a:extLst>
+          </p:cNvPr>
+          <p:cNvSpPr>
+            <a:spLocks noGrp="1"/>
+          </p:cNvSpPr>
+          <p:nvPr>
+            <p:ph idx="1"/>
+          </p:nvPr>
+        </p:nvSpPr>
+        <p:spPr>
+          <a:xfrm>
+            <a:off x="838199" y="1825625"/>
+            <a:ext cx="10785793" cy="4351338"/>
+          </a:xfrm>
+        </p:spPr>
+        <p:txBody>
+          <a:bodyPr>
+            <a:normAutofit fontScale="85000" lnSpcReduction="20000"/>
+          </a:bodyPr>
+          <a:lstStyle/>
+          <a:p>
+            <a:pPr marL="0" indent="0">
+              <a:buNone/>
+            </a:pPr>
+            <a:r>
+              <a:rPr lang="nb-NO" dirty="0"/>
+              <a:t>Motivation:</a:t>
+            </a:r>
+          </a:p>
+          <a:p>
+            <a:r>
+              <a:rPr lang="nb-NO" dirty="0"/>
+              <a:t>Plan of approach for acquiring digital data sets</a:t>
+            </a:r>
+          </a:p>
+          <a:p>
+            <a:r>
+              <a:rPr lang="nb-NO" dirty="0"/>
+              <a:t>Standardised &amp; structured data processing</a:t>
+            </a:r>
+          </a:p>
+          <a:p>
+            <a:r>
+              <a:rPr lang="nb-NO" dirty="0"/>
+              <a:t>Scientific notekeeping and data availability</a:t>
+            </a:r>
+          </a:p>
+          <a:p>
+            <a:endParaRPr lang="nb-NO" dirty="0"/>
+          </a:p>
+          <a:p>
+            <a:pPr marL="0" indent="0">
+              <a:buNone/>
+            </a:pPr>
+            <a:r>
+              <a:rPr lang="nb-NO" dirty="0"/>
+              <a:t>Learning outcomes:</a:t>
+            </a:r>
+          </a:p>
+          <a:p>
+            <a:r>
+              <a:rPr lang="nb-NO" dirty="0"/>
+              <a:t>Fundamental understanding of photogrammetry, and how to process data</a:t>
+            </a:r>
+          </a:p>
+          <a:p>
+            <a:r>
+              <a:rPr lang="nb-NO" dirty="0"/>
+              <a:t>Understanding of how to apply georeferencing and spatial alignment</a:t>
+            </a:r>
+          </a:p>
+          <a:p>
+            <a:r>
+              <a:rPr lang="nb-NO" dirty="0"/>
+              <a:t>Become familiar with best-practices in data processing, including quality assessment and data validation</a:t>
+            </a:r>
+          </a:p>
+          <a:p>
+            <a:r>
+              <a:rPr lang="nb-NO" dirty="0"/>
+              <a:t>Be able to perform basic data analysis and feature interpretation</a:t>
+            </a:r>
+          </a:p>
+          <a:p>
+            <a:endParaRPr lang="nb-NO" dirty="0"/>
+          </a:p>
+          <a:p>
+            <a:endParaRPr lang="nb-NO" sz="2800" dirty="0"/>
+          </a:p>
+          <a:p>
+            <a:endParaRPr lang="nb-NO" sz="2800" dirty="0"/>
+          </a:p>
+          <a:p>
+            <a:pPr marL="0" indent="0">
+              <a:buNone/>
+            </a:pPr>
+            <a:endParaRPr lang="en-US" sz="2800" dirty="0"/>
+          </a:p>
+        </p:txBody>
+      </p:sp>
       <p:grpSp>
         <p:nvGrpSpPr>
-          <p:cNvPr id="23" name="Group 22">
-            <a:extLst>
-              <a:ext uri="{FF2B5EF4-FFF2-40B4-BE49-F238E27FC236}">
-                <a16:creationId xmlns:a16="http://schemas.microsoft.com/office/drawing/2014/main" id="{5C8CC107-8B6F-2BA8-A951-E8276E1CAFC8}"/>
+          <p:cNvPr id="11" name="Group 10">
+            <a:extLst>
+              <a:ext uri="{FF2B5EF4-FFF2-40B4-BE49-F238E27FC236}">
+                <a16:creationId xmlns:a16="http://schemas.microsoft.com/office/drawing/2014/main" id="{D7878B93-9754-40C2-67B5-4C6B44C09932}"/>
               </a:ext>
             </a:extLst>
           </p:cNvPr>
@@ -6791,65 +6850,23 @@
         </p:nvGrpSpPr>
         <p:grpSpPr>
           <a:xfrm>
-            <a:off x="42671" y="6443508"/>
-            <a:ext cx="12006913" cy="385818"/>
-            <a:chOff x="42671" y="6443508"/>
-            <a:chExt cx="12006913" cy="385818"/>
+            <a:off x="9704900" y="6443508"/>
+            <a:ext cx="2344684" cy="333050"/>
+            <a:chOff x="9704900" y="6443508"/>
+            <a:chExt cx="2344684" cy="333050"/>
           </a:xfrm>
         </p:grpSpPr>
-        <p:sp>
-          <p:nvSpPr>
-            <p:cNvPr id="24" name="TextBox 23">
+        <p:pic>
+          <p:nvPicPr>
+            <p:cNvPr id="12" name="Picture 2" descr="UNIS - The university centre in Svalbard">
               <a:extLst>
                 <a:ext uri="{FF2B5EF4-FFF2-40B4-BE49-F238E27FC236}">
-                  <a16:creationId xmlns:a16="http://schemas.microsoft.com/office/drawing/2014/main" id="{1B538703-361B-3F8B-537E-BBCFEBB6CACC}"/>
-                </a:ext>
-              </a:extLst>
-            </p:cNvPr>
-            <p:cNvSpPr txBox="1"/>
-            <p:nvPr/>
-          </p:nvSpPr>
-          <p:spPr>
-            <a:xfrm>
-              <a:off x="854075" y="6521549"/>
-              <a:ext cx="3805382" cy="307777"/>
-            </a:xfrm>
-            <a:prstGeom prst="rect">
-              <a:avLst/>
-            </a:prstGeom>
-            <a:noFill/>
-          </p:spPr>
-          <p:txBody>
-            <a:bodyPr wrap="square" rtlCol="0">
-              <a:spAutoFit/>
-            </a:bodyPr>
-            <a:lstStyle/>
-            <a:p>
-              <a:r>
-                <a:rPr lang="nb-NO" sz="1400" i="1" dirty="0">
-                  <a:latin typeface="Arial" panose="020B0604020202020204" pitchFamily="34" charset="0"/>
-                  <a:cs typeface="Arial" panose="020B0604020202020204" pitchFamily="34" charset="0"/>
-                </a:rPr>
-                <a:t>FAIR digital documentation &amp; teaching</a:t>
-              </a:r>
-              <a:endParaRPr lang="en-US" sz="1400" i="1" dirty="0">
-                <a:latin typeface="Arial" panose="020B0604020202020204" pitchFamily="34" charset="0"/>
-                <a:cs typeface="Arial" panose="020B0604020202020204" pitchFamily="34" charset="0"/>
-              </a:endParaRPr>
-            </a:p>
-          </p:txBody>
-        </p:sp>
-        <p:pic>
-          <p:nvPicPr>
-            <p:cNvPr id="25" name="Picture 24" descr="A screenshot of a video game&#10;&#10;Description automatically generated">
-              <a:extLst>
-                <a:ext uri="{FF2B5EF4-FFF2-40B4-BE49-F238E27FC236}">
-                  <a16:creationId xmlns:a16="http://schemas.microsoft.com/office/drawing/2014/main" id="{5F21D3D7-314B-1C6E-B50E-93CFE61D5082}"/>
+                  <a16:creationId xmlns:a16="http://schemas.microsoft.com/office/drawing/2014/main" id="{502E761F-10E4-1995-7CC7-8E2CD0F4F78C}"/>
                 </a:ext>
               </a:extLst>
             </p:cNvPr>
             <p:cNvPicPr>
-              <a:picLocks noChangeAspect="1"/>
+              <a:picLocks noChangeAspect="1" noChangeArrowheads="1"/>
             </p:cNvPicPr>
             <p:nvPr/>
           </p:nvPicPr>
@@ -6861,26 +6878,37 @@
                 </a:ext>
               </a:extLst>
             </a:blip>
+            <a:srcRect/>
             <a:stretch>
               <a:fillRect/>
             </a:stretch>
           </p:blipFill>
-          <p:spPr>
+          <p:spPr bwMode="auto">
             <a:xfrm>
-              <a:off x="42671" y="6563571"/>
-              <a:ext cx="876716" cy="230005"/>
+              <a:off x="10413848" y="6443508"/>
+              <a:ext cx="1210145" cy="326740"/>
             </a:xfrm>
             <a:prstGeom prst="rect">
               <a:avLst/>
             </a:prstGeom>
+            <a:noFill/>
+            <a:extLst>
+              <a:ext uri="{909E8E84-426E-40DD-AFC4-6F175D3DCCD1}">
+                <a14:hiddenFill xmlns:a14="http://schemas.microsoft.com/office/drawing/2010/main">
+                  <a:solidFill>
+                    <a:srgbClr val="FFFFFF"/>
+                  </a:solidFill>
+                </a14:hiddenFill>
+              </a:ext>
+            </a:extLst>
           </p:spPr>
         </p:pic>
         <p:pic>
           <p:nvPicPr>
-            <p:cNvPr id="26" name="Picture 2" descr="UNIS - The university centre in Svalbard">
+            <p:cNvPr id="14" name="Picture 2" descr="Site is undergoing maintenance">
               <a:extLst>
                 <a:ext uri="{FF2B5EF4-FFF2-40B4-BE49-F238E27FC236}">
-                  <a16:creationId xmlns:a16="http://schemas.microsoft.com/office/drawing/2014/main" id="{3FBB4A11-E9C3-D45E-8EDE-6CF34C32E59B}"/>
+                  <a16:creationId xmlns:a16="http://schemas.microsoft.com/office/drawing/2014/main" id="{3104184E-88A8-A108-F5E3-9A13782D2B93}"/>
                 </a:ext>
               </a:extLst>
             </p:cNvPr>
@@ -6904,8 +6932,8 @@
           </p:blipFill>
           <p:spPr bwMode="auto">
             <a:xfrm>
-              <a:off x="10413848" y="6443508"/>
-              <a:ext cx="1210145" cy="326740"/>
+              <a:off x="11766409" y="6449818"/>
+              <a:ext cx="283175" cy="326740"/>
             </a:xfrm>
             <a:prstGeom prst="rect">
               <a:avLst/>
@@ -6924,15 +6952,15 @@
         </p:pic>
         <p:pic>
           <p:nvPicPr>
-            <p:cNvPr id="27" name="Picture 2" descr="Site is undergoing maintenance">
+            <p:cNvPr id="15" name="Picture 14" descr="A black background with grey letters and a red triangle&#10;&#10;Description automatically generated">
               <a:extLst>
                 <a:ext uri="{FF2B5EF4-FFF2-40B4-BE49-F238E27FC236}">
-                  <a16:creationId xmlns:a16="http://schemas.microsoft.com/office/drawing/2014/main" id="{A9B52DA7-A2A2-0059-A038-02CDC274F002}"/>
+                  <a16:creationId xmlns:a16="http://schemas.microsoft.com/office/drawing/2014/main" id="{32CD27B1-17FB-17FD-5597-F00EA27562F1}"/>
                 </a:ext>
               </a:extLst>
             </p:cNvPr>
             <p:cNvPicPr>
-              <a:picLocks noChangeAspect="1" noChangeArrowheads="1"/>
+              <a:picLocks noChangeAspect="1"/>
             </p:cNvPicPr>
             <p:nvPr/>
           </p:nvPicPr>
@@ -6944,175 +6972,21 @@
                 </a:ext>
               </a:extLst>
             </a:blip>
-            <a:srcRect/>
             <a:stretch>
               <a:fillRect/>
             </a:stretch>
           </p:blipFill>
-          <p:spPr bwMode="auto">
+          <p:spPr>
             <a:xfrm>
-              <a:off x="11766409" y="6449818"/>
-              <a:ext cx="283175" cy="326740"/>
+              <a:off x="9704900" y="6486750"/>
+              <a:ext cx="580285" cy="270414"/>
             </a:xfrm>
             <a:prstGeom prst="rect">
               <a:avLst/>
             </a:prstGeom>
-            <a:noFill/>
-            <a:extLst>
-              <a:ext uri="{909E8E84-426E-40DD-AFC4-6F175D3DCCD1}">
-                <a14:hiddenFill xmlns:a14="http://schemas.microsoft.com/office/drawing/2010/main">
-                  <a:solidFill>
-                    <a:srgbClr val="FFFFFF"/>
-                  </a:solidFill>
-                </a14:hiddenFill>
-              </a:ext>
-            </a:extLst>
           </p:spPr>
         </p:pic>
       </p:grpSp>
-      <p:sp>
-        <p:nvSpPr>
-          <p:cNvPr id="2" name="Title 1">
-            <a:extLst>
-              <a:ext uri="{FF2B5EF4-FFF2-40B4-BE49-F238E27FC236}">
-                <a16:creationId xmlns:a16="http://schemas.microsoft.com/office/drawing/2014/main" id="{044D5C86-6C13-B385-18EB-CE82554A07BC}"/>
-              </a:ext>
-            </a:extLst>
-          </p:cNvPr>
-          <p:cNvSpPr>
-            <a:spLocks noGrp="1"/>
-          </p:cNvSpPr>
-          <p:nvPr>
-            <p:ph type="title"/>
-          </p:nvPr>
-        </p:nvSpPr>
-        <p:spPr>
-          <a:xfrm>
-            <a:off x="1676400" y="-7563"/>
-            <a:ext cx="10515600" cy="1325563"/>
-          </a:xfrm>
-        </p:spPr>
-        <p:txBody>
-          <a:bodyPr>
-            <a:normAutofit/>
-          </a:bodyPr>
-          <a:lstStyle/>
-          <a:p>
-            <a:r>
-              <a:rPr lang="nb-NO" sz="3600" dirty="0"/>
-              <a:t>AG-222: Focus &amp; aims</a:t>
-            </a:r>
-            <a:endParaRPr lang="en-US" sz="3600" dirty="0"/>
-          </a:p>
-        </p:txBody>
-      </p:sp>
-      <p:sp>
-        <p:nvSpPr>
-          <p:cNvPr id="3" name="Content Placeholder 2">
-            <a:extLst>
-              <a:ext uri="{FF2B5EF4-FFF2-40B4-BE49-F238E27FC236}">
-                <a16:creationId xmlns:a16="http://schemas.microsoft.com/office/drawing/2014/main" id="{2D0EA7A2-E4A5-2799-2A25-121BD1FEE728}"/>
-              </a:ext>
-            </a:extLst>
-          </p:cNvPr>
-          <p:cNvSpPr>
-            <a:spLocks noGrp="1"/>
-          </p:cNvSpPr>
-          <p:nvPr>
-            <p:ph idx="1"/>
-          </p:nvPr>
-        </p:nvSpPr>
-        <p:spPr>
-          <a:xfrm>
-            <a:off x="838199" y="1825625"/>
-            <a:ext cx="10785793" cy="4351338"/>
-          </a:xfrm>
-        </p:spPr>
-        <p:txBody>
-          <a:bodyPr>
-            <a:normAutofit fontScale="85000" lnSpcReduction="20000"/>
-          </a:bodyPr>
-          <a:lstStyle/>
-          <a:p>
-            <a:pPr marL="0" indent="0">
-              <a:buNone/>
-            </a:pPr>
-            <a:r>
-              <a:rPr lang="nb-NO" dirty="0"/>
-              <a:t>Motivation:</a:t>
-            </a:r>
-          </a:p>
-          <a:p>
-            <a:r>
-              <a:rPr lang="nb-NO" dirty="0"/>
-              <a:t>Plan of approach for acquiring digital data sets</a:t>
-            </a:r>
-          </a:p>
-          <a:p>
-            <a:r>
-              <a:rPr lang="nb-NO" dirty="0"/>
-              <a:t>Standardised &amp; structured data processing</a:t>
-            </a:r>
-          </a:p>
-          <a:p>
-            <a:r>
-              <a:rPr lang="nb-NO" dirty="0"/>
-              <a:t>Scientific notekeeping and data availability</a:t>
-            </a:r>
-          </a:p>
-          <a:p>
-            <a:endParaRPr lang="nb-NO" dirty="0"/>
-          </a:p>
-          <a:p>
-            <a:pPr marL="0" indent="0">
-              <a:buNone/>
-            </a:pPr>
-            <a:r>
-              <a:rPr lang="nb-NO" dirty="0"/>
-              <a:t>Learning outcomes:</a:t>
-            </a:r>
-          </a:p>
-          <a:p>
-            <a:r>
-              <a:rPr lang="nb-NO" dirty="0"/>
-              <a:t>Fundamental understanding of photogrammetry, and how to process data</a:t>
-            </a:r>
-          </a:p>
-          <a:p>
-            <a:r>
-              <a:rPr lang="nb-NO" dirty="0"/>
-              <a:t>Understanding of how to apply georeferencing and spatial alignment</a:t>
-            </a:r>
-          </a:p>
-          <a:p>
-            <a:r>
-              <a:rPr lang="nb-NO" dirty="0"/>
-              <a:t>Become familiar with best-practices in data processing, including quality assessment and data validation</a:t>
-            </a:r>
-          </a:p>
-          <a:p>
-            <a:r>
-              <a:rPr lang="nb-NO" dirty="0"/>
-              <a:t>Be able to perform basic data analysis and feature interpretation</a:t>
-            </a:r>
-          </a:p>
-          <a:p>
-            <a:endParaRPr lang="nb-NO" dirty="0"/>
-          </a:p>
-          <a:p>
-            <a:endParaRPr lang="nb-NO" sz="2800" dirty="0"/>
-          </a:p>
-          <a:p>
-            <a:endParaRPr lang="nb-NO" sz="2800" dirty="0"/>
-          </a:p>
-          <a:p>
-            <a:pPr marL="0" indent="0">
-              <a:buNone/>
-            </a:pPr>
-            <a:endParaRPr lang="en-US" sz="2800" dirty="0"/>
-          </a:p>
-        </p:txBody>
-      </p:sp>
     </p:spTree>
     <p:extLst>
       <p:ext uri="{BB962C8B-B14F-4D97-AF65-F5344CB8AC3E}">
@@ -7893,199 +7767,6 @@
           </a:p>
         </p:txBody>
       </p:sp>
-      <p:grpSp>
-        <p:nvGrpSpPr>
-          <p:cNvPr id="23" name="Group 22">
-            <a:extLst>
-              <a:ext uri="{FF2B5EF4-FFF2-40B4-BE49-F238E27FC236}">
-                <a16:creationId xmlns:a16="http://schemas.microsoft.com/office/drawing/2014/main" id="{5C8CC107-8B6F-2BA8-A951-E8276E1CAFC8}"/>
-              </a:ext>
-            </a:extLst>
-          </p:cNvPr>
-          <p:cNvGrpSpPr/>
-          <p:nvPr/>
-        </p:nvGrpSpPr>
-        <p:grpSpPr>
-          <a:xfrm>
-            <a:off x="42671" y="6443508"/>
-            <a:ext cx="12006913" cy="385818"/>
-            <a:chOff x="42671" y="6443508"/>
-            <a:chExt cx="12006913" cy="385818"/>
-          </a:xfrm>
-        </p:grpSpPr>
-        <p:sp>
-          <p:nvSpPr>
-            <p:cNvPr id="24" name="TextBox 23">
-              <a:extLst>
-                <a:ext uri="{FF2B5EF4-FFF2-40B4-BE49-F238E27FC236}">
-                  <a16:creationId xmlns:a16="http://schemas.microsoft.com/office/drawing/2014/main" id="{1B538703-361B-3F8B-537E-BBCFEBB6CACC}"/>
-                </a:ext>
-              </a:extLst>
-            </p:cNvPr>
-            <p:cNvSpPr txBox="1"/>
-            <p:nvPr/>
-          </p:nvSpPr>
-          <p:spPr>
-            <a:xfrm>
-              <a:off x="854075" y="6521549"/>
-              <a:ext cx="3805382" cy="307777"/>
-            </a:xfrm>
-            <a:prstGeom prst="rect">
-              <a:avLst/>
-            </a:prstGeom>
-            <a:noFill/>
-          </p:spPr>
-          <p:txBody>
-            <a:bodyPr wrap="square" rtlCol="0">
-              <a:spAutoFit/>
-            </a:bodyPr>
-            <a:lstStyle/>
-            <a:p>
-              <a:r>
-                <a:rPr lang="nb-NO" sz="1400" i="1" dirty="0">
-                  <a:latin typeface="Arial" panose="020B0604020202020204" pitchFamily="34" charset="0"/>
-                  <a:cs typeface="Arial" panose="020B0604020202020204" pitchFamily="34" charset="0"/>
-                </a:rPr>
-                <a:t>FAIR digital documentation &amp; teaching</a:t>
-              </a:r>
-              <a:endParaRPr lang="en-US" sz="1400" i="1" dirty="0">
-                <a:latin typeface="Arial" panose="020B0604020202020204" pitchFamily="34" charset="0"/>
-                <a:cs typeface="Arial" panose="020B0604020202020204" pitchFamily="34" charset="0"/>
-              </a:endParaRPr>
-            </a:p>
-          </p:txBody>
-        </p:sp>
-        <p:pic>
-          <p:nvPicPr>
-            <p:cNvPr id="25" name="Picture 24" descr="A screenshot of a video game&#10;&#10;Description automatically generated">
-              <a:extLst>
-                <a:ext uri="{FF2B5EF4-FFF2-40B4-BE49-F238E27FC236}">
-                  <a16:creationId xmlns:a16="http://schemas.microsoft.com/office/drawing/2014/main" id="{5F21D3D7-314B-1C6E-B50E-93CFE61D5082}"/>
-                </a:ext>
-              </a:extLst>
-            </p:cNvPr>
-            <p:cNvPicPr>
-              <a:picLocks noChangeAspect="1"/>
-            </p:cNvPicPr>
-            <p:nvPr/>
-          </p:nvPicPr>
-          <p:blipFill>
-            <a:blip r:embed="rId2">
-              <a:extLst>
-                <a:ext uri="{28A0092B-C50C-407E-A947-70E740481C1C}">
-                  <a14:useLocalDpi xmlns:a14="http://schemas.microsoft.com/office/drawing/2010/main" val="0"/>
-                </a:ext>
-              </a:extLst>
-            </a:blip>
-            <a:stretch>
-              <a:fillRect/>
-            </a:stretch>
-          </p:blipFill>
-          <p:spPr>
-            <a:xfrm>
-              <a:off x="42671" y="6563571"/>
-              <a:ext cx="876716" cy="230005"/>
-            </a:xfrm>
-            <a:prstGeom prst="rect">
-              <a:avLst/>
-            </a:prstGeom>
-          </p:spPr>
-        </p:pic>
-        <p:pic>
-          <p:nvPicPr>
-            <p:cNvPr id="26" name="Picture 2" descr="UNIS - The university centre in Svalbard">
-              <a:extLst>
-                <a:ext uri="{FF2B5EF4-FFF2-40B4-BE49-F238E27FC236}">
-                  <a16:creationId xmlns:a16="http://schemas.microsoft.com/office/drawing/2014/main" id="{3FBB4A11-E9C3-D45E-8EDE-6CF34C32E59B}"/>
-                </a:ext>
-              </a:extLst>
-            </p:cNvPr>
-            <p:cNvPicPr>
-              <a:picLocks noChangeAspect="1" noChangeArrowheads="1"/>
-            </p:cNvPicPr>
-            <p:nvPr/>
-          </p:nvPicPr>
-          <p:blipFill>
-            <a:blip r:embed="rId3">
-              <a:extLst>
-                <a:ext uri="{28A0092B-C50C-407E-A947-70E740481C1C}">
-                  <a14:useLocalDpi xmlns:a14="http://schemas.microsoft.com/office/drawing/2010/main" val="0"/>
-                </a:ext>
-              </a:extLst>
-            </a:blip>
-            <a:srcRect/>
-            <a:stretch>
-              <a:fillRect/>
-            </a:stretch>
-          </p:blipFill>
-          <p:spPr bwMode="auto">
-            <a:xfrm>
-              <a:off x="10413848" y="6443508"/>
-              <a:ext cx="1210145" cy="326740"/>
-            </a:xfrm>
-            <a:prstGeom prst="rect">
-              <a:avLst/>
-            </a:prstGeom>
-            <a:noFill/>
-            <a:extLst>
-              <a:ext uri="{909E8E84-426E-40DD-AFC4-6F175D3DCCD1}">
-                <a14:hiddenFill xmlns:a14="http://schemas.microsoft.com/office/drawing/2010/main">
-                  <a:solidFill>
-                    <a:srgbClr val="FFFFFF"/>
-                  </a:solidFill>
-                </a14:hiddenFill>
-              </a:ext>
-            </a:extLst>
-          </p:spPr>
-        </p:pic>
-        <p:pic>
-          <p:nvPicPr>
-            <p:cNvPr id="27" name="Picture 2" descr="Site is undergoing maintenance">
-              <a:extLst>
-                <a:ext uri="{FF2B5EF4-FFF2-40B4-BE49-F238E27FC236}">
-                  <a16:creationId xmlns:a16="http://schemas.microsoft.com/office/drawing/2014/main" id="{A9B52DA7-A2A2-0059-A038-02CDC274F002}"/>
-                </a:ext>
-              </a:extLst>
-            </p:cNvPr>
-            <p:cNvPicPr>
-              <a:picLocks noChangeAspect="1" noChangeArrowheads="1"/>
-            </p:cNvPicPr>
-            <p:nvPr/>
-          </p:nvPicPr>
-          <p:blipFill>
-            <a:blip r:embed="rId4">
-              <a:extLst>
-                <a:ext uri="{28A0092B-C50C-407E-A947-70E740481C1C}">
-                  <a14:useLocalDpi xmlns:a14="http://schemas.microsoft.com/office/drawing/2010/main" val="0"/>
-                </a:ext>
-              </a:extLst>
-            </a:blip>
-            <a:srcRect/>
-            <a:stretch>
-              <a:fillRect/>
-            </a:stretch>
-          </p:blipFill>
-          <p:spPr bwMode="auto">
-            <a:xfrm>
-              <a:off x="11766409" y="6449818"/>
-              <a:ext cx="283175" cy="326740"/>
-            </a:xfrm>
-            <a:prstGeom prst="rect">
-              <a:avLst/>
-            </a:prstGeom>
-            <a:noFill/>
-            <a:extLst>
-              <a:ext uri="{909E8E84-426E-40DD-AFC4-6F175D3DCCD1}">
-                <a14:hiddenFill xmlns:a14="http://schemas.microsoft.com/office/drawing/2010/main">
-                  <a:solidFill>
-                    <a:srgbClr val="FFFFFF"/>
-                  </a:solidFill>
-                </a14:hiddenFill>
-              </a:ext>
-            </a:extLst>
-          </p:spPr>
-        </p:pic>
-      </p:grpSp>
       <p:sp>
         <p:nvSpPr>
           <p:cNvPr id="2" name="Title 1">
@@ -8115,8 +7796,12 @@
           <a:lstStyle/>
           <a:p>
             <a:r>
+              <a:rPr lang="nb-NO" sz="3600"/>
+              <a:t>AG-214: </a:t>
+            </a:r>
+            <a:r>
               <a:rPr lang="nb-NO" sz="3600" dirty="0"/>
-              <a:t>AG-222: 2024 timetable</a:t>
+              <a:t>2024 timetable</a:t>
             </a:r>
             <a:endParaRPr lang="en-US" sz="3600" dirty="0"/>
           </a:p>
@@ -8137,14 +7822,14 @@
           <p:nvPr>
             <p:extLst>
               <p:ext uri="{D42A27DB-BD31-4B8C-83A1-F6EECF244321}">
-                <p14:modId xmlns:p14="http://schemas.microsoft.com/office/powerpoint/2010/main" val="729715832"/>
+                <p14:modId xmlns:p14="http://schemas.microsoft.com/office/powerpoint/2010/main" val="1500974049"/>
               </p:ext>
             </p:extLst>
           </p:nvPr>
         </p:nvGraphicFramePr>
         <p:xfrm>
           <a:off x="537663" y="1012111"/>
-          <a:ext cx="11055986" cy="5321820"/>
+          <a:ext cx="11055986" cy="3238262"/>
         </p:xfrm>
         <a:graphic>
           <a:graphicData uri="http://schemas.openxmlformats.org/drawingml/2006/table">
@@ -8232,9 +7917,8 @@
                     <a:p>
                       <a:r>
                         <a:rPr lang="nb-NO" dirty="0"/>
-                        <a:t>29-01 (morning)</a:t>
+                        <a:t>23-09</a:t>
                       </a:r>
-                      <a:endParaRPr lang="en-US" dirty="0"/>
                     </a:p>
                   </a:txBody>
                   <a:tcPr/>
@@ -8244,17 +7928,52 @@
                     <a:bodyPr/>
                     <a:lstStyle/>
                     <a:p>
+                      <a:pPr marL="285750" indent="-285750">
+                        <a:buFontTx/>
+                        <a:buChar char="-"/>
+                      </a:pPr>
                       <a:r>
                         <a:rPr lang="nb-NO" dirty="0"/>
-                        <a:t>- Welcome to Geo-SfM</a:t>
+                        <a:t>Welcome to Geo-SfM</a:t>
                       </a:r>
                     </a:p>
                     <a:p>
+                      <a:pPr marL="285750" indent="-285750">
+                        <a:buFontTx/>
+                        <a:buChar char="-"/>
+                      </a:pPr>
                       <a:r>
                         <a:rPr lang="nb-NO" dirty="0"/>
-                        <a:t>- Session 1: SfM photogrammetry</a:t>
+                        <a:t>Session 1: SfM photogrammetry</a:t>
                       </a:r>
-                      <a:endParaRPr lang="en-US" dirty="0"/>
+                    </a:p>
+                    <a:p>
+                      <a:pPr marL="285750" indent="-285750">
+                        <a:buFontTx/>
+                        <a:buChar char="-"/>
+                      </a:pPr>
+                      <a:r>
+                        <a:rPr lang="en-US" dirty="0"/>
+                        <a:t>Session 2: Small object </a:t>
+                      </a:r>
+                      <a:r>
+                        <a:rPr lang="en-US" dirty="0" err="1"/>
+                        <a:t>SfM</a:t>
+                      </a:r>
+                      <a:r>
+                        <a:rPr lang="en-US" dirty="0"/>
+                        <a:t> photogrammetry</a:t>
+                      </a:r>
+                    </a:p>
+                    <a:p>
+                      <a:pPr marL="285750" indent="-285750">
+                        <a:buFontTx/>
+                        <a:buChar char="-"/>
+                      </a:pPr>
+                      <a:r>
+                        <a:rPr lang="en-US" dirty="0"/>
+                        <a:t>Session 3: Geo-referencing</a:t>
+                      </a:r>
                     </a:p>
                   </a:txBody>
                   <a:tcPr/>
@@ -8264,9 +7983,36 @@
                     <a:bodyPr/>
                     <a:lstStyle/>
                     <a:p>
+                      <a:pPr marL="285750" indent="-285750">
+                        <a:buFontTx/>
+                        <a:buChar char="-"/>
+                      </a:pPr>
                       <a:r>
                         <a:rPr lang="nb-NO" dirty="0"/>
-                        <a:t>- Create account and post to GitHub</a:t>
+                        <a:t>Create account and post to GitHub</a:t>
+                      </a:r>
+                    </a:p>
+                    <a:p>
+                      <a:pPr marL="285750" marR="0" lvl="0" indent="-285750" algn="l" defTabSz="914400" rtl="0" eaLnBrk="1" fontAlgn="auto" latinLnBrk="0" hangingPunct="1">
+                        <a:lnSpc>
+                          <a:spcPct val="100000"/>
+                        </a:lnSpc>
+                        <a:spcBef>
+                          <a:spcPts val="0"/>
+                        </a:spcBef>
+                        <a:spcAft>
+                          <a:spcPts val="0"/>
+                        </a:spcAft>
+                        <a:buClrTx/>
+                        <a:buSzTx/>
+                        <a:buFontTx/>
+                        <a:buChar char="-"/>
+                        <a:tabLst/>
+                        <a:defRPr/>
+                      </a:pPr>
+                      <a:r>
+                        <a:rPr lang="nb-NO" dirty="0"/>
+                        <a:t>Create (small) 3D model</a:t>
                       </a:r>
                       <a:endParaRPr lang="en-US" dirty="0"/>
                     </a:p>
@@ -8304,11 +8050,53 @@
                       </a:pPr>
                       <a:r>
                         <a:rPr lang="nb-NO" dirty="0"/>
-                        <a:t>29-01 (afternoon)</a:t>
+                        <a:t>03-10</a:t>
+                      </a:r>
+                    </a:p>
+                  </a:txBody>
+                  <a:tcPr/>
+                </a:tc>
+                <a:tc>
+                  <a:txBody>
+                    <a:bodyPr/>
+                    <a:lstStyle/>
+                    <a:p>
+                      <a:pPr marL="285750" indent="-285750">
+                        <a:buFontTx/>
+                        <a:buChar char="-"/>
+                      </a:pPr>
+                      <a:r>
+                        <a:rPr lang="en-US" dirty="0"/>
+                        <a:t>Session 2: Small object </a:t>
+                      </a:r>
+                      <a:r>
+                        <a:rPr lang="en-US" dirty="0" err="1"/>
+                        <a:t>SfM</a:t>
+                      </a:r>
+                      <a:r>
+                        <a:rPr lang="en-US" dirty="0"/>
+                        <a:t> photogrammetry</a:t>
                       </a:r>
                     </a:p>
                     <a:p>
-                      <a:pPr marL="0" marR="0" lvl="0" indent="0" algn="l" defTabSz="914400" rtl="0" eaLnBrk="1" fontAlgn="auto" latinLnBrk="0" hangingPunct="1">
+                      <a:pPr marL="285750" indent="-285750">
+                        <a:buFontTx/>
+                        <a:buChar char="-"/>
+                      </a:pPr>
+                      <a:r>
+                        <a:rPr lang="en-US" dirty="0"/>
+                        <a:t>Session 3: Geo-referencing</a:t>
+                      </a:r>
+                    </a:p>
+                  </a:txBody>
+                  <a:tcPr/>
+                </a:tc>
+                <a:tc>
+                  <a:txBody>
+                    <a:bodyPr/>
+                    <a:lstStyle/>
+                    <a:p>
+                      <a:pPr marL="285750" marR="0" lvl="0" indent="-285750" algn="l" defTabSz="914400" rtl="0" eaLnBrk="1" fontAlgn="auto" latinLnBrk="0" hangingPunct="1">
                         <a:lnSpc>
                           <a:spcPct val="100000"/>
                         </a:lnSpc>
@@ -8321,111 +8109,15 @@
                         <a:buClrTx/>
                         <a:buSzTx/>
                         <a:buFontTx/>
-                        <a:buNone/>
+                        <a:buChar char="-"/>
                         <a:tabLst/>
                         <a:defRPr/>
                       </a:pPr>
                       <a:r>
                         <a:rPr lang="nb-NO" dirty="0"/>
-                        <a:t>30-01 (morning)</a:t>
+                        <a:t>Create a georeferenced, (small) 3D model</a:t>
                       </a:r>
                       <a:endParaRPr lang="en-US" dirty="0"/>
-                    </a:p>
-                  </a:txBody>
-                  <a:tcPr/>
-                </a:tc>
-                <a:tc>
-                  <a:txBody>
-                    <a:bodyPr/>
-                    <a:lstStyle/>
-                    <a:p>
-                      <a:pPr marL="0" marR="0" lvl="0" indent="0" algn="l" defTabSz="914400" rtl="0" eaLnBrk="1" fontAlgn="auto" latinLnBrk="0" hangingPunct="1">
-                        <a:lnSpc>
-                          <a:spcPct val="100000"/>
-                        </a:lnSpc>
-                        <a:spcBef>
-                          <a:spcPts val="0"/>
-                        </a:spcBef>
-                        <a:spcAft>
-                          <a:spcPts val="0"/>
-                        </a:spcAft>
-                        <a:buClrTx/>
-                        <a:buSzTx/>
-                        <a:buFontTx/>
-                        <a:buNone/>
-                        <a:tabLst/>
-                        <a:defRPr/>
-                      </a:pPr>
-                      <a:r>
-                        <a:rPr lang="nb-NO" dirty="0"/>
-                        <a:t>- Session 1: SfM photogrammetry</a:t>
-                      </a:r>
-                    </a:p>
-                    <a:p>
-                      <a:pPr marL="0" marR="0" lvl="0" indent="0" algn="l" defTabSz="914400" rtl="0" eaLnBrk="1" fontAlgn="auto" latinLnBrk="0" hangingPunct="1">
-                        <a:lnSpc>
-                          <a:spcPct val="100000"/>
-                        </a:lnSpc>
-                        <a:spcBef>
-                          <a:spcPts val="0"/>
-                        </a:spcBef>
-                        <a:spcAft>
-                          <a:spcPts val="0"/>
-                        </a:spcAft>
-                        <a:buClrTx/>
-                        <a:buSzTx/>
-                        <a:buFontTx/>
-                        <a:buNone/>
-                        <a:tabLst/>
-                        <a:defRPr/>
-                      </a:pPr>
-                      <a:r>
-                        <a:rPr lang="nb-NO" dirty="0"/>
-                        <a:t>- Session 4: Small object «»</a:t>
-                      </a:r>
-                    </a:p>
-                    <a:p>
-                      <a:pPr marL="0" marR="0" lvl="0" indent="0" algn="l" defTabSz="914400" rtl="0" eaLnBrk="1" fontAlgn="auto" latinLnBrk="0" hangingPunct="1">
-                        <a:lnSpc>
-                          <a:spcPct val="100000"/>
-                        </a:lnSpc>
-                        <a:spcBef>
-                          <a:spcPts val="0"/>
-                        </a:spcBef>
-                        <a:spcAft>
-                          <a:spcPts val="0"/>
-                        </a:spcAft>
-                        <a:buClrTx/>
-                        <a:buSzTx/>
-                        <a:buFontTx/>
-                        <a:buNone/>
-                        <a:tabLst/>
-                        <a:defRPr/>
-                      </a:pPr>
-                      <a:r>
-                        <a:rPr lang="nb-NO" dirty="0"/>
-                        <a:t>- Session 6: Publish 3D models</a:t>
-                      </a:r>
-                      <a:endParaRPr lang="en-US" dirty="0"/>
-                    </a:p>
-                  </a:txBody>
-                  <a:tcPr/>
-                </a:tc>
-                <a:tc>
-                  <a:txBody>
-                    <a:bodyPr/>
-                    <a:lstStyle/>
-                    <a:p>
-                      <a:r>
-                        <a:rPr lang="nb-NO" dirty="0"/>
-                        <a:t>- Create 3D model from stretch (inc. Exercise 1 deliverable)</a:t>
-                      </a:r>
-                    </a:p>
-                    <a:p>
-                      <a:r>
-                        <a:rPr lang="nb-NO" dirty="0"/>
-                        <a:t>- Upload to SketchFab</a:t>
-                      </a:r>
                     </a:p>
                   </a:txBody>
                   <a:tcPr/>
@@ -8461,11 +8153,19 @@
                       </a:pPr>
                       <a:r>
                         <a:rPr lang="nb-NO" dirty="0"/>
-                        <a:t>30-01 (afternoon)</a:t>
+                        <a:t>04-10</a:t>
                       </a:r>
+                      <a:endParaRPr lang="en-US" dirty="0"/>
                     </a:p>
+                  </a:txBody>
+                  <a:tcPr/>
+                </a:tc>
+                <a:tc>
+                  <a:txBody>
+                    <a:bodyPr/>
+                    <a:lstStyle/>
                     <a:p>
-                      <a:pPr marL="0" marR="0" lvl="0" indent="0" algn="l" defTabSz="914400" rtl="0" eaLnBrk="1" fontAlgn="auto" latinLnBrk="0" hangingPunct="1">
+                      <a:pPr marL="285750" marR="0" lvl="0" indent="-285750" algn="l" defTabSz="914400" rtl="0" eaLnBrk="1" fontAlgn="auto" latinLnBrk="0" hangingPunct="1">
                         <a:lnSpc>
                           <a:spcPct val="100000"/>
                         </a:lnSpc>
@@ -8478,15 +8178,24 @@
                         <a:buClrTx/>
                         <a:buSzTx/>
                         <a:buFontTx/>
-                        <a:buNone/>
+                        <a:buChar char="-"/>
                         <a:tabLst/>
                         <a:defRPr/>
                       </a:pPr>
                       <a:r>
-                        <a:rPr lang="nb-NO" dirty="0"/>
-                        <a:t>31-01 (morning)</a:t>
+                        <a:rPr lang="en-US" dirty="0"/>
+                        <a:t>Session 4: Automation</a:t>
                       </a:r>
-                      <a:endParaRPr lang="en-US" dirty="0"/>
+                    </a:p>
+                    <a:p>
+                      <a:pPr marL="285750" indent="-285750">
+                        <a:buFontTx/>
+                        <a:buChar char="-"/>
+                      </a:pPr>
+                      <a:r>
+                        <a:rPr lang="en-US" dirty="0"/>
+                        <a:t>Session 5: Geomodelling</a:t>
+                      </a:r>
                     </a:p>
                   </a:txBody>
                   <a:tcPr/>
@@ -8496,30 +8205,7 @@
                     <a:bodyPr/>
                     <a:lstStyle/>
                     <a:p>
-                      <a:r>
-                        <a:rPr lang="nb-NO" dirty="0"/>
-                        <a:t>- Session 2: Geo-referencing</a:t>
-                      </a:r>
-                    </a:p>
-                    <a:p>
-                      <a:endParaRPr lang="nb-NO" dirty="0"/>
-                    </a:p>
-                    <a:p>
-                      <a:r>
-                        <a:rPr lang="nb-NO" dirty="0"/>
-                        <a:t>- Session 6: Publish 3D models</a:t>
-                      </a:r>
-                      <a:endParaRPr lang="en-US" dirty="0"/>
-                    </a:p>
-                  </a:txBody>
-                  <a:tcPr/>
-                </a:tc>
-                <a:tc>
-                  <a:txBody>
-                    <a:bodyPr/>
-                    <a:lstStyle/>
-                    <a:p>
-                      <a:pPr marL="0" marR="0" lvl="0" indent="0" algn="l" defTabSz="914400" rtl="0" eaLnBrk="1" fontAlgn="auto" latinLnBrk="0" hangingPunct="1">
+                      <a:pPr marL="285750" marR="0" lvl="0" indent="-285750" algn="l" defTabSz="914400" rtl="0" eaLnBrk="1" fontAlgn="auto" latinLnBrk="0" hangingPunct="1">
                         <a:lnSpc>
                           <a:spcPct val="100000"/>
                         </a:lnSpc>
@@ -8532,17 +8218,17 @@
                         <a:buClrTx/>
                         <a:buSzTx/>
                         <a:buFontTx/>
-                        <a:buNone/>
+                        <a:buChar char="-"/>
                         <a:tabLst/>
                         <a:defRPr/>
                       </a:pPr>
                       <a:r>
                         <a:rPr lang="nb-NO" dirty="0"/>
-                        <a:t>- Create a georeferenced 3D model , inc. metadata</a:t>
+                        <a:t>Create a digital outcrop model</a:t>
                       </a:r>
                     </a:p>
                     <a:p>
-                      <a:pPr marL="0" marR="0" lvl="0" indent="0" algn="l" defTabSz="914400" rtl="0" eaLnBrk="1" fontAlgn="auto" latinLnBrk="0" hangingPunct="1">
+                      <a:pPr marL="285750" marR="0" lvl="0" indent="-285750" algn="l" defTabSz="914400" rtl="0" eaLnBrk="1" fontAlgn="auto" latinLnBrk="0" hangingPunct="1">
                         <a:lnSpc>
                           <a:spcPct val="100000"/>
                         </a:lnSpc>
@@ -8555,13 +8241,13 @@
                         <a:buClrTx/>
                         <a:buSzTx/>
                         <a:buFontTx/>
-                        <a:buNone/>
+                        <a:buChar char="-"/>
                         <a:tabLst/>
                         <a:defRPr/>
                       </a:pPr>
                       <a:r>
                         <a:rPr lang="nb-NO" dirty="0"/>
-                        <a:t>- Upload to SketchFab</a:t>
+                        <a:t>Annotate a digital outcrop model</a:t>
                       </a:r>
                     </a:p>
                   </a:txBody>
@@ -8573,223 +8259,161 @@
                   </a:ext>
                 </a:extLst>
               </a:tr>
-              <a:tr h="1308141">
-                <a:tc>
-                  <a:txBody>
-                    <a:bodyPr/>
-                    <a:lstStyle/>
-                    <a:p>
-                      <a:r>
-                        <a:rPr lang="nb-NO" dirty="0"/>
-                        <a:t>31-01 (afternoon)</a:t>
-                      </a:r>
-                    </a:p>
-                    <a:p>
-                      <a:r>
-                        <a:rPr lang="en-US" dirty="0"/>
-                        <a:t>01-02</a:t>
-                      </a:r>
-                    </a:p>
-                  </a:txBody>
-                  <a:tcPr/>
-                </a:tc>
-                <a:tc>
-                  <a:txBody>
-                    <a:bodyPr/>
-                    <a:lstStyle/>
-                    <a:p>
-                      <a:r>
-                        <a:rPr lang="nb-NO" dirty="0"/>
-                        <a:t>- Session 3: Automation</a:t>
-                      </a:r>
-                    </a:p>
-                    <a:p>
-                      <a:endParaRPr lang="nb-NO" dirty="0"/>
-                    </a:p>
-                    <a:p>
-                      <a:pPr marL="0" marR="0" lvl="0" indent="0" algn="l" defTabSz="914400" rtl="0" eaLnBrk="1" fontAlgn="auto" latinLnBrk="0" hangingPunct="1">
-                        <a:lnSpc>
-                          <a:spcPct val="100000"/>
-                        </a:lnSpc>
-                        <a:spcBef>
-                          <a:spcPts val="0"/>
-                        </a:spcBef>
-                        <a:spcAft>
-                          <a:spcPts val="0"/>
-                        </a:spcAft>
-                        <a:buClrTx/>
-                        <a:buSzTx/>
-                        <a:buFontTx/>
-                        <a:buNone/>
-                        <a:tabLst/>
-                        <a:defRPr/>
-                      </a:pPr>
-                      <a:r>
-                        <a:rPr lang="nb-NO" dirty="0"/>
-                        <a:t>- Session 4: using the lightbox</a:t>
-                      </a:r>
-                    </a:p>
-                    <a:p>
-                      <a:pPr marL="0" marR="0" lvl="0" indent="0" algn="l" defTabSz="914400" rtl="0" eaLnBrk="1" fontAlgn="auto" latinLnBrk="0" hangingPunct="1">
-                        <a:lnSpc>
-                          <a:spcPct val="100000"/>
-                        </a:lnSpc>
-                        <a:spcBef>
-                          <a:spcPts val="0"/>
-                        </a:spcBef>
-                        <a:spcAft>
-                          <a:spcPts val="0"/>
-                        </a:spcAft>
-                        <a:buClrTx/>
-                        <a:buSzTx/>
-                        <a:buFontTx/>
-                        <a:buNone/>
-                        <a:tabLst/>
-                        <a:defRPr/>
-                      </a:pPr>
-                      <a:r>
-                        <a:rPr lang="nb-NO" dirty="0"/>
-                        <a:t>- Session 5: geomodelling/interpretations</a:t>
-                      </a:r>
-                      <a:endParaRPr lang="en-US" dirty="0"/>
-                    </a:p>
-                    <a:p>
-                      <a:pPr marL="0" marR="0" lvl="0" indent="0" algn="l" defTabSz="914400" rtl="0" eaLnBrk="1" fontAlgn="auto" latinLnBrk="0" hangingPunct="1">
-                        <a:lnSpc>
-                          <a:spcPct val="100000"/>
-                        </a:lnSpc>
-                        <a:spcBef>
-                          <a:spcPts val="0"/>
-                        </a:spcBef>
-                        <a:spcAft>
-                          <a:spcPts val="0"/>
-                        </a:spcAft>
-                        <a:buClrTx/>
-                        <a:buSzTx/>
-                        <a:buFontTx/>
-                        <a:buNone/>
-                        <a:tabLst/>
-                        <a:defRPr/>
-                      </a:pPr>
-                      <a:endParaRPr lang="nb-NO" dirty="0"/>
-                    </a:p>
-                  </a:txBody>
-                  <a:tcPr/>
-                </a:tc>
-                <a:tc>
-                  <a:txBody>
-                    <a:bodyPr/>
-                    <a:lstStyle/>
-                    <a:p>
-                      <a:pPr marL="0" marR="0" lvl="0" indent="0" algn="l" defTabSz="914400" rtl="0" eaLnBrk="1" fontAlgn="auto" latinLnBrk="0" hangingPunct="1">
-                        <a:lnSpc>
-                          <a:spcPct val="100000"/>
-                        </a:lnSpc>
-                        <a:spcBef>
-                          <a:spcPts val="0"/>
-                        </a:spcBef>
-                        <a:spcAft>
-                          <a:spcPts val="0"/>
-                        </a:spcAft>
-                        <a:buClrTx/>
-                        <a:buSzTx/>
-                        <a:buFontTx/>
-                        <a:buNone/>
-                        <a:tabLst/>
-                        <a:defRPr/>
-                      </a:pPr>
-                      <a:r>
-                        <a:rPr lang="nb-NO" dirty="0"/>
-                        <a:t>- Create a georeferenced 3D model , inc. metadata</a:t>
-                      </a:r>
-                    </a:p>
-                    <a:p>
-                      <a:endParaRPr lang="en-US" dirty="0"/>
-                    </a:p>
-                    <a:p>
-                      <a:r>
-                        <a:rPr lang="en-US" dirty="0"/>
-                        <a:t>- import orthophoto /DEM/interpretations into QGIS/ArcGIS</a:t>
-                      </a:r>
-                    </a:p>
-                  </a:txBody>
-                  <a:tcPr/>
-                </a:tc>
-                <a:extLst>
-                  <a:ext uri="{0D108BD9-81ED-4DB2-BD59-A6C34878D82A}">
-                    <a16:rowId xmlns:a16="http://schemas.microsoft.com/office/drawing/2014/main" val="1853486059"/>
-                  </a:ext>
-                </a:extLst>
-              </a:tr>
-              <a:tr h="572312">
-                <a:tc>
-                  <a:txBody>
-                    <a:bodyPr/>
-                    <a:lstStyle/>
-                    <a:p>
-                      <a:pPr marL="0" marR="0" lvl="0" indent="0" algn="l" defTabSz="914400" rtl="0" eaLnBrk="1" fontAlgn="auto" latinLnBrk="0" hangingPunct="1">
-                        <a:lnSpc>
-                          <a:spcPct val="100000"/>
-                        </a:lnSpc>
-                        <a:spcBef>
-                          <a:spcPts val="0"/>
-                        </a:spcBef>
-                        <a:spcAft>
-                          <a:spcPts val="0"/>
-                        </a:spcAft>
-                        <a:buClrTx/>
-                        <a:buSzTx/>
-                        <a:buFontTx/>
-                        <a:buNone/>
-                        <a:tabLst/>
-                        <a:defRPr/>
-                      </a:pPr>
-                      <a:r>
-                        <a:rPr lang="nb-NO" dirty="0"/>
-                        <a:t>02-02 (morning)</a:t>
-                      </a:r>
-                    </a:p>
-                  </a:txBody>
-                  <a:tcPr/>
-                </a:tc>
-                <a:tc>
-                  <a:txBody>
-                    <a:bodyPr/>
-                    <a:lstStyle/>
-                    <a:p>
-                      <a:r>
-                        <a:rPr lang="nb-NO" dirty="0"/>
-                        <a:t>Questionnaire</a:t>
-                      </a:r>
-                      <a:endParaRPr lang="en-US" dirty="0"/>
-                    </a:p>
-                  </a:txBody>
-                  <a:tcPr/>
-                </a:tc>
-                <a:tc>
-                  <a:txBody>
-                    <a:bodyPr/>
-                    <a:lstStyle/>
-                    <a:p>
-                      <a:r>
-                        <a:rPr lang="nb-NO" dirty="0"/>
-                        <a:t>Questionnaire</a:t>
-                      </a:r>
-                      <a:endParaRPr lang="en-US" dirty="0"/>
-                    </a:p>
-                  </a:txBody>
-                  <a:tcPr/>
-                </a:tc>
-                <a:extLst>
-                  <a:ext uri="{0D108BD9-81ED-4DB2-BD59-A6C34878D82A}">
-                    <a16:rowId xmlns:a16="http://schemas.microsoft.com/office/drawing/2014/main" val="3144115684"/>
-                  </a:ext>
-                </a:extLst>
-              </a:tr>
             </a:tbl>
           </a:graphicData>
         </a:graphic>
       </p:graphicFrame>
+      <p:grpSp>
+        <p:nvGrpSpPr>
+          <p:cNvPr id="3" name="Group 2">
+            <a:extLst>
+              <a:ext uri="{FF2B5EF4-FFF2-40B4-BE49-F238E27FC236}">
+                <a16:creationId xmlns:a16="http://schemas.microsoft.com/office/drawing/2014/main" id="{D0295AE9-B9BE-D78B-CFF5-81DE9C8ECE60}"/>
+              </a:ext>
+            </a:extLst>
+          </p:cNvPr>
+          <p:cNvGrpSpPr/>
+          <p:nvPr/>
+        </p:nvGrpSpPr>
+        <p:grpSpPr>
+          <a:xfrm>
+            <a:off x="9704900" y="6443508"/>
+            <a:ext cx="2344684" cy="333050"/>
+            <a:chOff x="9704900" y="6443508"/>
+            <a:chExt cx="2344684" cy="333050"/>
+          </a:xfrm>
+        </p:grpSpPr>
+        <p:pic>
+          <p:nvPicPr>
+            <p:cNvPr id="11" name="Picture 2" descr="UNIS - The university centre in Svalbard">
+              <a:extLst>
+                <a:ext uri="{FF2B5EF4-FFF2-40B4-BE49-F238E27FC236}">
+                  <a16:creationId xmlns:a16="http://schemas.microsoft.com/office/drawing/2014/main" id="{F69846FC-0AC2-797C-08D1-E008C1B0B464}"/>
+                </a:ext>
+              </a:extLst>
+            </p:cNvPr>
+            <p:cNvPicPr>
+              <a:picLocks noChangeAspect="1" noChangeArrowheads="1"/>
+            </p:cNvPicPr>
+            <p:nvPr/>
+          </p:nvPicPr>
+          <p:blipFill>
+            <a:blip r:embed="rId2">
+              <a:extLst>
+                <a:ext uri="{28A0092B-C50C-407E-A947-70E740481C1C}">
+                  <a14:useLocalDpi xmlns:a14="http://schemas.microsoft.com/office/drawing/2010/main" val="0"/>
+                </a:ext>
+              </a:extLst>
+            </a:blip>
+            <a:srcRect/>
+            <a:stretch>
+              <a:fillRect/>
+            </a:stretch>
+          </p:blipFill>
+          <p:spPr bwMode="auto">
+            <a:xfrm>
+              <a:off x="10413848" y="6443508"/>
+              <a:ext cx="1210145" cy="326740"/>
+            </a:xfrm>
+            <a:prstGeom prst="rect">
+              <a:avLst/>
+            </a:prstGeom>
+            <a:noFill/>
+            <a:extLst>
+              <a:ext uri="{909E8E84-426E-40DD-AFC4-6F175D3DCCD1}">
+                <a14:hiddenFill xmlns:a14="http://schemas.microsoft.com/office/drawing/2010/main">
+                  <a:solidFill>
+                    <a:srgbClr val="FFFFFF"/>
+                  </a:solidFill>
+                </a14:hiddenFill>
+              </a:ext>
+            </a:extLst>
+          </p:spPr>
+        </p:pic>
+        <p:pic>
+          <p:nvPicPr>
+            <p:cNvPr id="12" name="Picture 2" descr="Site is undergoing maintenance">
+              <a:extLst>
+                <a:ext uri="{FF2B5EF4-FFF2-40B4-BE49-F238E27FC236}">
+                  <a16:creationId xmlns:a16="http://schemas.microsoft.com/office/drawing/2014/main" id="{B309E4B4-0892-B56D-6ABE-361E2621A0CA}"/>
+                </a:ext>
+              </a:extLst>
+            </p:cNvPr>
+            <p:cNvPicPr>
+              <a:picLocks noChangeAspect="1" noChangeArrowheads="1"/>
+            </p:cNvPicPr>
+            <p:nvPr/>
+          </p:nvPicPr>
+          <p:blipFill>
+            <a:blip r:embed="rId3">
+              <a:extLst>
+                <a:ext uri="{28A0092B-C50C-407E-A947-70E740481C1C}">
+                  <a14:useLocalDpi xmlns:a14="http://schemas.microsoft.com/office/drawing/2010/main" val="0"/>
+                </a:ext>
+              </a:extLst>
+            </a:blip>
+            <a:srcRect/>
+            <a:stretch>
+              <a:fillRect/>
+            </a:stretch>
+          </p:blipFill>
+          <p:spPr bwMode="auto">
+            <a:xfrm>
+              <a:off x="11766409" y="6449818"/>
+              <a:ext cx="283175" cy="326740"/>
+            </a:xfrm>
+            <a:prstGeom prst="rect">
+              <a:avLst/>
+            </a:prstGeom>
+            <a:noFill/>
+            <a:extLst>
+              <a:ext uri="{909E8E84-426E-40DD-AFC4-6F175D3DCCD1}">
+                <a14:hiddenFill xmlns:a14="http://schemas.microsoft.com/office/drawing/2010/main">
+                  <a:solidFill>
+                    <a:srgbClr val="FFFFFF"/>
+                  </a:solidFill>
+                </a14:hiddenFill>
+              </a:ext>
+            </a:extLst>
+          </p:spPr>
+        </p:pic>
+        <p:pic>
+          <p:nvPicPr>
+            <p:cNvPr id="15" name="Picture 14" descr="A black background with grey letters and a red triangle&#10;&#10;Description automatically generated">
+              <a:extLst>
+                <a:ext uri="{FF2B5EF4-FFF2-40B4-BE49-F238E27FC236}">
+                  <a16:creationId xmlns:a16="http://schemas.microsoft.com/office/drawing/2014/main" id="{D4868902-56D2-4DF3-1636-EF0C340483B1}"/>
+                </a:ext>
+              </a:extLst>
+            </p:cNvPr>
+            <p:cNvPicPr>
+              <a:picLocks noChangeAspect="1"/>
+            </p:cNvPicPr>
+            <p:nvPr/>
+          </p:nvPicPr>
+          <p:blipFill>
+            <a:blip r:embed="rId4">
+              <a:extLst>
+                <a:ext uri="{28A0092B-C50C-407E-A947-70E740481C1C}">
+                  <a14:useLocalDpi xmlns:a14="http://schemas.microsoft.com/office/drawing/2010/main" val="0"/>
+                </a:ext>
+              </a:extLst>
+            </a:blip>
+            <a:stretch>
+              <a:fillRect/>
+            </a:stretch>
+          </p:blipFill>
+          <p:spPr>
+            <a:xfrm>
+              <a:off x="9704900" y="6486750"/>
+              <a:ext cx="580285" cy="270414"/>
+            </a:xfrm>
+            <a:prstGeom prst="rect">
+              <a:avLst/>
+            </a:prstGeom>
+          </p:spPr>
+        </p:pic>
+      </p:grpSp>
     </p:spTree>
     <p:extLst>
       <p:ext uri="{BB962C8B-B14F-4D97-AF65-F5344CB8AC3E}">
@@ -9570,12 +9194,92 @@
           </a:p>
         </p:txBody>
       </p:sp>
+      <p:sp>
+        <p:nvSpPr>
+          <p:cNvPr id="2" name="Title 1">
+            <a:extLst>
+              <a:ext uri="{FF2B5EF4-FFF2-40B4-BE49-F238E27FC236}">
+                <a16:creationId xmlns:a16="http://schemas.microsoft.com/office/drawing/2014/main" id="{044D5C86-6C13-B385-18EB-CE82554A07BC}"/>
+              </a:ext>
+            </a:extLst>
+          </p:cNvPr>
+          <p:cNvSpPr>
+            <a:spLocks noGrp="1"/>
+          </p:cNvSpPr>
+          <p:nvPr>
+            <p:ph type="title"/>
+          </p:nvPr>
+        </p:nvSpPr>
+        <p:spPr>
+          <a:xfrm>
+            <a:off x="1676400" y="-7563"/>
+            <a:ext cx="10515600" cy="1325563"/>
+          </a:xfrm>
+        </p:spPr>
+        <p:txBody>
+          <a:bodyPr>
+            <a:normAutofit/>
+          </a:bodyPr>
+          <a:lstStyle/>
+          <a:p>
+            <a:r>
+              <a:rPr lang="nb-NO" sz="3600" dirty="0"/>
+              <a:t>Geo-SfM platform: Github?</a:t>
+            </a:r>
+            <a:endParaRPr lang="en-US" sz="3600" dirty="0"/>
+          </a:p>
+        </p:txBody>
+      </p:sp>
+      <p:sp>
+        <p:nvSpPr>
+          <p:cNvPr id="3" name="Content Placeholder 2">
+            <a:extLst>
+              <a:ext uri="{FF2B5EF4-FFF2-40B4-BE49-F238E27FC236}">
+                <a16:creationId xmlns:a16="http://schemas.microsoft.com/office/drawing/2014/main" id="{2D0EA7A2-E4A5-2799-2A25-121BD1FEE728}"/>
+              </a:ext>
+            </a:extLst>
+          </p:cNvPr>
+          <p:cNvSpPr>
+            <a:spLocks noGrp="1"/>
+          </p:cNvSpPr>
+          <p:nvPr>
+            <p:ph idx="1"/>
+          </p:nvPr>
+        </p:nvSpPr>
+        <p:spPr>
+          <a:xfrm>
+            <a:off x="838199" y="1825625"/>
+            <a:ext cx="10785793" cy="4351338"/>
+          </a:xfrm>
+        </p:spPr>
+        <p:txBody>
+          <a:bodyPr>
+            <a:normAutofit/>
+          </a:bodyPr>
+          <a:lstStyle/>
+          <a:p>
+            <a:endParaRPr lang="nb-NO" dirty="0"/>
+          </a:p>
+          <a:p>
+            <a:endParaRPr lang="nb-NO" sz="2800" dirty="0"/>
+          </a:p>
+          <a:p>
+            <a:endParaRPr lang="nb-NO" sz="2800" dirty="0"/>
+          </a:p>
+          <a:p>
+            <a:pPr marL="0" indent="0">
+              <a:buNone/>
+            </a:pPr>
+            <a:endParaRPr lang="en-US" sz="2800" dirty="0"/>
+          </a:p>
+        </p:txBody>
+      </p:sp>
       <p:grpSp>
         <p:nvGrpSpPr>
-          <p:cNvPr id="23" name="Group 22">
-            <a:extLst>
-              <a:ext uri="{FF2B5EF4-FFF2-40B4-BE49-F238E27FC236}">
-                <a16:creationId xmlns:a16="http://schemas.microsoft.com/office/drawing/2014/main" id="{5C8CC107-8B6F-2BA8-A951-E8276E1CAFC8}"/>
+          <p:cNvPr id="11" name="Group 10">
+            <a:extLst>
+              <a:ext uri="{FF2B5EF4-FFF2-40B4-BE49-F238E27FC236}">
+                <a16:creationId xmlns:a16="http://schemas.microsoft.com/office/drawing/2014/main" id="{39FA12A0-93EB-9667-D138-6CFEC34513E7}"/>
               </a:ext>
             </a:extLst>
           </p:cNvPr>
@@ -9584,65 +9288,23 @@
         </p:nvGrpSpPr>
         <p:grpSpPr>
           <a:xfrm>
-            <a:off x="42671" y="6443508"/>
-            <a:ext cx="12006913" cy="385818"/>
-            <a:chOff x="42671" y="6443508"/>
-            <a:chExt cx="12006913" cy="385818"/>
+            <a:off x="9704900" y="6443508"/>
+            <a:ext cx="2344684" cy="333050"/>
+            <a:chOff x="9704900" y="6443508"/>
+            <a:chExt cx="2344684" cy="333050"/>
           </a:xfrm>
         </p:grpSpPr>
-        <p:sp>
-          <p:nvSpPr>
-            <p:cNvPr id="24" name="TextBox 23">
+        <p:pic>
+          <p:nvPicPr>
+            <p:cNvPr id="12" name="Picture 2" descr="UNIS - The university centre in Svalbard">
               <a:extLst>
                 <a:ext uri="{FF2B5EF4-FFF2-40B4-BE49-F238E27FC236}">
-                  <a16:creationId xmlns:a16="http://schemas.microsoft.com/office/drawing/2014/main" id="{1B538703-361B-3F8B-537E-BBCFEBB6CACC}"/>
-                </a:ext>
-              </a:extLst>
-            </p:cNvPr>
-            <p:cNvSpPr txBox="1"/>
-            <p:nvPr/>
-          </p:nvSpPr>
-          <p:spPr>
-            <a:xfrm>
-              <a:off x="854075" y="6521549"/>
-              <a:ext cx="3805382" cy="307777"/>
-            </a:xfrm>
-            <a:prstGeom prst="rect">
-              <a:avLst/>
-            </a:prstGeom>
-            <a:noFill/>
-          </p:spPr>
-          <p:txBody>
-            <a:bodyPr wrap="square" rtlCol="0">
-              <a:spAutoFit/>
-            </a:bodyPr>
-            <a:lstStyle/>
-            <a:p>
-              <a:r>
-                <a:rPr lang="nb-NO" sz="1400" i="1" dirty="0">
-                  <a:latin typeface="Arial" panose="020B0604020202020204" pitchFamily="34" charset="0"/>
-                  <a:cs typeface="Arial" panose="020B0604020202020204" pitchFamily="34" charset="0"/>
-                </a:rPr>
-                <a:t>FAIR digital documentation &amp; teaching</a:t>
-              </a:r>
-              <a:endParaRPr lang="en-US" sz="1400" i="1" dirty="0">
-                <a:latin typeface="Arial" panose="020B0604020202020204" pitchFamily="34" charset="0"/>
-                <a:cs typeface="Arial" panose="020B0604020202020204" pitchFamily="34" charset="0"/>
-              </a:endParaRPr>
-            </a:p>
-          </p:txBody>
-        </p:sp>
-        <p:pic>
-          <p:nvPicPr>
-            <p:cNvPr id="25" name="Picture 24" descr="A screenshot of a video game&#10;&#10;Description automatically generated">
-              <a:extLst>
-                <a:ext uri="{FF2B5EF4-FFF2-40B4-BE49-F238E27FC236}">
-                  <a16:creationId xmlns:a16="http://schemas.microsoft.com/office/drawing/2014/main" id="{5F21D3D7-314B-1C6E-B50E-93CFE61D5082}"/>
+                  <a16:creationId xmlns:a16="http://schemas.microsoft.com/office/drawing/2014/main" id="{B13E6562-7F10-94CA-EB1A-BE7B895B4843}"/>
                 </a:ext>
               </a:extLst>
             </p:cNvPr>
             <p:cNvPicPr>
-              <a:picLocks noChangeAspect="1"/>
+              <a:picLocks noChangeAspect="1" noChangeArrowheads="1"/>
             </p:cNvPicPr>
             <p:nvPr/>
           </p:nvPicPr>
@@ -9654,26 +9316,37 @@
                 </a:ext>
               </a:extLst>
             </a:blip>
+            <a:srcRect/>
             <a:stretch>
               <a:fillRect/>
             </a:stretch>
           </p:blipFill>
-          <p:spPr>
+          <p:spPr bwMode="auto">
             <a:xfrm>
-              <a:off x="42671" y="6563571"/>
-              <a:ext cx="876716" cy="230005"/>
+              <a:off x="10413848" y="6443508"/>
+              <a:ext cx="1210145" cy="326740"/>
             </a:xfrm>
             <a:prstGeom prst="rect">
               <a:avLst/>
             </a:prstGeom>
+            <a:noFill/>
+            <a:extLst>
+              <a:ext uri="{909E8E84-426E-40DD-AFC4-6F175D3DCCD1}">
+                <a14:hiddenFill xmlns:a14="http://schemas.microsoft.com/office/drawing/2010/main">
+                  <a:solidFill>
+                    <a:srgbClr val="FFFFFF"/>
+                  </a:solidFill>
+                </a14:hiddenFill>
+              </a:ext>
+            </a:extLst>
           </p:spPr>
         </p:pic>
         <p:pic>
           <p:nvPicPr>
-            <p:cNvPr id="26" name="Picture 2" descr="UNIS - The university centre in Svalbard">
+            <p:cNvPr id="14" name="Picture 2" descr="Site is undergoing maintenance">
               <a:extLst>
                 <a:ext uri="{FF2B5EF4-FFF2-40B4-BE49-F238E27FC236}">
-                  <a16:creationId xmlns:a16="http://schemas.microsoft.com/office/drawing/2014/main" id="{3FBB4A11-E9C3-D45E-8EDE-6CF34C32E59B}"/>
+                  <a16:creationId xmlns:a16="http://schemas.microsoft.com/office/drawing/2014/main" id="{7FC20674-0AD5-99AE-09FA-EE5597A739AC}"/>
                 </a:ext>
               </a:extLst>
             </p:cNvPr>
@@ -9697,8 +9370,8 @@
           </p:blipFill>
           <p:spPr bwMode="auto">
             <a:xfrm>
-              <a:off x="10413848" y="6443508"/>
-              <a:ext cx="1210145" cy="326740"/>
+              <a:off x="11766409" y="6449818"/>
+              <a:ext cx="283175" cy="326740"/>
             </a:xfrm>
             <a:prstGeom prst="rect">
               <a:avLst/>
@@ -9717,15 +9390,15 @@
         </p:pic>
         <p:pic>
           <p:nvPicPr>
-            <p:cNvPr id="27" name="Picture 2" descr="Site is undergoing maintenance">
+            <p:cNvPr id="15" name="Picture 14" descr="A black background with grey letters and a red triangle&#10;&#10;Description automatically generated">
               <a:extLst>
                 <a:ext uri="{FF2B5EF4-FFF2-40B4-BE49-F238E27FC236}">
-                  <a16:creationId xmlns:a16="http://schemas.microsoft.com/office/drawing/2014/main" id="{A9B52DA7-A2A2-0059-A038-02CDC274F002}"/>
+                  <a16:creationId xmlns:a16="http://schemas.microsoft.com/office/drawing/2014/main" id="{E4AE02E2-BA0E-2721-3873-1FDD65148C13}"/>
                 </a:ext>
               </a:extLst>
             </p:cNvPr>
             <p:cNvPicPr>
-              <a:picLocks noChangeAspect="1" noChangeArrowheads="1"/>
+              <a:picLocks noChangeAspect="1"/>
             </p:cNvPicPr>
             <p:nvPr/>
           </p:nvPicPr>
@@ -9737,112 +9410,21 @@
                 </a:ext>
               </a:extLst>
             </a:blip>
-            <a:srcRect/>
             <a:stretch>
               <a:fillRect/>
             </a:stretch>
           </p:blipFill>
-          <p:spPr bwMode="auto">
+          <p:spPr>
             <a:xfrm>
-              <a:off x="11766409" y="6449818"/>
-              <a:ext cx="283175" cy="326740"/>
+              <a:off x="9704900" y="6486750"/>
+              <a:ext cx="580285" cy="270414"/>
             </a:xfrm>
             <a:prstGeom prst="rect">
               <a:avLst/>
             </a:prstGeom>
-            <a:noFill/>
-            <a:extLst>
-              <a:ext uri="{909E8E84-426E-40DD-AFC4-6F175D3DCCD1}">
-                <a14:hiddenFill xmlns:a14="http://schemas.microsoft.com/office/drawing/2010/main">
-                  <a:solidFill>
-                    <a:srgbClr val="FFFFFF"/>
-                  </a:solidFill>
-                </a14:hiddenFill>
-              </a:ext>
-            </a:extLst>
           </p:spPr>
         </p:pic>
       </p:grpSp>
-      <p:sp>
-        <p:nvSpPr>
-          <p:cNvPr id="2" name="Title 1">
-            <a:extLst>
-              <a:ext uri="{FF2B5EF4-FFF2-40B4-BE49-F238E27FC236}">
-                <a16:creationId xmlns:a16="http://schemas.microsoft.com/office/drawing/2014/main" id="{044D5C86-6C13-B385-18EB-CE82554A07BC}"/>
-              </a:ext>
-            </a:extLst>
-          </p:cNvPr>
-          <p:cNvSpPr>
-            <a:spLocks noGrp="1"/>
-          </p:cNvSpPr>
-          <p:nvPr>
-            <p:ph type="title"/>
-          </p:nvPr>
-        </p:nvSpPr>
-        <p:spPr>
-          <a:xfrm>
-            <a:off x="1676400" y="-7563"/>
-            <a:ext cx="10515600" cy="1325563"/>
-          </a:xfrm>
-        </p:spPr>
-        <p:txBody>
-          <a:bodyPr>
-            <a:normAutofit/>
-          </a:bodyPr>
-          <a:lstStyle/>
-          <a:p>
-            <a:r>
-              <a:rPr lang="nb-NO" sz="3600" dirty="0"/>
-              <a:t>Geo-SfM platform: Github?</a:t>
-            </a:r>
-            <a:endParaRPr lang="en-US" sz="3600" dirty="0"/>
-          </a:p>
-        </p:txBody>
-      </p:sp>
-      <p:sp>
-        <p:nvSpPr>
-          <p:cNvPr id="3" name="Content Placeholder 2">
-            <a:extLst>
-              <a:ext uri="{FF2B5EF4-FFF2-40B4-BE49-F238E27FC236}">
-                <a16:creationId xmlns:a16="http://schemas.microsoft.com/office/drawing/2014/main" id="{2D0EA7A2-E4A5-2799-2A25-121BD1FEE728}"/>
-              </a:ext>
-            </a:extLst>
-          </p:cNvPr>
-          <p:cNvSpPr>
-            <a:spLocks noGrp="1"/>
-          </p:cNvSpPr>
-          <p:nvPr>
-            <p:ph idx="1"/>
-          </p:nvPr>
-        </p:nvSpPr>
-        <p:spPr>
-          <a:xfrm>
-            <a:off x="838199" y="1825625"/>
-            <a:ext cx="10785793" cy="4351338"/>
-          </a:xfrm>
-        </p:spPr>
-        <p:txBody>
-          <a:bodyPr>
-            <a:normAutofit/>
-          </a:bodyPr>
-          <a:lstStyle/>
-          <a:p>
-            <a:endParaRPr lang="nb-NO" dirty="0"/>
-          </a:p>
-          <a:p>
-            <a:endParaRPr lang="nb-NO" sz="2800" dirty="0"/>
-          </a:p>
-          <a:p>
-            <a:endParaRPr lang="nb-NO" sz="2800" dirty="0"/>
-          </a:p>
-          <a:p>
-            <a:pPr marL="0" indent="0">
-              <a:buNone/>
-            </a:pPr>
-            <a:endParaRPr lang="en-US" sz="2800" dirty="0"/>
-          </a:p>
-        </p:txBody>
-      </p:sp>
     </p:spTree>
     <p:extLst>
       <p:ext uri="{BB962C8B-B14F-4D97-AF65-F5344CB8AC3E}">
@@ -10623,12 +10205,130 @@
           </a:p>
         </p:txBody>
       </p:sp>
+      <p:sp>
+        <p:nvSpPr>
+          <p:cNvPr id="2" name="Title 1">
+            <a:extLst>
+              <a:ext uri="{FF2B5EF4-FFF2-40B4-BE49-F238E27FC236}">
+                <a16:creationId xmlns:a16="http://schemas.microsoft.com/office/drawing/2014/main" id="{044D5C86-6C13-B385-18EB-CE82554A07BC}"/>
+              </a:ext>
+            </a:extLst>
+          </p:cNvPr>
+          <p:cNvSpPr>
+            <a:spLocks noGrp="1"/>
+          </p:cNvSpPr>
+          <p:nvPr>
+            <p:ph type="title"/>
+          </p:nvPr>
+        </p:nvSpPr>
+        <p:spPr>
+          <a:xfrm>
+            <a:off x="1676400" y="-7563"/>
+            <a:ext cx="10515600" cy="1325563"/>
+          </a:xfrm>
+        </p:spPr>
+        <p:txBody>
+          <a:bodyPr>
+            <a:normAutofit/>
+          </a:bodyPr>
+          <a:lstStyle/>
+          <a:p>
+            <a:r>
+              <a:rPr lang="nb-NO" sz="3600" dirty="0"/>
+              <a:t>Geo-SfM platform: Github</a:t>
+            </a:r>
+            <a:endParaRPr lang="en-US" sz="3600" dirty="0"/>
+          </a:p>
+        </p:txBody>
+      </p:sp>
+      <p:sp>
+        <p:nvSpPr>
+          <p:cNvPr id="3" name="Content Placeholder 2">
+            <a:extLst>
+              <a:ext uri="{FF2B5EF4-FFF2-40B4-BE49-F238E27FC236}">
+                <a16:creationId xmlns:a16="http://schemas.microsoft.com/office/drawing/2014/main" id="{2D0EA7A2-E4A5-2799-2A25-121BD1FEE728}"/>
+              </a:ext>
+            </a:extLst>
+          </p:cNvPr>
+          <p:cNvSpPr>
+            <a:spLocks noGrp="1"/>
+          </p:cNvSpPr>
+          <p:nvPr>
+            <p:ph idx="1"/>
+          </p:nvPr>
+        </p:nvSpPr>
+        <p:spPr>
+          <a:xfrm>
+            <a:off x="838199" y="1825625"/>
+            <a:ext cx="10785793" cy="4351338"/>
+          </a:xfrm>
+        </p:spPr>
+        <p:txBody>
+          <a:bodyPr>
+            <a:normAutofit/>
+          </a:bodyPr>
+          <a:lstStyle/>
+          <a:p>
+            <a:pPr marL="0" indent="0">
+              <a:buFont typeface="Arial" panose="020B0604020202020204" pitchFamily="34" charset="0"/>
+              <a:buNone/>
+            </a:pPr>
+            <a:r>
+              <a:rPr lang="nb-NO" dirty="0"/>
+              <a:t>Github: </a:t>
+            </a:r>
+          </a:p>
+          <a:p>
+            <a:r>
+              <a:rPr lang="nb-NO" dirty="0"/>
+              <a:t>User-friendly</a:t>
+            </a:r>
+          </a:p>
+          <a:p>
+            <a:r>
+              <a:rPr lang="nb-NO" dirty="0"/>
+              <a:t>Commercial platform for version control (keep track of changes)...</a:t>
+            </a:r>
+          </a:p>
+          <a:p>
+            <a:r>
+              <a:rPr lang="nb-NO" dirty="0"/>
+              <a:t>... and that facilitates collaboration</a:t>
+            </a:r>
+          </a:p>
+          <a:p>
+            <a:r>
+              <a:rPr lang="nb-NO" dirty="0"/>
+              <a:t>Implements Git</a:t>
+            </a:r>
+          </a:p>
+          <a:p>
+            <a:endParaRPr lang="nb-NO" dirty="0"/>
+          </a:p>
+          <a:p>
+            <a:pPr marL="0" indent="0">
+              <a:buNone/>
+            </a:pPr>
+            <a:endParaRPr lang="nb-NO" dirty="0"/>
+          </a:p>
+          <a:p>
+            <a:pPr marL="0" indent="0">
+              <a:buFont typeface="Arial" panose="020B0604020202020204" pitchFamily="34" charset="0"/>
+              <a:buNone/>
+            </a:pPr>
+            <a:endParaRPr lang="en-US" dirty="0"/>
+          </a:p>
+          <a:p>
+            <a:endParaRPr lang="nb-NO" dirty="0"/>
+          </a:p>
+        </p:txBody>
+      </p:sp>
       <p:grpSp>
         <p:nvGrpSpPr>
-          <p:cNvPr id="23" name="Group 22">
-            <a:extLst>
-              <a:ext uri="{FF2B5EF4-FFF2-40B4-BE49-F238E27FC236}">
-                <a16:creationId xmlns:a16="http://schemas.microsoft.com/office/drawing/2014/main" id="{5C8CC107-8B6F-2BA8-A951-E8276E1CAFC8}"/>
+          <p:cNvPr id="11" name="Group 10">
+            <a:extLst>
+              <a:ext uri="{FF2B5EF4-FFF2-40B4-BE49-F238E27FC236}">
+                <a16:creationId xmlns:a16="http://schemas.microsoft.com/office/drawing/2014/main" id="{D77786E1-4D32-3487-9C8A-73C17FAE4455}"/>
               </a:ext>
             </a:extLst>
           </p:cNvPr>
@@ -10637,65 +10337,23 @@
         </p:nvGrpSpPr>
         <p:grpSpPr>
           <a:xfrm>
-            <a:off x="42671" y="6443508"/>
-            <a:ext cx="12006913" cy="385818"/>
-            <a:chOff x="42671" y="6443508"/>
-            <a:chExt cx="12006913" cy="385818"/>
+            <a:off x="9704900" y="6443508"/>
+            <a:ext cx="2344684" cy="333050"/>
+            <a:chOff x="9704900" y="6443508"/>
+            <a:chExt cx="2344684" cy="333050"/>
           </a:xfrm>
         </p:grpSpPr>
-        <p:sp>
-          <p:nvSpPr>
-            <p:cNvPr id="24" name="TextBox 23">
+        <p:pic>
+          <p:nvPicPr>
+            <p:cNvPr id="12" name="Picture 2" descr="UNIS - The university centre in Svalbard">
               <a:extLst>
                 <a:ext uri="{FF2B5EF4-FFF2-40B4-BE49-F238E27FC236}">
-                  <a16:creationId xmlns:a16="http://schemas.microsoft.com/office/drawing/2014/main" id="{1B538703-361B-3F8B-537E-BBCFEBB6CACC}"/>
-                </a:ext>
-              </a:extLst>
-            </p:cNvPr>
-            <p:cNvSpPr txBox="1"/>
-            <p:nvPr/>
-          </p:nvSpPr>
-          <p:spPr>
-            <a:xfrm>
-              <a:off x="854075" y="6521549"/>
-              <a:ext cx="3805382" cy="307777"/>
-            </a:xfrm>
-            <a:prstGeom prst="rect">
-              <a:avLst/>
-            </a:prstGeom>
-            <a:noFill/>
-          </p:spPr>
-          <p:txBody>
-            <a:bodyPr wrap="square" rtlCol="0">
-              <a:spAutoFit/>
-            </a:bodyPr>
-            <a:lstStyle/>
-            <a:p>
-              <a:r>
-                <a:rPr lang="nb-NO" sz="1400" i="1" dirty="0">
-                  <a:latin typeface="Arial" panose="020B0604020202020204" pitchFamily="34" charset="0"/>
-                  <a:cs typeface="Arial" panose="020B0604020202020204" pitchFamily="34" charset="0"/>
-                </a:rPr>
-                <a:t>FAIR digital documentation &amp; teaching</a:t>
-              </a:r>
-              <a:endParaRPr lang="en-US" sz="1400" i="1" dirty="0">
-                <a:latin typeface="Arial" panose="020B0604020202020204" pitchFamily="34" charset="0"/>
-                <a:cs typeface="Arial" panose="020B0604020202020204" pitchFamily="34" charset="0"/>
-              </a:endParaRPr>
-            </a:p>
-          </p:txBody>
-        </p:sp>
-        <p:pic>
-          <p:nvPicPr>
-            <p:cNvPr id="25" name="Picture 24" descr="A screenshot of a video game&#10;&#10;Description automatically generated">
-              <a:extLst>
-                <a:ext uri="{FF2B5EF4-FFF2-40B4-BE49-F238E27FC236}">
-                  <a16:creationId xmlns:a16="http://schemas.microsoft.com/office/drawing/2014/main" id="{5F21D3D7-314B-1C6E-B50E-93CFE61D5082}"/>
+                  <a16:creationId xmlns:a16="http://schemas.microsoft.com/office/drawing/2014/main" id="{7857D84E-5AB1-BC8C-1788-6378C618ACDB}"/>
                 </a:ext>
               </a:extLst>
             </p:cNvPr>
             <p:cNvPicPr>
-              <a:picLocks noChangeAspect="1"/>
+              <a:picLocks noChangeAspect="1" noChangeArrowheads="1"/>
             </p:cNvPicPr>
             <p:nvPr/>
           </p:nvPicPr>
@@ -10707,26 +10365,37 @@
                 </a:ext>
               </a:extLst>
             </a:blip>
+            <a:srcRect/>
             <a:stretch>
               <a:fillRect/>
             </a:stretch>
           </p:blipFill>
-          <p:spPr>
+          <p:spPr bwMode="auto">
             <a:xfrm>
-              <a:off x="42671" y="6563571"/>
-              <a:ext cx="876716" cy="230005"/>
+              <a:off x="10413848" y="6443508"/>
+              <a:ext cx="1210145" cy="326740"/>
             </a:xfrm>
             <a:prstGeom prst="rect">
               <a:avLst/>
             </a:prstGeom>
+            <a:noFill/>
+            <a:extLst>
+              <a:ext uri="{909E8E84-426E-40DD-AFC4-6F175D3DCCD1}">
+                <a14:hiddenFill xmlns:a14="http://schemas.microsoft.com/office/drawing/2010/main">
+                  <a:solidFill>
+                    <a:srgbClr val="FFFFFF"/>
+                  </a:solidFill>
+                </a14:hiddenFill>
+              </a:ext>
+            </a:extLst>
           </p:spPr>
         </p:pic>
         <p:pic>
           <p:nvPicPr>
-            <p:cNvPr id="26" name="Picture 2" descr="UNIS - The university centre in Svalbard">
+            <p:cNvPr id="14" name="Picture 2" descr="Site is undergoing maintenance">
               <a:extLst>
                 <a:ext uri="{FF2B5EF4-FFF2-40B4-BE49-F238E27FC236}">
-                  <a16:creationId xmlns:a16="http://schemas.microsoft.com/office/drawing/2014/main" id="{3FBB4A11-E9C3-D45E-8EDE-6CF34C32E59B}"/>
+                  <a16:creationId xmlns:a16="http://schemas.microsoft.com/office/drawing/2014/main" id="{7B95A598-3FDF-9702-5ECD-CAF14104B09C}"/>
                 </a:ext>
               </a:extLst>
             </p:cNvPr>
@@ -10750,8 +10419,8 @@
           </p:blipFill>
           <p:spPr bwMode="auto">
             <a:xfrm>
-              <a:off x="10413848" y="6443508"/>
-              <a:ext cx="1210145" cy="326740"/>
+              <a:off x="11766409" y="6449818"/>
+              <a:ext cx="283175" cy="326740"/>
             </a:xfrm>
             <a:prstGeom prst="rect">
               <a:avLst/>
@@ -10770,15 +10439,15 @@
         </p:pic>
         <p:pic>
           <p:nvPicPr>
-            <p:cNvPr id="27" name="Picture 2" descr="Site is undergoing maintenance">
+            <p:cNvPr id="15" name="Picture 14" descr="A black background with grey letters and a red triangle&#10;&#10;Description automatically generated">
               <a:extLst>
                 <a:ext uri="{FF2B5EF4-FFF2-40B4-BE49-F238E27FC236}">
-                  <a16:creationId xmlns:a16="http://schemas.microsoft.com/office/drawing/2014/main" id="{A9B52DA7-A2A2-0059-A038-02CDC274F002}"/>
+                  <a16:creationId xmlns:a16="http://schemas.microsoft.com/office/drawing/2014/main" id="{6E365E64-C540-08E9-5D2B-58B832F4B2C6}"/>
                 </a:ext>
               </a:extLst>
             </p:cNvPr>
             <p:cNvPicPr>
-              <a:picLocks noChangeAspect="1" noChangeArrowheads="1"/>
+              <a:picLocks noChangeAspect="1"/>
             </p:cNvPicPr>
             <p:nvPr/>
           </p:nvPicPr>
@@ -10790,150 +10459,21 @@
                 </a:ext>
               </a:extLst>
             </a:blip>
-            <a:srcRect/>
             <a:stretch>
               <a:fillRect/>
             </a:stretch>
           </p:blipFill>
-          <p:spPr bwMode="auto">
+          <p:spPr>
             <a:xfrm>
-              <a:off x="11766409" y="6449818"/>
-              <a:ext cx="283175" cy="326740"/>
+              <a:off x="9704900" y="6486750"/>
+              <a:ext cx="580285" cy="270414"/>
             </a:xfrm>
             <a:prstGeom prst="rect">
               <a:avLst/>
             </a:prstGeom>
-            <a:noFill/>
-            <a:extLst>
-              <a:ext uri="{909E8E84-426E-40DD-AFC4-6F175D3DCCD1}">
-                <a14:hiddenFill xmlns:a14="http://schemas.microsoft.com/office/drawing/2010/main">
-                  <a:solidFill>
-                    <a:srgbClr val="FFFFFF"/>
-                  </a:solidFill>
-                </a14:hiddenFill>
-              </a:ext>
-            </a:extLst>
           </p:spPr>
         </p:pic>
       </p:grpSp>
-      <p:sp>
-        <p:nvSpPr>
-          <p:cNvPr id="2" name="Title 1">
-            <a:extLst>
-              <a:ext uri="{FF2B5EF4-FFF2-40B4-BE49-F238E27FC236}">
-                <a16:creationId xmlns:a16="http://schemas.microsoft.com/office/drawing/2014/main" id="{044D5C86-6C13-B385-18EB-CE82554A07BC}"/>
-              </a:ext>
-            </a:extLst>
-          </p:cNvPr>
-          <p:cNvSpPr>
-            <a:spLocks noGrp="1"/>
-          </p:cNvSpPr>
-          <p:nvPr>
-            <p:ph type="title"/>
-          </p:nvPr>
-        </p:nvSpPr>
-        <p:spPr>
-          <a:xfrm>
-            <a:off x="1676400" y="-7563"/>
-            <a:ext cx="10515600" cy="1325563"/>
-          </a:xfrm>
-        </p:spPr>
-        <p:txBody>
-          <a:bodyPr>
-            <a:normAutofit/>
-          </a:bodyPr>
-          <a:lstStyle/>
-          <a:p>
-            <a:r>
-              <a:rPr lang="nb-NO" sz="3600" dirty="0"/>
-              <a:t>Geo-SfM platform: Github</a:t>
-            </a:r>
-            <a:endParaRPr lang="en-US" sz="3600" dirty="0"/>
-          </a:p>
-        </p:txBody>
-      </p:sp>
-      <p:sp>
-        <p:nvSpPr>
-          <p:cNvPr id="3" name="Content Placeholder 2">
-            <a:extLst>
-              <a:ext uri="{FF2B5EF4-FFF2-40B4-BE49-F238E27FC236}">
-                <a16:creationId xmlns:a16="http://schemas.microsoft.com/office/drawing/2014/main" id="{2D0EA7A2-E4A5-2799-2A25-121BD1FEE728}"/>
-              </a:ext>
-            </a:extLst>
-          </p:cNvPr>
-          <p:cNvSpPr>
-            <a:spLocks noGrp="1"/>
-          </p:cNvSpPr>
-          <p:nvPr>
-            <p:ph idx="1"/>
-          </p:nvPr>
-        </p:nvSpPr>
-        <p:spPr>
-          <a:xfrm>
-            <a:off x="838199" y="1825625"/>
-            <a:ext cx="10785793" cy="4351338"/>
-          </a:xfrm>
-        </p:spPr>
-        <p:txBody>
-          <a:bodyPr>
-            <a:normAutofit/>
-          </a:bodyPr>
-          <a:lstStyle/>
-          <a:p>
-            <a:pPr marL="0" indent="0">
-              <a:buFont typeface="Arial" panose="020B0604020202020204" pitchFamily="34" charset="0"/>
-              <a:buNone/>
-            </a:pPr>
-            <a:r>
-              <a:rPr lang="nb-NO" dirty="0"/>
-              <a:t>Github: </a:t>
-            </a:r>
-          </a:p>
-          <a:p>
-            <a:r>
-              <a:rPr lang="nb-NO" dirty="0"/>
-              <a:t>User-friendly</a:t>
-            </a:r>
-          </a:p>
-          <a:p>
-            <a:r>
-              <a:rPr lang="nb-NO" dirty="0"/>
-              <a:t>Commercial platform for version control (keep track of changes)...</a:t>
-            </a:r>
-          </a:p>
-          <a:p>
-            <a:r>
-              <a:rPr lang="nb-NO" dirty="0"/>
-              <a:t>... and that facilitates collaboration</a:t>
-            </a:r>
-          </a:p>
-          <a:p>
-            <a:r>
-              <a:rPr lang="nb-NO" dirty="0"/>
-              <a:t>Implements Git</a:t>
-            </a:r>
-          </a:p>
-          <a:p>
-            <a:endParaRPr lang="nb-NO" dirty="0"/>
-          </a:p>
-          <a:p>
-            <a:pPr marL="0" indent="0">
-              <a:buNone/>
-            </a:pPr>
-            <a:endParaRPr lang="nb-NO" dirty="0"/>
-          </a:p>
-          <a:p>
-            <a:pPr marL="0" indent="0">
-              <a:buFont typeface="Arial" panose="020B0604020202020204" pitchFamily="34" charset="0"/>
-              <a:buNone/>
-            </a:pPr>
-            <a:endParaRPr lang="en-US" dirty="0"/>
-          </a:p>
-          <a:p>
-            <a:endParaRPr lang="nb-NO" dirty="0"/>
-          </a:p>
-        </p:txBody>
-      </p:sp>
     </p:spTree>
     <p:extLst>
       <p:ext uri="{BB962C8B-B14F-4D97-AF65-F5344CB8AC3E}">
@@ -11714,12 +11254,139 @@
           </a:p>
         </p:txBody>
       </p:sp>
+      <p:sp>
+        <p:nvSpPr>
+          <p:cNvPr id="2" name="Title 1">
+            <a:extLst>
+              <a:ext uri="{FF2B5EF4-FFF2-40B4-BE49-F238E27FC236}">
+                <a16:creationId xmlns:a16="http://schemas.microsoft.com/office/drawing/2014/main" id="{044D5C86-6C13-B385-18EB-CE82554A07BC}"/>
+              </a:ext>
+            </a:extLst>
+          </p:cNvPr>
+          <p:cNvSpPr>
+            <a:spLocks noGrp="1"/>
+          </p:cNvSpPr>
+          <p:nvPr>
+            <p:ph type="title"/>
+          </p:nvPr>
+        </p:nvSpPr>
+        <p:spPr>
+          <a:xfrm>
+            <a:off x="1676400" y="-7563"/>
+            <a:ext cx="10515600" cy="1325563"/>
+          </a:xfrm>
+        </p:spPr>
+        <p:txBody>
+          <a:bodyPr>
+            <a:normAutofit/>
+          </a:bodyPr>
+          <a:lstStyle/>
+          <a:p>
+            <a:r>
+              <a:rPr lang="nb-NO" sz="3600" dirty="0"/>
+              <a:t>Geo-SfM platform: Github</a:t>
+            </a:r>
+            <a:endParaRPr lang="en-US" sz="3600" dirty="0"/>
+          </a:p>
+        </p:txBody>
+      </p:sp>
+      <p:sp>
+        <p:nvSpPr>
+          <p:cNvPr id="3" name="Content Placeholder 2">
+            <a:extLst>
+              <a:ext uri="{FF2B5EF4-FFF2-40B4-BE49-F238E27FC236}">
+                <a16:creationId xmlns:a16="http://schemas.microsoft.com/office/drawing/2014/main" id="{2D0EA7A2-E4A5-2799-2A25-121BD1FEE728}"/>
+              </a:ext>
+            </a:extLst>
+          </p:cNvPr>
+          <p:cNvSpPr>
+            <a:spLocks noGrp="1"/>
+          </p:cNvSpPr>
+          <p:nvPr>
+            <p:ph idx="1"/>
+          </p:nvPr>
+        </p:nvSpPr>
+        <p:spPr>
+          <a:xfrm>
+            <a:off x="838199" y="1825625"/>
+            <a:ext cx="10785793" cy="4351338"/>
+          </a:xfrm>
+        </p:spPr>
+        <p:txBody>
+          <a:bodyPr>
+            <a:normAutofit/>
+          </a:bodyPr>
+          <a:lstStyle/>
+          <a:p>
+            <a:pPr marL="0" indent="0">
+              <a:buFont typeface="Arial" panose="020B0604020202020204" pitchFamily="34" charset="0"/>
+              <a:buNone/>
+            </a:pPr>
+            <a:r>
+              <a:rPr lang="nb-NO" dirty="0"/>
+              <a:t>Github: </a:t>
+            </a:r>
+          </a:p>
+          <a:p>
+            <a:r>
+              <a:rPr lang="nb-NO" dirty="0"/>
+              <a:t>User-friendly</a:t>
+            </a:r>
+          </a:p>
+          <a:p>
+            <a:r>
+              <a:rPr lang="nb-NO" dirty="0"/>
+              <a:t>Commercial platform for version control (keep track of changes)...</a:t>
+            </a:r>
+          </a:p>
+          <a:p>
+            <a:r>
+              <a:rPr lang="nb-NO" dirty="0"/>
+              <a:t>... and that facilitates collaboration</a:t>
+            </a:r>
+          </a:p>
+          <a:p>
+            <a:r>
+              <a:rPr lang="nb-NO" dirty="0"/>
+              <a:t>Implements Git</a:t>
+            </a:r>
+          </a:p>
+          <a:p>
+            <a:endParaRPr lang="nb-NO" dirty="0"/>
+          </a:p>
+          <a:p>
+            <a:pPr marL="0" indent="0">
+              <a:buNone/>
+            </a:pPr>
+            <a:r>
+              <a:rPr lang="nb-NO" dirty="0"/>
+              <a:t>Before we begin: </a:t>
+            </a:r>
+          </a:p>
+          <a:p>
+            <a:r>
+              <a:rPr lang="nb-NO" dirty="0"/>
+              <a:t>time to explore the Geo-SfM tutorial and sign up to GitHub</a:t>
+            </a:r>
+          </a:p>
+          <a:p>
+            <a:pPr marL="0" indent="0">
+              <a:buFont typeface="Arial" panose="020B0604020202020204" pitchFamily="34" charset="0"/>
+              <a:buNone/>
+            </a:pPr>
+            <a:endParaRPr lang="en-US" dirty="0"/>
+          </a:p>
+          <a:p>
+            <a:endParaRPr lang="nb-NO" dirty="0"/>
+          </a:p>
+        </p:txBody>
+      </p:sp>
       <p:grpSp>
         <p:nvGrpSpPr>
-          <p:cNvPr id="23" name="Group 22">
-            <a:extLst>
-              <a:ext uri="{FF2B5EF4-FFF2-40B4-BE49-F238E27FC236}">
-                <a16:creationId xmlns:a16="http://schemas.microsoft.com/office/drawing/2014/main" id="{5C8CC107-8B6F-2BA8-A951-E8276E1CAFC8}"/>
+          <p:cNvPr id="11" name="Group 10">
+            <a:extLst>
+              <a:ext uri="{FF2B5EF4-FFF2-40B4-BE49-F238E27FC236}">
+                <a16:creationId xmlns:a16="http://schemas.microsoft.com/office/drawing/2014/main" id="{B0573437-29CC-635C-9E9E-43AD7B223925}"/>
               </a:ext>
             </a:extLst>
           </p:cNvPr>
@@ -11728,65 +11395,23 @@
         </p:nvGrpSpPr>
         <p:grpSpPr>
           <a:xfrm>
-            <a:off x="42671" y="6443508"/>
-            <a:ext cx="12006913" cy="385818"/>
-            <a:chOff x="42671" y="6443508"/>
-            <a:chExt cx="12006913" cy="385818"/>
+            <a:off x="9704900" y="6443508"/>
+            <a:ext cx="2344684" cy="333050"/>
+            <a:chOff x="9704900" y="6443508"/>
+            <a:chExt cx="2344684" cy="333050"/>
           </a:xfrm>
         </p:grpSpPr>
-        <p:sp>
-          <p:nvSpPr>
-            <p:cNvPr id="24" name="TextBox 23">
+        <p:pic>
+          <p:nvPicPr>
+            <p:cNvPr id="12" name="Picture 2" descr="UNIS - The university centre in Svalbard">
               <a:extLst>
                 <a:ext uri="{FF2B5EF4-FFF2-40B4-BE49-F238E27FC236}">
-                  <a16:creationId xmlns:a16="http://schemas.microsoft.com/office/drawing/2014/main" id="{1B538703-361B-3F8B-537E-BBCFEBB6CACC}"/>
-                </a:ext>
-              </a:extLst>
-            </p:cNvPr>
-            <p:cNvSpPr txBox="1"/>
-            <p:nvPr/>
-          </p:nvSpPr>
-          <p:spPr>
-            <a:xfrm>
-              <a:off x="854075" y="6521549"/>
-              <a:ext cx="3805382" cy="307777"/>
-            </a:xfrm>
-            <a:prstGeom prst="rect">
-              <a:avLst/>
-            </a:prstGeom>
-            <a:noFill/>
-          </p:spPr>
-          <p:txBody>
-            <a:bodyPr wrap="square" rtlCol="0">
-              <a:spAutoFit/>
-            </a:bodyPr>
-            <a:lstStyle/>
-            <a:p>
-              <a:r>
-                <a:rPr lang="nb-NO" sz="1400" i="1" dirty="0">
-                  <a:latin typeface="Arial" panose="020B0604020202020204" pitchFamily="34" charset="0"/>
-                  <a:cs typeface="Arial" panose="020B0604020202020204" pitchFamily="34" charset="0"/>
-                </a:rPr>
-                <a:t>FAIR digital documentation &amp; teaching</a:t>
-              </a:r>
-              <a:endParaRPr lang="en-US" sz="1400" i="1" dirty="0">
-                <a:latin typeface="Arial" panose="020B0604020202020204" pitchFamily="34" charset="0"/>
-                <a:cs typeface="Arial" panose="020B0604020202020204" pitchFamily="34" charset="0"/>
-              </a:endParaRPr>
-            </a:p>
-          </p:txBody>
-        </p:sp>
-        <p:pic>
-          <p:nvPicPr>
-            <p:cNvPr id="25" name="Picture 24" descr="A screenshot of a video game&#10;&#10;Description automatically generated">
-              <a:extLst>
-                <a:ext uri="{FF2B5EF4-FFF2-40B4-BE49-F238E27FC236}">
-                  <a16:creationId xmlns:a16="http://schemas.microsoft.com/office/drawing/2014/main" id="{5F21D3D7-314B-1C6E-B50E-93CFE61D5082}"/>
+                  <a16:creationId xmlns:a16="http://schemas.microsoft.com/office/drawing/2014/main" id="{6F1091F6-6E7E-19B8-8C1E-29B760FE6852}"/>
                 </a:ext>
               </a:extLst>
             </p:cNvPr>
             <p:cNvPicPr>
-              <a:picLocks noChangeAspect="1"/>
+              <a:picLocks noChangeAspect="1" noChangeArrowheads="1"/>
             </p:cNvPicPr>
             <p:nvPr/>
           </p:nvPicPr>
@@ -11798,26 +11423,37 @@
                 </a:ext>
               </a:extLst>
             </a:blip>
+            <a:srcRect/>
             <a:stretch>
               <a:fillRect/>
             </a:stretch>
           </p:blipFill>
-          <p:spPr>
+          <p:spPr bwMode="auto">
             <a:xfrm>
-              <a:off x="42671" y="6563571"/>
-              <a:ext cx="876716" cy="230005"/>
+              <a:off x="10413848" y="6443508"/>
+              <a:ext cx="1210145" cy="326740"/>
             </a:xfrm>
             <a:prstGeom prst="rect">
               <a:avLst/>
             </a:prstGeom>
+            <a:noFill/>
+            <a:extLst>
+              <a:ext uri="{909E8E84-426E-40DD-AFC4-6F175D3DCCD1}">
+                <a14:hiddenFill xmlns:a14="http://schemas.microsoft.com/office/drawing/2010/main">
+                  <a:solidFill>
+                    <a:srgbClr val="FFFFFF"/>
+                  </a:solidFill>
+                </a14:hiddenFill>
+              </a:ext>
+            </a:extLst>
           </p:spPr>
         </p:pic>
         <p:pic>
           <p:nvPicPr>
-            <p:cNvPr id="26" name="Picture 2" descr="UNIS - The university centre in Svalbard">
+            <p:cNvPr id="14" name="Picture 2" descr="Site is undergoing maintenance">
               <a:extLst>
                 <a:ext uri="{FF2B5EF4-FFF2-40B4-BE49-F238E27FC236}">
-                  <a16:creationId xmlns:a16="http://schemas.microsoft.com/office/drawing/2014/main" id="{3FBB4A11-E9C3-D45E-8EDE-6CF34C32E59B}"/>
+                  <a16:creationId xmlns:a16="http://schemas.microsoft.com/office/drawing/2014/main" id="{2E1FA754-092F-790E-D6F3-D6E7FFB070F5}"/>
                 </a:ext>
               </a:extLst>
             </p:cNvPr>
@@ -11841,8 +11477,8 @@
           </p:blipFill>
           <p:spPr bwMode="auto">
             <a:xfrm>
-              <a:off x="10413848" y="6443508"/>
-              <a:ext cx="1210145" cy="326740"/>
+              <a:off x="11766409" y="6449818"/>
+              <a:ext cx="283175" cy="326740"/>
             </a:xfrm>
             <a:prstGeom prst="rect">
               <a:avLst/>
@@ -11861,15 +11497,15 @@
         </p:pic>
         <p:pic>
           <p:nvPicPr>
-            <p:cNvPr id="27" name="Picture 2" descr="Site is undergoing maintenance">
+            <p:cNvPr id="15" name="Picture 14" descr="A black background with grey letters and a red triangle&#10;&#10;Description automatically generated">
               <a:extLst>
                 <a:ext uri="{FF2B5EF4-FFF2-40B4-BE49-F238E27FC236}">
-                  <a16:creationId xmlns:a16="http://schemas.microsoft.com/office/drawing/2014/main" id="{A9B52DA7-A2A2-0059-A038-02CDC274F002}"/>
+                  <a16:creationId xmlns:a16="http://schemas.microsoft.com/office/drawing/2014/main" id="{81F33D2E-9031-094B-BD6B-56890A255F33}"/>
                 </a:ext>
               </a:extLst>
             </p:cNvPr>
             <p:cNvPicPr>
-              <a:picLocks noChangeAspect="1" noChangeArrowheads="1"/>
+              <a:picLocks noChangeAspect="1"/>
             </p:cNvPicPr>
             <p:nvPr/>
           </p:nvPicPr>
@@ -11881,159 +11517,21 @@
                 </a:ext>
               </a:extLst>
             </a:blip>
-            <a:srcRect/>
             <a:stretch>
               <a:fillRect/>
             </a:stretch>
           </p:blipFill>
-          <p:spPr bwMode="auto">
+          <p:spPr>
             <a:xfrm>
-              <a:off x="11766409" y="6449818"/>
-              <a:ext cx="283175" cy="326740"/>
+              <a:off x="9704900" y="6486750"/>
+              <a:ext cx="580285" cy="270414"/>
             </a:xfrm>
             <a:prstGeom prst="rect">
               <a:avLst/>
             </a:prstGeom>
-            <a:noFill/>
-            <a:extLst>
-              <a:ext uri="{909E8E84-426E-40DD-AFC4-6F175D3DCCD1}">
-                <a14:hiddenFill xmlns:a14="http://schemas.microsoft.com/office/drawing/2010/main">
-                  <a:solidFill>
-                    <a:srgbClr val="FFFFFF"/>
-                  </a:solidFill>
-                </a14:hiddenFill>
-              </a:ext>
-            </a:extLst>
           </p:spPr>
         </p:pic>
       </p:grpSp>
-      <p:sp>
-        <p:nvSpPr>
-          <p:cNvPr id="2" name="Title 1">
-            <a:extLst>
-              <a:ext uri="{FF2B5EF4-FFF2-40B4-BE49-F238E27FC236}">
-                <a16:creationId xmlns:a16="http://schemas.microsoft.com/office/drawing/2014/main" id="{044D5C86-6C13-B385-18EB-CE82554A07BC}"/>
-              </a:ext>
-            </a:extLst>
-          </p:cNvPr>
-          <p:cNvSpPr>
-            <a:spLocks noGrp="1"/>
-          </p:cNvSpPr>
-          <p:nvPr>
-            <p:ph type="title"/>
-          </p:nvPr>
-        </p:nvSpPr>
-        <p:spPr>
-          <a:xfrm>
-            <a:off x="1676400" y="-7563"/>
-            <a:ext cx="10515600" cy="1325563"/>
-          </a:xfrm>
-        </p:spPr>
-        <p:txBody>
-          <a:bodyPr>
-            <a:normAutofit/>
-          </a:bodyPr>
-          <a:lstStyle/>
-          <a:p>
-            <a:r>
-              <a:rPr lang="nb-NO" sz="3600" dirty="0"/>
-              <a:t>Geo-SfM platform: Github</a:t>
-            </a:r>
-            <a:endParaRPr lang="en-US" sz="3600" dirty="0"/>
-          </a:p>
-        </p:txBody>
-      </p:sp>
-      <p:sp>
-        <p:nvSpPr>
-          <p:cNvPr id="3" name="Content Placeholder 2">
-            <a:extLst>
-              <a:ext uri="{FF2B5EF4-FFF2-40B4-BE49-F238E27FC236}">
-                <a16:creationId xmlns:a16="http://schemas.microsoft.com/office/drawing/2014/main" id="{2D0EA7A2-E4A5-2799-2A25-121BD1FEE728}"/>
-              </a:ext>
-            </a:extLst>
-          </p:cNvPr>
-          <p:cNvSpPr>
-            <a:spLocks noGrp="1"/>
-          </p:cNvSpPr>
-          <p:nvPr>
-            <p:ph idx="1"/>
-          </p:nvPr>
-        </p:nvSpPr>
-        <p:spPr>
-          <a:xfrm>
-            <a:off x="838199" y="1825625"/>
-            <a:ext cx="10785793" cy="4351338"/>
-          </a:xfrm>
-        </p:spPr>
-        <p:txBody>
-          <a:bodyPr>
-            <a:normAutofit/>
-          </a:bodyPr>
-          <a:lstStyle/>
-          <a:p>
-            <a:pPr marL="0" indent="0">
-              <a:buFont typeface="Arial" panose="020B0604020202020204" pitchFamily="34" charset="0"/>
-              <a:buNone/>
-            </a:pPr>
-            <a:r>
-              <a:rPr lang="nb-NO" dirty="0"/>
-              <a:t>Github: </a:t>
-            </a:r>
-          </a:p>
-          <a:p>
-            <a:r>
-              <a:rPr lang="nb-NO" dirty="0"/>
-              <a:t>User-friendly</a:t>
-            </a:r>
-          </a:p>
-          <a:p>
-            <a:r>
-              <a:rPr lang="nb-NO" dirty="0"/>
-              <a:t>Commercial platform for version control (keep track of changes)...</a:t>
-            </a:r>
-          </a:p>
-          <a:p>
-            <a:r>
-              <a:rPr lang="nb-NO" dirty="0"/>
-              <a:t>... and that facilitates collaboration</a:t>
-            </a:r>
-          </a:p>
-          <a:p>
-            <a:r>
-              <a:rPr lang="nb-NO" dirty="0"/>
-              <a:t>Implements Git</a:t>
-            </a:r>
-          </a:p>
-          <a:p>
-            <a:endParaRPr lang="nb-NO" dirty="0"/>
-          </a:p>
-          <a:p>
-            <a:pPr marL="0" indent="0">
-              <a:buNone/>
-            </a:pPr>
-            <a:r>
-              <a:rPr lang="nb-NO" dirty="0"/>
-              <a:t>Before we begin: </a:t>
-            </a:r>
-          </a:p>
-          <a:p>
-            <a:r>
-              <a:rPr lang="nb-NO" dirty="0"/>
-              <a:t>time to explore the Geo-SfM tutorial and sign up to GitHub</a:t>
-            </a:r>
-          </a:p>
-          <a:p>
-            <a:pPr marL="0" indent="0">
-              <a:buFont typeface="Arial" panose="020B0604020202020204" pitchFamily="34" charset="0"/>
-              <a:buNone/>
-            </a:pPr>
-            <a:endParaRPr lang="en-US" dirty="0"/>
-          </a:p>
-          <a:p>
-            <a:endParaRPr lang="nb-NO" dirty="0"/>
-          </a:p>
-        </p:txBody>
-      </p:sp>
     </p:spTree>
     <p:extLst>
       <p:ext uri="{BB962C8B-B14F-4D97-AF65-F5344CB8AC3E}">

--- a/slides/ppt/intro/intro.pptx
+++ b/slides/ppt/intro/intro.pptx
@@ -5,16 +5,18 @@
     <p:sldMasterId id="2147483648" r:id="rId1"/>
   </p:sldMasterIdLst>
   <p:notesMasterIdLst>
-    <p:notesMasterId r:id="rId9"/>
+    <p:notesMasterId r:id="rId11"/>
   </p:notesMasterIdLst>
   <p:sldIdLst>
     <p:sldId id="338" r:id="rId2"/>
-    <p:sldId id="340" r:id="rId3"/>
-    <p:sldId id="343" r:id="rId4"/>
-    <p:sldId id="347" r:id="rId5"/>
-    <p:sldId id="344" r:id="rId6"/>
-    <p:sldId id="346" r:id="rId7"/>
-    <p:sldId id="345" r:id="rId8"/>
+    <p:sldId id="349" r:id="rId3"/>
+    <p:sldId id="340" r:id="rId4"/>
+    <p:sldId id="343" r:id="rId5"/>
+    <p:sldId id="347" r:id="rId6"/>
+    <p:sldId id="351" r:id="rId7"/>
+    <p:sldId id="344" r:id="rId8"/>
+    <p:sldId id="346" r:id="rId9"/>
+    <p:sldId id="345" r:id="rId10"/>
   </p:sldIdLst>
   <p:sldSz cx="12192000" cy="6858000"/>
   <p:notesSz cx="6858000" cy="9144000"/>
@@ -208,7 +210,7 @@
             <a:fld id="{A7B72033-589B-43AE-B8E1-AF9DC04A1F48}" type="datetimeFigureOut">
               <a:rPr lang="en-US" smtClean="0"/>
               <a:pPr/>
-              <a:t>9/20/2024</a:t>
+              <a:t>2025-09-01</a:t>
             </a:fld>
             <a:endParaRPr lang="en-US" dirty="0"/>
           </a:p>
@@ -627,7 +629,7 @@
           <a:p>
             <a:fld id="{C99BBB17-2D1A-4F24-B9AD-CEA35EC18396}" type="datetimeFigureOut">
               <a:rPr lang="en-US" smtClean="0"/>
-              <a:t>9/20/2024</a:t>
+              <a:t>2025-09-01</a:t>
             </a:fld>
             <a:endParaRPr lang="en-US"/>
           </a:p>
@@ -825,7 +827,7 @@
           <a:p>
             <a:fld id="{C99BBB17-2D1A-4F24-B9AD-CEA35EC18396}" type="datetimeFigureOut">
               <a:rPr lang="en-US" smtClean="0"/>
-              <a:t>9/20/2024</a:t>
+              <a:t>2025-09-01</a:t>
             </a:fld>
             <a:endParaRPr lang="en-US"/>
           </a:p>
@@ -1033,7 +1035,7 @@
           <a:p>
             <a:fld id="{C99BBB17-2D1A-4F24-B9AD-CEA35EC18396}" type="datetimeFigureOut">
               <a:rPr lang="en-US" smtClean="0"/>
-              <a:t>9/20/2024</a:t>
+              <a:t>2025-09-01</a:t>
             </a:fld>
             <a:endParaRPr lang="en-US"/>
           </a:p>
@@ -1231,7 +1233,7 @@
           <a:p>
             <a:fld id="{C99BBB17-2D1A-4F24-B9AD-CEA35EC18396}" type="datetimeFigureOut">
               <a:rPr lang="en-US" smtClean="0"/>
-              <a:t>9/20/2024</a:t>
+              <a:t>2025-09-01</a:t>
             </a:fld>
             <a:endParaRPr lang="en-US"/>
           </a:p>
@@ -1506,7 +1508,7 @@
           <a:p>
             <a:fld id="{C99BBB17-2D1A-4F24-B9AD-CEA35EC18396}" type="datetimeFigureOut">
               <a:rPr lang="en-US" smtClean="0"/>
-              <a:t>9/20/2024</a:t>
+              <a:t>2025-09-01</a:t>
             </a:fld>
             <a:endParaRPr lang="en-US"/>
           </a:p>
@@ -1771,7 +1773,7 @@
           <a:p>
             <a:fld id="{C99BBB17-2D1A-4F24-B9AD-CEA35EC18396}" type="datetimeFigureOut">
               <a:rPr lang="en-US" smtClean="0"/>
-              <a:t>9/20/2024</a:t>
+              <a:t>2025-09-01</a:t>
             </a:fld>
             <a:endParaRPr lang="en-US"/>
           </a:p>
@@ -2183,7 +2185,7 @@
           <a:p>
             <a:fld id="{C99BBB17-2D1A-4F24-B9AD-CEA35EC18396}" type="datetimeFigureOut">
               <a:rPr lang="en-US" smtClean="0"/>
-              <a:t>9/20/2024</a:t>
+              <a:t>2025-09-01</a:t>
             </a:fld>
             <a:endParaRPr lang="en-US"/>
           </a:p>
@@ -2324,7 +2326,7 @@
           <a:p>
             <a:fld id="{C99BBB17-2D1A-4F24-B9AD-CEA35EC18396}" type="datetimeFigureOut">
               <a:rPr lang="en-US" smtClean="0"/>
-              <a:t>9/20/2024</a:t>
+              <a:t>2025-09-01</a:t>
             </a:fld>
             <a:endParaRPr lang="en-US"/>
           </a:p>
@@ -2437,7 +2439,7 @@
           <a:p>
             <a:fld id="{C99BBB17-2D1A-4F24-B9AD-CEA35EC18396}" type="datetimeFigureOut">
               <a:rPr lang="en-US" smtClean="0"/>
-              <a:t>9/20/2024</a:t>
+              <a:t>2025-09-01</a:t>
             </a:fld>
             <a:endParaRPr lang="en-US"/>
           </a:p>
@@ -2748,7 +2750,7 @@
           <a:p>
             <a:fld id="{C99BBB17-2D1A-4F24-B9AD-CEA35EC18396}" type="datetimeFigureOut">
               <a:rPr lang="en-US" smtClean="0"/>
-              <a:t>9/20/2024</a:t>
+              <a:t>2025-09-01</a:t>
             </a:fld>
             <a:endParaRPr lang="en-US"/>
           </a:p>
@@ -3036,7 +3038,7 @@
           <a:p>
             <a:fld id="{C99BBB17-2D1A-4F24-B9AD-CEA35EC18396}" type="datetimeFigureOut">
               <a:rPr lang="en-US" smtClean="0"/>
-              <a:t>9/20/2024</a:t>
+              <a:t>2025-09-01</a:t>
             </a:fld>
             <a:endParaRPr lang="en-US"/>
           </a:p>
@@ -3279,7 +3281,7 @@
             <a:fld id="{C99BBB17-2D1A-4F24-B9AD-CEA35EC18396}" type="datetimeFigureOut">
               <a:rPr lang="en-US" smtClean="0"/>
               <a:pPr/>
-              <a:t>9/20/2024</a:t>
+              <a:t>2025-09-01</a:t>
             </a:fld>
             <a:endParaRPr lang="en-US" dirty="0"/>
           </a:p>
@@ -4778,7 +4780,13 @@
   <p:cSld>
     <p:spTree>
       <p:nvGrpSpPr>
-        <p:cNvPr id="1" name=""/>
+        <p:cNvPr id="1" name="">
+          <a:extLst>
+            <a:ext uri="{FF2B5EF4-FFF2-40B4-BE49-F238E27FC236}">
+              <a16:creationId xmlns:a16="http://schemas.microsoft.com/office/drawing/2014/main" id="{28ECAF7B-148E-43F7-EA91-01D5FD88EE29}"/>
+            </a:ext>
+          </a:extLst>
+        </p:cNvPr>
         <p:cNvGrpSpPr/>
         <p:nvPr/>
       </p:nvGrpSpPr>
@@ -4795,7 +4803,7 @@
           <p:cNvPr id="4" name="Rectangle 3">
             <a:extLst>
               <a:ext uri="{FF2B5EF4-FFF2-40B4-BE49-F238E27FC236}">
-                <a16:creationId xmlns:a16="http://schemas.microsoft.com/office/drawing/2014/main" id="{EF4483D5-183C-E317-4602-6E24434DC8D9}"/>
+                <a16:creationId xmlns:a16="http://schemas.microsoft.com/office/drawing/2014/main" id="{DEA2F39A-E48E-3222-283D-E45FC318769F}"/>
               </a:ext>
               <a:ext uri="{C183D7F6-B498-43B3-948B-1728B52AA6E4}">
                 <adec:decorative xmlns:adec="http://schemas.microsoft.com/office/drawing/2017/decorative" val="1"/>
@@ -4858,7 +4866,7 @@
           <p:cNvPr id="5" name="Freeform: Shape 4">
             <a:extLst>
               <a:ext uri="{FF2B5EF4-FFF2-40B4-BE49-F238E27FC236}">
-                <a16:creationId xmlns:a16="http://schemas.microsoft.com/office/drawing/2014/main" id="{DFE79144-A76D-F3CE-1B24-7CCE37658CFA}"/>
+                <a16:creationId xmlns:a16="http://schemas.microsoft.com/office/drawing/2014/main" id="{F4CE7EB2-52B2-AA53-38C4-15BCB7CB5C8A}"/>
               </a:ext>
               <a:ext uri="{C183D7F6-B498-43B3-948B-1728B52AA6E4}">
                 <adec:decorative xmlns:adec="http://schemas.microsoft.com/office/drawing/2017/decorative" val="1"/>
@@ -4974,7 +4982,7 @@
           <p:cNvPr id="6" name="Rectangle 5">
             <a:extLst>
               <a:ext uri="{FF2B5EF4-FFF2-40B4-BE49-F238E27FC236}">
-                <a16:creationId xmlns:a16="http://schemas.microsoft.com/office/drawing/2014/main" id="{9FF2B546-A3AF-4C97-0CDA-90AABBCCF627}"/>
+                <a16:creationId xmlns:a16="http://schemas.microsoft.com/office/drawing/2014/main" id="{77CA8333-71B1-4DF6-C844-C1CF7525F1BD}"/>
               </a:ext>
               <a:ext uri="{C183D7F6-B498-43B3-948B-1728B52AA6E4}">
                 <adec:decorative xmlns:adec="http://schemas.microsoft.com/office/drawing/2017/decorative" val="1"/>
@@ -5039,7 +5047,7 @@
           <p:cNvPr id="7" name="Rectangle 6">
             <a:extLst>
               <a:ext uri="{FF2B5EF4-FFF2-40B4-BE49-F238E27FC236}">
-                <a16:creationId xmlns:a16="http://schemas.microsoft.com/office/drawing/2014/main" id="{300AA31C-C6DE-73DE-7EC1-FE464C7D39FC}"/>
+                <a16:creationId xmlns:a16="http://schemas.microsoft.com/office/drawing/2014/main" id="{5F07CDD9-699F-861C-7F14-E1950D2D2FD0}"/>
               </a:ext>
               <a:ext uri="{C183D7F6-B498-43B3-948B-1728B52AA6E4}">
                 <adec:decorative xmlns:adec="http://schemas.microsoft.com/office/drawing/2017/decorative" val="1"/>
@@ -5104,7 +5112,7 @@
           <p:cNvPr id="8" name="Freeform: Shape 7">
             <a:extLst>
               <a:ext uri="{FF2B5EF4-FFF2-40B4-BE49-F238E27FC236}">
-                <a16:creationId xmlns:a16="http://schemas.microsoft.com/office/drawing/2014/main" id="{53611377-98E4-C64E-45A4-8C6EDE9BD5FD}"/>
+                <a16:creationId xmlns:a16="http://schemas.microsoft.com/office/drawing/2014/main" id="{D2EE5649-3B32-CD38-D867-EB1264564723}"/>
               </a:ext>
               <a:ext uri="{C183D7F6-B498-43B3-948B-1728B52AA6E4}">
                 <adec:decorative xmlns:adec="http://schemas.microsoft.com/office/drawing/2017/decorative" val="1"/>
@@ -5214,7 +5222,7 @@
           <p:cNvPr id="9" name="Isosceles Triangle 8">
             <a:extLst>
               <a:ext uri="{FF2B5EF4-FFF2-40B4-BE49-F238E27FC236}">
-                <a16:creationId xmlns:a16="http://schemas.microsoft.com/office/drawing/2014/main" id="{164E112C-FA58-F234-635E-5CF8EA2511A2}"/>
+                <a16:creationId xmlns:a16="http://schemas.microsoft.com/office/drawing/2014/main" id="{ABEEC6AD-B375-44B6-891E-CFC306798D5E}"/>
               </a:ext>
               <a:ext uri="{C183D7F6-B498-43B3-948B-1728B52AA6E4}">
                 <adec:decorative xmlns:adec="http://schemas.microsoft.com/office/drawing/2017/decorative" val="1"/>
@@ -5279,7 +5287,7 @@
           <p:cNvPr id="10" name="Isosceles Triangle 9">
             <a:extLst>
               <a:ext uri="{FF2B5EF4-FFF2-40B4-BE49-F238E27FC236}">
-                <a16:creationId xmlns:a16="http://schemas.microsoft.com/office/drawing/2014/main" id="{CC850582-7327-2255-77BA-0FC1C58B1129}"/>
+                <a16:creationId xmlns:a16="http://schemas.microsoft.com/office/drawing/2014/main" id="{E9750F53-2559-92B6-8353-D333B4952F98}"/>
               </a:ext>
               <a:ext uri="{C183D7F6-B498-43B3-948B-1728B52AA6E4}">
                 <adec:decorative xmlns:adec="http://schemas.microsoft.com/office/drawing/2017/decorative" val="1"/>
@@ -5341,10 +5349,159 @@
       </p:sp>
       <p:sp>
         <p:nvSpPr>
+          <p:cNvPr id="12" name="Title 1">
+            <a:extLst>
+              <a:ext uri="{FF2B5EF4-FFF2-40B4-BE49-F238E27FC236}">
+                <a16:creationId xmlns:a16="http://schemas.microsoft.com/office/drawing/2014/main" id="{7B8689DE-25B9-2FFC-2154-689A70EDE2B4}"/>
+              </a:ext>
+            </a:extLst>
+          </p:cNvPr>
+          <p:cNvSpPr txBox="1">
+            <a:spLocks/>
+          </p:cNvSpPr>
+          <p:nvPr/>
+        </p:nvSpPr>
+        <p:spPr>
+          <a:xfrm>
+            <a:off x="477980" y="1122363"/>
+            <a:ext cx="9214660" cy="3204134"/>
+          </a:xfrm>
+          <a:prstGeom prst="rect">
+            <a:avLst/>
+          </a:prstGeom>
+        </p:spPr>
+        <p:txBody>
+          <a:bodyPr vert="horz" lIns="91440" tIns="45720" rIns="91440" bIns="45720" rtlCol="0" anchor="b">
+            <a:normAutofit/>
+          </a:bodyPr>
+          <a:lstStyle>
+            <a:lvl1pPr algn="l" defTabSz="914400" rtl="0" eaLnBrk="1" latinLnBrk="0" hangingPunct="1">
+              <a:lnSpc>
+                <a:spcPct val="90000"/>
+              </a:lnSpc>
+              <a:spcBef>
+                <a:spcPct val="0"/>
+              </a:spcBef>
+              <a:buNone/>
+              <a:defRPr sz="4400" kern="1200">
+                <a:solidFill>
+                  <a:schemeClr val="tx1"/>
+                </a:solidFill>
+                <a:latin typeface="+mj-lt"/>
+                <a:ea typeface="+mj-ea"/>
+                <a:cs typeface="+mj-cs"/>
+              </a:defRPr>
+            </a:lvl1pPr>
+          </a:lstStyle>
+          <a:p>
+            <a:r>
+              <a:rPr lang="nb-NO" sz="3600" b="1" i="1" dirty="0" err="1">
+                <a:latin typeface="Arial" panose="020B0604020202020204" pitchFamily="34" charset="0"/>
+              </a:rPr>
+              <a:t>Geo</a:t>
+            </a:r>
+            <a:r>
+              <a:rPr lang="nb-NO" sz="3600" b="1" i="1" dirty="0">
+                <a:latin typeface="Arial" panose="020B0604020202020204" pitchFamily="34" charset="0"/>
+              </a:rPr>
+              <a:t>-UAV / </a:t>
+            </a:r>
+            <a:r>
+              <a:rPr lang="nb-NO" sz="3600" b="1" i="1" dirty="0" err="1">
+                <a:latin typeface="Arial" panose="020B0604020202020204" pitchFamily="34" charset="0"/>
+              </a:rPr>
+              <a:t>SfM</a:t>
+            </a:r>
+            <a:r>
+              <a:rPr lang="nb-NO" sz="3600" b="1" i="1" dirty="0">
+                <a:latin typeface="Arial" panose="020B0604020202020204" pitchFamily="34" charset="0"/>
+              </a:rPr>
+              <a:t> (2025 </a:t>
+            </a:r>
+            <a:r>
+              <a:rPr lang="nb-NO" sz="3600" b="1" i="1" dirty="0" err="1">
+                <a:latin typeface="Arial" panose="020B0604020202020204" pitchFamily="34" charset="0"/>
+              </a:rPr>
+              <a:t>edition</a:t>
+            </a:r>
+            <a:r>
+              <a:rPr lang="nb-NO" sz="3600" b="1" i="1" dirty="0">
+                <a:latin typeface="Arial" panose="020B0604020202020204" pitchFamily="34" charset="0"/>
+              </a:rPr>
+              <a:t>): </a:t>
+            </a:r>
+          </a:p>
+          <a:p>
+            <a:r>
+              <a:rPr lang="nb-NO" sz="3600" b="1" i="1" dirty="0">
+                <a:latin typeface="Arial" panose="020B0604020202020204" pitchFamily="34" charset="0"/>
+              </a:rPr>
+              <a:t>Teaching multiview stereo </a:t>
+            </a:r>
+            <a:br>
+              <a:rPr lang="nb-NO" sz="3600" b="1" i="1" dirty="0">
+                <a:latin typeface="Arial" panose="020B0604020202020204" pitchFamily="34" charset="0"/>
+              </a:rPr>
+            </a:br>
+            <a:r>
+              <a:rPr lang="nb-NO" sz="3600" b="1" i="1" dirty="0" err="1">
+                <a:latin typeface="Arial" panose="020B0604020202020204" pitchFamily="34" charset="0"/>
+              </a:rPr>
+              <a:t>structure</a:t>
+            </a:r>
+            <a:r>
+              <a:rPr lang="nb-NO" sz="3600" b="1" i="1" dirty="0">
+                <a:latin typeface="Arial" panose="020B0604020202020204" pitchFamily="34" charset="0"/>
+              </a:rPr>
+              <a:t>-from-motion </a:t>
+            </a:r>
+            <a:r>
+              <a:rPr lang="nb-NO" sz="3600" b="1" i="1" dirty="0" err="1">
+                <a:latin typeface="Arial" panose="020B0604020202020204" pitchFamily="34" charset="0"/>
+              </a:rPr>
+              <a:t>photogrammetry</a:t>
+            </a:r>
+            <a:endParaRPr lang="nb-NO" sz="3600" b="1" i="1" dirty="0">
+              <a:latin typeface="Arial" panose="020B0604020202020204" pitchFamily="34" charset="0"/>
+            </a:endParaRPr>
+          </a:p>
+          <a:p>
+            <a:r>
+              <a:rPr lang="nb-NO" sz="3600" b="1" i="1" dirty="0" err="1">
+                <a:latin typeface="Arial" panose="020B0604020202020204" pitchFamily="34" charset="0"/>
+              </a:rPr>
+              <a:t>acquisition</a:t>
+            </a:r>
+            <a:r>
+              <a:rPr lang="nb-NO" sz="3600" b="1" i="1" dirty="0">
+                <a:latin typeface="Arial" panose="020B0604020202020204" pitchFamily="34" charset="0"/>
+              </a:rPr>
+              <a:t> and </a:t>
+            </a:r>
+            <a:r>
+              <a:rPr lang="nb-NO" sz="3600" b="1" i="1" dirty="0" err="1">
+                <a:latin typeface="Arial" panose="020B0604020202020204" pitchFamily="34" charset="0"/>
+              </a:rPr>
+              <a:t>processing</a:t>
+            </a:r>
+            <a:r>
+              <a:rPr lang="nb-NO" sz="3600" b="1" i="1" dirty="0">
+                <a:latin typeface="Arial" panose="020B0604020202020204" pitchFamily="34" charset="0"/>
+              </a:rPr>
+              <a:t> </a:t>
+            </a:r>
+            <a:endParaRPr lang="en-US" sz="3400" b="1" dirty="0">
+              <a:latin typeface="Arial" panose="020B0604020202020204" pitchFamily="34" charset="0"/>
+            </a:endParaRPr>
+          </a:p>
+        </p:txBody>
+      </p:sp>
+      <p:sp>
+        <p:nvSpPr>
           <p:cNvPr id="13" name="Subtitle 2">
             <a:extLst>
               <a:ext uri="{FF2B5EF4-FFF2-40B4-BE49-F238E27FC236}">
-                <a16:creationId xmlns:a16="http://schemas.microsoft.com/office/drawing/2014/main" id="{560260DA-12BE-6B6F-5524-C9D48504680C}"/>
+                <a16:creationId xmlns:a16="http://schemas.microsoft.com/office/drawing/2014/main" id="{D1C0269F-6D26-F4EA-7BFB-EEC4764DDBE7}"/>
               </a:ext>
             </a:extLst>
           </p:cNvPr>
@@ -5545,229 +5702,113 @@
           <p:cNvPr id="2" name="Title 1">
             <a:extLst>
               <a:ext uri="{FF2B5EF4-FFF2-40B4-BE49-F238E27FC236}">
-                <a16:creationId xmlns:a16="http://schemas.microsoft.com/office/drawing/2014/main" id="{044D5C86-6C13-B385-18EB-CE82554A07BC}"/>
-              </a:ext>
-            </a:extLst>
-          </p:cNvPr>
-          <p:cNvSpPr>
-            <a:spLocks noGrp="1"/>
+                <a16:creationId xmlns:a16="http://schemas.microsoft.com/office/drawing/2014/main" id="{173C921C-314E-56C1-6BA5-DC930725A037}"/>
+              </a:ext>
+            </a:extLst>
+          </p:cNvPr>
+          <p:cNvSpPr txBox="1">
+            <a:spLocks/>
           </p:cNvSpPr>
-          <p:nvPr>
-            <p:ph type="title"/>
-          </p:nvPr>
+          <p:nvPr/>
         </p:nvSpPr>
         <p:spPr>
           <a:xfrm>
-            <a:off x="1676400" y="-7563"/>
-            <a:ext cx="10515600" cy="1325563"/>
-          </a:xfrm>
-        </p:spPr>
-        <p:txBody>
-          <a:bodyPr>
-            <a:normAutofit/>
-          </a:bodyPr>
-          <a:lstStyle/>
-          <a:p>
-            <a:r>
-              <a:rPr lang="nb-NO" sz="3600" dirty="0"/>
-              <a:t>AG-214: autumn 2024 lecture series</a:t>
-            </a:r>
-            <a:endParaRPr lang="en-US" sz="3600" dirty="0"/>
-          </a:p>
-        </p:txBody>
-      </p:sp>
-      <p:sp>
-        <p:nvSpPr>
-          <p:cNvPr id="3" name="Content Placeholder 2">
-            <a:extLst>
-              <a:ext uri="{FF2B5EF4-FFF2-40B4-BE49-F238E27FC236}">
-                <a16:creationId xmlns:a16="http://schemas.microsoft.com/office/drawing/2014/main" id="{2D0EA7A2-E4A5-2799-2A25-121BD1FEE728}"/>
-              </a:ext>
-            </a:extLst>
-          </p:cNvPr>
-          <p:cNvSpPr>
-            <a:spLocks noGrp="1"/>
-          </p:cNvSpPr>
-          <p:nvPr>
-            <p:ph idx="1"/>
-          </p:nvPr>
-        </p:nvSpPr>
-        <p:spPr>
-          <a:xfrm>
-            <a:off x="838200" y="1825625"/>
-            <a:ext cx="6765880" cy="4351338"/>
-          </a:xfrm>
-        </p:spPr>
-        <p:txBody>
-          <a:bodyPr>
-            <a:normAutofit/>
-          </a:bodyPr>
-          <a:lstStyle/>
-          <a:p>
-            <a:r>
-              <a:rPr lang="nb-NO" sz="2800" dirty="0"/>
-              <a:t>3 days of lectures and hands-on practicals – «Learning by doing»</a:t>
-            </a:r>
-          </a:p>
-          <a:p>
-            <a:endParaRPr lang="nb-NO" dirty="0"/>
-          </a:p>
-          <a:p>
-            <a:r>
-              <a:rPr lang="nb-NO" dirty="0"/>
-              <a:t>Open, online modules: UNIS eBook portal @ </a:t>
-            </a:r>
-            <a:r>
-              <a:rPr lang="nb-NO" dirty="0">
-                <a:hlinkClick r:id="rId2"/>
-              </a:rPr>
-              <a:t>https://unisvalbard.github.io/ebooks/</a:t>
-            </a:r>
-            <a:endParaRPr lang="nb-NO" dirty="0"/>
-          </a:p>
-          <a:p>
-            <a:endParaRPr lang="nb-NO" dirty="0"/>
-          </a:p>
-          <a:p>
-            <a:r>
-              <a:rPr lang="nb-NO" sz="2800" dirty="0"/>
-              <a:t>Geo-SfM: Online course tutorial: </a:t>
-            </a:r>
-            <a:r>
-              <a:rPr lang="nb-NO" sz="2800" dirty="0">
-                <a:hlinkClick r:id="rId3"/>
-              </a:rPr>
-              <a:t>https://unisvalbard.github.io/Geo-SfM/</a:t>
-            </a:r>
-            <a:endParaRPr lang="nb-NO" sz="2800" dirty="0"/>
-          </a:p>
-          <a:p>
-            <a:endParaRPr lang="nb-NO" dirty="0"/>
-          </a:p>
-          <a:p>
-            <a:pPr marL="0" indent="0">
-              <a:buNone/>
-            </a:pPr>
-            <a:endParaRPr lang="en-US" sz="2800" dirty="0"/>
-          </a:p>
-        </p:txBody>
-      </p:sp>
-      <p:pic>
-        <p:nvPicPr>
-          <p:cNvPr id="11" name="Picture 4" descr="logo">
-            <a:extLst>
-              <a:ext uri="{FF2B5EF4-FFF2-40B4-BE49-F238E27FC236}">
-                <a16:creationId xmlns:a16="http://schemas.microsoft.com/office/drawing/2014/main" id="{D03FC4AA-36BA-2B5A-8FAF-5E297DCE0739}"/>
-              </a:ext>
-            </a:extLst>
-          </p:cNvPr>
-          <p:cNvPicPr>
-            <a:picLocks noChangeAspect="1" noChangeArrowheads="1"/>
-          </p:cNvPicPr>
-          <p:nvPr/>
-        </p:nvPicPr>
-        <p:blipFill rotWithShape="1">
-          <a:blip r:embed="rId4">
-            <a:extLst>
-              <a:ext uri="{28A0092B-C50C-407E-A947-70E740481C1C}">
-                <a14:useLocalDpi xmlns:a14="http://schemas.microsoft.com/office/drawing/2010/main" val="0"/>
-              </a:ext>
-            </a:extLst>
-          </a:blip>
-          <a:srcRect l="1931" r="9186" b="6"/>
-          <a:stretch/>
-        </p:blipFill>
-        <p:spPr bwMode="auto">
-          <a:xfrm>
-            <a:off x="9037678" y="3455994"/>
-            <a:ext cx="2286004" cy="2571755"/>
+            <a:off x="477980" y="3244493"/>
+            <a:ext cx="9214660" cy="3204134"/>
           </a:xfrm>
           <a:prstGeom prst="rect">
             <a:avLst/>
           </a:prstGeom>
-          <a:noFill/>
-          <a:extLst>
-            <a:ext uri="{909E8E84-426E-40DD-AFC4-6F175D3DCCD1}">
-              <a14:hiddenFill xmlns:a14="http://schemas.microsoft.com/office/drawing/2010/main">
+        </p:spPr>
+        <p:txBody>
+          <a:bodyPr vert="horz" lIns="91440" tIns="45720" rIns="91440" bIns="45720" rtlCol="0" anchor="b">
+            <a:normAutofit/>
+          </a:bodyPr>
+          <a:lstStyle>
+            <a:lvl1pPr algn="l" defTabSz="914400" rtl="0" eaLnBrk="1" latinLnBrk="0" hangingPunct="1">
+              <a:lnSpc>
+                <a:spcPct val="90000"/>
+              </a:lnSpc>
+              <a:spcBef>
+                <a:spcPct val="0"/>
+              </a:spcBef>
+              <a:buNone/>
+              <a:defRPr sz="4400" kern="1200">
                 <a:solidFill>
-                  <a:srgbClr val="FFFFFF"/>
+                  <a:schemeClr val="tx1"/>
                 </a:solidFill>
-              </a14:hiddenFill>
-            </a:ext>
-          </a:extLst>
-        </p:spPr>
-      </p:pic>
-      <p:sp>
-        <p:nvSpPr>
-          <p:cNvPr id="14" name="TextBox 13">
-            <a:extLst>
-              <a:ext uri="{FF2B5EF4-FFF2-40B4-BE49-F238E27FC236}">
-                <a16:creationId xmlns:a16="http://schemas.microsoft.com/office/drawing/2014/main" id="{D9581852-ADAA-BCD4-CF7A-035D570AE9C6}"/>
-              </a:ext>
-            </a:extLst>
-          </p:cNvPr>
-          <p:cNvSpPr txBox="1"/>
-          <p:nvPr/>
-        </p:nvSpPr>
-        <p:spPr>
-          <a:xfrm>
-            <a:off x="9203489" y="2228671"/>
-            <a:ext cx="1954381" cy="1107996"/>
-          </a:xfrm>
-          <a:prstGeom prst="rect">
-            <a:avLst/>
-          </a:prstGeom>
-          <a:noFill/>
-        </p:spPr>
-        <p:txBody>
-          <a:bodyPr wrap="none" rtlCol="0">
-            <a:spAutoFit/>
-          </a:bodyPr>
-          <a:lstStyle/>
-          <a:p>
-            <a:pPr algn="ctr"/>
-            <a:r>
-              <a:rPr lang="en-US" dirty="0">
+                <a:latin typeface="+mj-lt"/>
+                <a:ea typeface="+mj-ea"/>
+                <a:cs typeface="+mj-cs"/>
+              </a:defRPr>
+            </a:lvl1pPr>
+          </a:lstStyle>
+          <a:p>
+            <a:r>
+              <a:rPr lang="nb-NO" sz="2800" b="1" i="1" dirty="0">
                 <a:latin typeface="Arial" panose="020B0604020202020204" pitchFamily="34" charset="0"/>
               </a:rPr>
-              <a:t>Peter Betlem</a:t>
-            </a:r>
-          </a:p>
-          <a:p>
-            <a:pPr algn="ctr"/>
-            <a:r>
-              <a:rPr lang="en-US" dirty="0">
+              <a:t>Geo-SfM: A tutorial on how to </a:t>
+            </a:r>
+            <a:r>
+              <a:rPr lang="nb-NO" sz="2800" b="1" i="1" u="sng" dirty="0" err="1">
                 <a:latin typeface="Arial" panose="020B0604020202020204" pitchFamily="34" charset="0"/>
               </a:rPr>
-              <a:t>Course Instructor</a:t>
-            </a:r>
-          </a:p>
-          <a:p>
-            <a:pPr algn="ctr"/>
-            <a:r>
-              <a:rPr lang="en-US" dirty="0">
+              <a:t>acquire</a:t>
+            </a:r>
+            <a:r>
+              <a:rPr lang="nb-NO" sz="2800" b="1" i="1" dirty="0">
                 <a:latin typeface="Arial" panose="020B0604020202020204" pitchFamily="34" charset="0"/>
               </a:rPr>
-              <a:t>NGI: 2024 - ???</a:t>
-            </a:r>
-          </a:p>
-          <a:p>
-            <a:pPr algn="ctr"/>
-            <a:r>
-              <a:rPr lang="en-US" sz="1100" dirty="0">
+              <a:t> and </a:t>
+            </a:r>
+            <a:r>
+              <a:rPr lang="nb-NO" sz="2800" b="1" i="1" u="sng" dirty="0" err="1">
                 <a:latin typeface="Arial" panose="020B0604020202020204" pitchFamily="34" charset="0"/>
               </a:rPr>
-              <a:t>(UNIS: 2016-2024)</a:t>
-            </a:r>
+              <a:t>use</a:t>
+            </a:r>
+            <a:r>
+              <a:rPr lang="nb-NO" sz="2800" b="1" i="1" dirty="0">
+                <a:latin typeface="Arial" panose="020B0604020202020204" pitchFamily="34" charset="0"/>
+              </a:rPr>
+              <a:t> SfM processing in the geosciences</a:t>
+            </a:r>
+            <a:br>
+              <a:rPr lang="nb-NO" sz="2800" b="1" i="1" dirty="0">
+                <a:latin typeface="Arial" panose="020B0604020202020204" pitchFamily="34" charset="0"/>
+              </a:rPr>
+            </a:br>
+            <a:r>
+              <a:rPr lang="nb-NO" sz="2800" b="1" i="1" dirty="0">
+                <a:latin typeface="Arial" panose="020B0604020202020204" pitchFamily="34" charset="0"/>
+              </a:rPr>
+              <a:t>(</a:t>
+            </a:r>
+            <a:r>
+              <a:rPr lang="nb-NO" sz="2800" b="1" i="1" u="sng" dirty="0">
+                <a:latin typeface="Arial" panose="020B0604020202020204" pitchFamily="34" charset="0"/>
+              </a:rPr>
+              <a:t>not</a:t>
+            </a:r>
+            <a:r>
+              <a:rPr lang="nb-NO" sz="2800" b="1" i="1" dirty="0">
+                <a:latin typeface="Arial" panose="020B0604020202020204" pitchFamily="34" charset="0"/>
+              </a:rPr>
+              <a:t> a lecture series on mathematical and physical principles; neither a photography course)</a:t>
+            </a:r>
+            <a:endParaRPr lang="en-US" sz="2800" b="1" dirty="0">
+              <a:latin typeface="Arial" panose="020B0604020202020204" pitchFamily="34" charset="0"/>
+            </a:endParaRPr>
           </a:p>
         </p:txBody>
       </p:sp>
       <p:grpSp>
         <p:nvGrpSpPr>
-          <p:cNvPr id="16" name="Group 15">
-            <a:extLst>
-              <a:ext uri="{FF2B5EF4-FFF2-40B4-BE49-F238E27FC236}">
-                <a16:creationId xmlns:a16="http://schemas.microsoft.com/office/drawing/2014/main" id="{8762CCD0-FED5-8F25-CC96-DCBDAB5A6172}"/>
+          <p:cNvPr id="3" name="Group 2">
+            <a:extLst>
+              <a:ext uri="{FF2B5EF4-FFF2-40B4-BE49-F238E27FC236}">
+                <a16:creationId xmlns:a16="http://schemas.microsoft.com/office/drawing/2014/main" id="{E6E50D8B-B067-E94D-A76A-2C43A374A43F}"/>
               </a:ext>
             </a:extLst>
           </p:cNvPr>
@@ -5776,7 +5817,7 @@
         </p:nvGrpSpPr>
         <p:grpSpPr>
           <a:xfrm>
-            <a:off x="9704900" y="6435344"/>
+            <a:off x="9704900" y="6443508"/>
             <a:ext cx="2344684" cy="333050"/>
             <a:chOff x="9704900" y="6443508"/>
             <a:chExt cx="2344684" cy="333050"/>
@@ -5784,10 +5825,10 @@
         </p:grpSpPr>
         <p:pic>
           <p:nvPicPr>
-            <p:cNvPr id="26" name="Picture 2" descr="UNIS - The university centre in Svalbard">
+            <p:cNvPr id="11" name="Picture 2" descr="UNIS - The university centre in Svalbard">
               <a:extLst>
                 <a:ext uri="{FF2B5EF4-FFF2-40B4-BE49-F238E27FC236}">
-                  <a16:creationId xmlns:a16="http://schemas.microsoft.com/office/drawing/2014/main" id="{3FBB4A11-E9C3-D45E-8EDE-6CF34C32E59B}"/>
+                  <a16:creationId xmlns:a16="http://schemas.microsoft.com/office/drawing/2014/main" id="{3C0A2A8B-5B9C-35CA-D06C-73E5616D29F6}"/>
                 </a:ext>
               </a:extLst>
             </p:cNvPr>
@@ -5797,7 +5838,7 @@
             <p:nvPr/>
           </p:nvPicPr>
           <p:blipFill>
-            <a:blip r:embed="rId5">
+            <a:blip r:embed="rId2">
               <a:extLst>
                 <a:ext uri="{28A0092B-C50C-407E-A947-70E740481C1C}">
                   <a14:useLocalDpi xmlns:a14="http://schemas.microsoft.com/office/drawing/2010/main" val="0"/>
@@ -5831,10 +5872,10 @@
         </p:pic>
         <p:pic>
           <p:nvPicPr>
-            <p:cNvPr id="27" name="Picture 2" descr="Site is undergoing maintenance">
+            <p:cNvPr id="14" name="Picture 2" descr="Site is undergoing maintenance">
               <a:extLst>
                 <a:ext uri="{FF2B5EF4-FFF2-40B4-BE49-F238E27FC236}">
-                  <a16:creationId xmlns:a16="http://schemas.microsoft.com/office/drawing/2014/main" id="{A9B52DA7-A2A2-0059-A038-02CDC274F002}"/>
+                  <a16:creationId xmlns:a16="http://schemas.microsoft.com/office/drawing/2014/main" id="{651BB902-37AB-6419-0808-EB6E435274DB}"/>
                 </a:ext>
               </a:extLst>
             </p:cNvPr>
@@ -5844,7 +5885,7 @@
             <p:nvPr/>
           </p:nvPicPr>
           <p:blipFill>
-            <a:blip r:embed="rId6">
+            <a:blip r:embed="rId3">
               <a:extLst>
                 <a:ext uri="{28A0092B-C50C-407E-A947-70E740481C1C}">
                   <a14:useLocalDpi xmlns:a14="http://schemas.microsoft.com/office/drawing/2010/main" val="0"/>
@@ -5881,7 +5922,7 @@
             <p:cNvPr id="15" name="Picture 14" descr="A black background with grey letters and a red triangle&#10;&#10;Description automatically generated">
               <a:extLst>
                 <a:ext uri="{FF2B5EF4-FFF2-40B4-BE49-F238E27FC236}">
-                  <a16:creationId xmlns:a16="http://schemas.microsoft.com/office/drawing/2014/main" id="{182DAC85-A616-3DBD-D6D8-798F84AF0BF6}"/>
+                  <a16:creationId xmlns:a16="http://schemas.microsoft.com/office/drawing/2014/main" id="{7BE7427D-E33C-F5F3-4CC5-CF99C3415CE1}"/>
                 </a:ext>
               </a:extLst>
             </p:cNvPr>
@@ -5891,7 +5932,7 @@
             <p:nvPr/>
           </p:nvPicPr>
           <p:blipFill>
-            <a:blip r:embed="rId7">
+            <a:blip r:embed="rId4">
               <a:extLst>
                 <a:ext uri="{28A0092B-C50C-407E-A947-70E740481C1C}">
                   <a14:useLocalDpi xmlns:a14="http://schemas.microsoft.com/office/drawing/2010/main" val="0"/>
@@ -5916,7 +5957,7 @@
     </p:spTree>
     <p:extLst>
       <p:ext uri="{BB962C8B-B14F-4D97-AF65-F5344CB8AC3E}">
-        <p14:creationId xmlns:p14="http://schemas.microsoft.com/office/powerpoint/2010/main" val="2771519365"/>
+        <p14:creationId xmlns:p14="http://schemas.microsoft.com/office/powerpoint/2010/main" val="364652346"/>
       </p:ext>
     </p:extLst>
   </p:cSld>
@@ -6723,7 +6764,15 @@
           <a:p>
             <a:r>
               <a:rPr lang="nb-NO" sz="3600" dirty="0"/>
-              <a:t>AG-222: Focus &amp; aims</a:t>
+              <a:t>AG-214: </a:t>
+            </a:r>
+            <a:r>
+              <a:rPr lang="nb-NO" sz="3600" dirty="0" err="1"/>
+              <a:t>autumn</a:t>
+            </a:r>
+            <a:r>
+              <a:rPr lang="nb-NO" sz="3600" dirty="0"/>
+              <a:t> 2025 lecture series</a:t>
             </a:r>
             <a:endParaRPr lang="en-US" sz="3600" dirty="0"/>
           </a:p>
@@ -6747,86 +6796,88 @@
         </p:nvSpPr>
         <p:spPr>
           <a:xfrm>
-            <a:off x="838199" y="1825625"/>
-            <a:ext cx="10785793" cy="4351338"/>
+            <a:off x="838200" y="1825625"/>
+            <a:ext cx="6765880" cy="4351338"/>
           </a:xfrm>
         </p:spPr>
         <p:txBody>
           <a:bodyPr>
-            <a:normAutofit fontScale="85000" lnSpcReduction="20000"/>
+            <a:normAutofit fontScale="92500"/>
           </a:bodyPr>
           <a:lstStyle/>
           <a:p>
-            <a:pPr marL="0" indent="0">
-              <a:buNone/>
-            </a:pPr>
+            <a:r>
+              <a:rPr lang="nb-NO" sz="2800" dirty="0"/>
+              <a:t>7 days of lectures and hands-on practicals – «Learning by doing»</a:t>
+            </a:r>
+          </a:p>
+          <a:p>
+            <a:endParaRPr lang="nb-NO" dirty="0"/>
+          </a:p>
+          <a:p>
             <a:r>
               <a:rPr lang="nb-NO" dirty="0"/>
-              <a:t>Motivation:</a:t>
-            </a:r>
-          </a:p>
-          <a:p>
+              <a:t>Open, online modules: UNIS eBook portal @ </a:t>
+            </a:r>
+            <a:r>
+              <a:rPr lang="nb-NO" dirty="0">
+                <a:hlinkClick r:id="rId2"/>
+              </a:rPr>
+              <a:t>https://unisvalbard.github.io/ebooks/</a:t>
+            </a:r>
+            <a:endParaRPr lang="nb-NO" dirty="0"/>
+          </a:p>
+          <a:p>
+            <a:endParaRPr lang="nb-NO" dirty="0"/>
+          </a:p>
+          <a:p>
+            <a:r>
+              <a:rPr lang="nb-NO" dirty="0" err="1"/>
+              <a:t>Geo-SfM</a:t>
+            </a:r>
             <a:r>
               <a:rPr lang="nb-NO" dirty="0"/>
-              <a:t>Plan of approach for acquiring digital data sets</a:t>
-            </a:r>
-          </a:p>
-          <a:p>
+              <a:t>: Online </a:t>
+            </a:r>
+            <a:r>
+              <a:rPr lang="nb-NO" dirty="0" err="1"/>
+              <a:t>course</a:t>
+            </a:r>
             <a:r>
               <a:rPr lang="nb-NO" dirty="0"/>
-              <a:t>Standardised &amp; structured data processing</a:t>
-            </a:r>
-          </a:p>
-          <a:p>
+              <a:t> </a:t>
+            </a:r>
+            <a:r>
+              <a:rPr lang="nb-NO" dirty="0" err="1"/>
+              <a:t>tutorial</a:t>
+            </a:r>
             <a:r>
               <a:rPr lang="nb-NO" dirty="0"/>
-              <a:t>Scientific notekeeping and data availability</a:t>
-            </a:r>
-          </a:p>
-          <a:p>
+              <a:t>: </a:t>
+            </a:r>
+            <a:r>
+              <a:rPr lang="nb-NO" dirty="0">
+                <a:hlinkClick r:id="rId3"/>
+              </a:rPr>
+              <a:t>https://unisvalbard.github.io/Geo-UAV/</a:t>
+            </a:r>
             <a:endParaRPr lang="nb-NO" dirty="0"/>
           </a:p>
           <a:p>
-            <a:pPr marL="0" indent="0">
-              <a:buNone/>
-            </a:pPr>
-            <a:r>
-              <a:rPr lang="nb-NO" dirty="0"/>
-              <a:t>Learning outcomes:</a:t>
-            </a:r>
-          </a:p>
-          <a:p>
-            <a:r>
-              <a:rPr lang="nb-NO" dirty="0"/>
-              <a:t>Fundamental understanding of photogrammetry, and how to process data</a:t>
-            </a:r>
-          </a:p>
-          <a:p>
-            <a:r>
-              <a:rPr lang="nb-NO" dirty="0"/>
-              <a:t>Understanding of how to apply georeferencing and spatial alignment</a:t>
-            </a:r>
-          </a:p>
-          <a:p>
-            <a:r>
-              <a:rPr lang="nb-NO" dirty="0"/>
-              <a:t>Become familiar with best-practices in data processing, including quality assessment and data validation</a:t>
-            </a:r>
-          </a:p>
-          <a:p>
-            <a:r>
-              <a:rPr lang="nb-NO" dirty="0"/>
-              <a:t>Be able to perform basic data analysis and feature interpretation</a:t>
-            </a:r>
+            <a:r>
+              <a:rPr lang="nb-NO" sz="2800" dirty="0"/>
+              <a:t>Geo-SfM: Online course tutorial: </a:t>
+            </a:r>
+            <a:r>
+              <a:rPr lang="nb-NO" sz="2800" dirty="0">
+                <a:hlinkClick r:id="rId4"/>
+              </a:rPr>
+              <a:t>https://unisvalbard.github.io/Geo-SfM/</a:t>
+            </a:r>
+            <a:endParaRPr lang="nb-NO" sz="2800" dirty="0"/>
           </a:p>
           <a:p>
             <a:endParaRPr lang="nb-NO" dirty="0"/>
-          </a:p>
-          <a:p>
-            <a:endParaRPr lang="nb-NO" sz="2800" dirty="0"/>
-          </a:p>
-          <a:p>
-            <a:endParaRPr lang="nb-NO" sz="2800" dirty="0"/>
           </a:p>
           <a:p>
             <a:pPr marL="0" indent="0">
@@ -6836,12 +6887,122 @@
           </a:p>
         </p:txBody>
       </p:sp>
+      <p:pic>
+        <p:nvPicPr>
+          <p:cNvPr id="11" name="Picture 4" descr="logo">
+            <a:extLst>
+              <a:ext uri="{FF2B5EF4-FFF2-40B4-BE49-F238E27FC236}">
+                <a16:creationId xmlns:a16="http://schemas.microsoft.com/office/drawing/2014/main" id="{D03FC4AA-36BA-2B5A-8FAF-5E297DCE0739}"/>
+              </a:ext>
+            </a:extLst>
+          </p:cNvPr>
+          <p:cNvPicPr>
+            <a:picLocks noChangeAspect="1" noChangeArrowheads="1"/>
+          </p:cNvPicPr>
+          <p:nvPr/>
+        </p:nvPicPr>
+        <p:blipFill rotWithShape="1">
+          <a:blip r:embed="rId5">
+            <a:extLst>
+              <a:ext uri="{28A0092B-C50C-407E-A947-70E740481C1C}">
+                <a14:useLocalDpi xmlns:a14="http://schemas.microsoft.com/office/drawing/2010/main" val="0"/>
+              </a:ext>
+            </a:extLst>
+          </a:blip>
+          <a:srcRect l="1931" r="9186" b="6"/>
+          <a:stretch/>
+        </p:blipFill>
+        <p:spPr bwMode="auto">
+          <a:xfrm>
+            <a:off x="9037678" y="3455994"/>
+            <a:ext cx="2286004" cy="2571755"/>
+          </a:xfrm>
+          <a:prstGeom prst="rect">
+            <a:avLst/>
+          </a:prstGeom>
+          <a:noFill/>
+          <a:extLst>
+            <a:ext uri="{909E8E84-426E-40DD-AFC4-6F175D3DCCD1}">
+              <a14:hiddenFill xmlns:a14="http://schemas.microsoft.com/office/drawing/2010/main">
+                <a:solidFill>
+                  <a:srgbClr val="FFFFFF"/>
+                </a:solidFill>
+              </a14:hiddenFill>
+            </a:ext>
+          </a:extLst>
+        </p:spPr>
+      </p:pic>
+      <p:sp>
+        <p:nvSpPr>
+          <p:cNvPr id="14" name="TextBox 13">
+            <a:extLst>
+              <a:ext uri="{FF2B5EF4-FFF2-40B4-BE49-F238E27FC236}">
+                <a16:creationId xmlns:a16="http://schemas.microsoft.com/office/drawing/2014/main" id="{D9581852-ADAA-BCD4-CF7A-035D570AE9C6}"/>
+              </a:ext>
+            </a:extLst>
+          </p:cNvPr>
+          <p:cNvSpPr txBox="1"/>
+          <p:nvPr/>
+        </p:nvSpPr>
+        <p:spPr>
+          <a:xfrm>
+            <a:off x="9203489" y="2228671"/>
+            <a:ext cx="1954381" cy="1107996"/>
+          </a:xfrm>
+          <a:prstGeom prst="rect">
+            <a:avLst/>
+          </a:prstGeom>
+          <a:noFill/>
+        </p:spPr>
+        <p:txBody>
+          <a:bodyPr wrap="none" rtlCol="0">
+            <a:spAutoFit/>
+          </a:bodyPr>
+          <a:lstStyle/>
+          <a:p>
+            <a:pPr algn="ctr"/>
+            <a:r>
+              <a:rPr lang="en-US" dirty="0">
+                <a:latin typeface="Arial" panose="020B0604020202020204" pitchFamily="34" charset="0"/>
+              </a:rPr>
+              <a:t>Peter Betlem</a:t>
+            </a:r>
+          </a:p>
+          <a:p>
+            <a:pPr algn="ctr"/>
+            <a:r>
+              <a:rPr lang="en-US" dirty="0">
+                <a:latin typeface="Arial" panose="020B0604020202020204" pitchFamily="34" charset="0"/>
+              </a:rPr>
+              <a:t>Course Instructor</a:t>
+            </a:r>
+          </a:p>
+          <a:p>
+            <a:pPr algn="ctr"/>
+            <a:r>
+              <a:rPr lang="en-US" dirty="0">
+                <a:latin typeface="Arial" panose="020B0604020202020204" pitchFamily="34" charset="0"/>
+              </a:rPr>
+              <a:t>NGI: 2024 - ???</a:t>
+            </a:r>
+          </a:p>
+          <a:p>
+            <a:pPr algn="ctr"/>
+            <a:r>
+              <a:rPr lang="en-US" sz="1100" dirty="0">
+                <a:latin typeface="Arial" panose="020B0604020202020204" pitchFamily="34" charset="0"/>
+              </a:rPr>
+              <a:t>(UNIS: 2016-2024)</a:t>
+            </a:r>
+          </a:p>
+        </p:txBody>
+      </p:sp>
       <p:grpSp>
         <p:nvGrpSpPr>
-          <p:cNvPr id="11" name="Group 10">
-            <a:extLst>
-              <a:ext uri="{FF2B5EF4-FFF2-40B4-BE49-F238E27FC236}">
-                <a16:creationId xmlns:a16="http://schemas.microsoft.com/office/drawing/2014/main" id="{D7878B93-9754-40C2-67B5-4C6B44C09932}"/>
+          <p:cNvPr id="16" name="Group 15">
+            <a:extLst>
+              <a:ext uri="{FF2B5EF4-FFF2-40B4-BE49-F238E27FC236}">
+                <a16:creationId xmlns:a16="http://schemas.microsoft.com/office/drawing/2014/main" id="{8762CCD0-FED5-8F25-CC96-DCBDAB5A6172}"/>
               </a:ext>
             </a:extLst>
           </p:cNvPr>
@@ -6850,7 +7011,7 @@
         </p:nvGrpSpPr>
         <p:grpSpPr>
           <a:xfrm>
-            <a:off x="9704900" y="6443508"/>
+            <a:off x="9704900" y="6435344"/>
             <a:ext cx="2344684" cy="333050"/>
             <a:chOff x="9704900" y="6443508"/>
             <a:chExt cx="2344684" cy="333050"/>
@@ -6858,10 +7019,10 @@
         </p:grpSpPr>
         <p:pic>
           <p:nvPicPr>
-            <p:cNvPr id="12" name="Picture 2" descr="UNIS - The university centre in Svalbard">
+            <p:cNvPr id="26" name="Picture 2" descr="UNIS - The university centre in Svalbard">
               <a:extLst>
                 <a:ext uri="{FF2B5EF4-FFF2-40B4-BE49-F238E27FC236}">
-                  <a16:creationId xmlns:a16="http://schemas.microsoft.com/office/drawing/2014/main" id="{502E761F-10E4-1995-7CC7-8E2CD0F4F78C}"/>
+                  <a16:creationId xmlns:a16="http://schemas.microsoft.com/office/drawing/2014/main" id="{3FBB4A11-E9C3-D45E-8EDE-6CF34C32E59B}"/>
                 </a:ext>
               </a:extLst>
             </p:cNvPr>
@@ -6871,7 +7032,7 @@
             <p:nvPr/>
           </p:nvPicPr>
           <p:blipFill>
-            <a:blip r:embed="rId2">
+            <a:blip r:embed="rId6">
               <a:extLst>
                 <a:ext uri="{28A0092B-C50C-407E-A947-70E740481C1C}">
                   <a14:useLocalDpi xmlns:a14="http://schemas.microsoft.com/office/drawing/2010/main" val="0"/>
@@ -6905,10 +7066,10 @@
         </p:pic>
         <p:pic>
           <p:nvPicPr>
-            <p:cNvPr id="14" name="Picture 2" descr="Site is undergoing maintenance">
+            <p:cNvPr id="27" name="Picture 2" descr="Site is undergoing maintenance">
               <a:extLst>
                 <a:ext uri="{FF2B5EF4-FFF2-40B4-BE49-F238E27FC236}">
-                  <a16:creationId xmlns:a16="http://schemas.microsoft.com/office/drawing/2014/main" id="{3104184E-88A8-A108-F5E3-9A13782D2B93}"/>
+                  <a16:creationId xmlns:a16="http://schemas.microsoft.com/office/drawing/2014/main" id="{A9B52DA7-A2A2-0059-A038-02CDC274F002}"/>
                 </a:ext>
               </a:extLst>
             </p:cNvPr>
@@ -6918,7 +7079,7 @@
             <p:nvPr/>
           </p:nvPicPr>
           <p:blipFill>
-            <a:blip r:embed="rId3">
+            <a:blip r:embed="rId7">
               <a:extLst>
                 <a:ext uri="{28A0092B-C50C-407E-A947-70E740481C1C}">
                   <a14:useLocalDpi xmlns:a14="http://schemas.microsoft.com/office/drawing/2010/main" val="0"/>
@@ -6955,7 +7116,7 @@
             <p:cNvPr id="15" name="Picture 14" descr="A black background with grey letters and a red triangle&#10;&#10;Description automatically generated">
               <a:extLst>
                 <a:ext uri="{FF2B5EF4-FFF2-40B4-BE49-F238E27FC236}">
-                  <a16:creationId xmlns:a16="http://schemas.microsoft.com/office/drawing/2014/main" id="{32CD27B1-17FB-17FD-5597-F00EA27562F1}"/>
+                  <a16:creationId xmlns:a16="http://schemas.microsoft.com/office/drawing/2014/main" id="{182DAC85-A616-3DBD-D6D8-798F84AF0BF6}"/>
                 </a:ext>
               </a:extLst>
             </p:cNvPr>
@@ -6965,7 +7126,7 @@
             <p:nvPr/>
           </p:nvPicPr>
           <p:blipFill>
-            <a:blip r:embed="rId4">
+            <a:blip r:embed="rId8">
               <a:extLst>
                 <a:ext uri="{28A0092B-C50C-407E-A947-70E740481C1C}">
                   <a14:useLocalDpi xmlns:a14="http://schemas.microsoft.com/office/drawing/2010/main" val="0"/>
@@ -6990,7 +7151,7 @@
     </p:spTree>
     <p:extLst>
       <p:ext uri="{BB962C8B-B14F-4D97-AF65-F5344CB8AC3E}">
-        <p14:creationId xmlns:p14="http://schemas.microsoft.com/office/powerpoint/2010/main" val="624144553"/>
+        <p14:creationId xmlns:p14="http://schemas.microsoft.com/office/powerpoint/2010/main" val="2771519365"/>
       </p:ext>
     </p:extLst>
   </p:cSld>
@@ -7796,479 +7957,172 @@
           <a:lstStyle/>
           <a:p>
             <a:r>
-              <a:rPr lang="nb-NO" sz="3600"/>
-              <a:t>AG-214: </a:t>
-            </a:r>
-            <a:r>
               <a:rPr lang="nb-NO" sz="3600" dirty="0"/>
-              <a:t>2024 timetable</a:t>
+              <a:t>AG-214: Focus &amp; aims</a:t>
             </a:r>
             <a:endParaRPr lang="en-US" sz="3600" dirty="0"/>
           </a:p>
         </p:txBody>
       </p:sp>
-      <p:graphicFrame>
-        <p:nvGraphicFramePr>
-          <p:cNvPr id="14" name="Table 13">
-            <a:extLst>
-              <a:ext uri="{FF2B5EF4-FFF2-40B4-BE49-F238E27FC236}">
-                <a16:creationId xmlns:a16="http://schemas.microsoft.com/office/drawing/2014/main" id="{5EF592C9-C97C-E732-2171-54D211E08F66}"/>
-              </a:ext>
-            </a:extLst>
-          </p:cNvPr>
-          <p:cNvGraphicFramePr>
-            <a:graphicFrameLocks noGrp="1"/>
-          </p:cNvGraphicFramePr>
+      <p:sp>
+        <p:nvSpPr>
+          <p:cNvPr id="3" name="Content Placeholder 2">
+            <a:extLst>
+              <a:ext uri="{FF2B5EF4-FFF2-40B4-BE49-F238E27FC236}">
+                <a16:creationId xmlns:a16="http://schemas.microsoft.com/office/drawing/2014/main" id="{2D0EA7A2-E4A5-2799-2A25-121BD1FEE728}"/>
+              </a:ext>
+            </a:extLst>
+          </p:cNvPr>
+          <p:cNvSpPr>
+            <a:spLocks noGrp="1"/>
+          </p:cNvSpPr>
           <p:nvPr>
-            <p:extLst>
-              <p:ext uri="{D42A27DB-BD31-4B8C-83A1-F6EECF244321}">
-                <p14:modId xmlns:p14="http://schemas.microsoft.com/office/powerpoint/2010/main" val="1500974049"/>
-              </p:ext>
-            </p:extLst>
+            <p:ph idx="1"/>
           </p:nvPr>
-        </p:nvGraphicFramePr>
-        <p:xfrm>
-          <a:off x="537663" y="1012111"/>
-          <a:ext cx="11055986" cy="3238262"/>
-        </p:xfrm>
-        <a:graphic>
-          <a:graphicData uri="http://schemas.openxmlformats.org/drawingml/2006/table">
-            <a:tbl>
-              <a:tblPr firstRow="1" bandRow="1">
-                <a:tableStyleId>{5C22544A-7EE6-4342-B048-85BDC9FD1C3A}</a:tableStyleId>
-              </a:tblPr>
-              <a:tblGrid>
-                <a:gridCol w="2630743">
-                  <a:extLst>
-                    <a:ext uri="{9D8B030D-6E8A-4147-A177-3AD203B41FA5}">
-                      <a16:colId xmlns:a16="http://schemas.microsoft.com/office/drawing/2014/main" val="77285100"/>
-                    </a:ext>
-                  </a:extLst>
-                </a:gridCol>
-                <a:gridCol w="4651669">
-                  <a:extLst>
-                    <a:ext uri="{9D8B030D-6E8A-4147-A177-3AD203B41FA5}">
-                      <a16:colId xmlns:a16="http://schemas.microsoft.com/office/drawing/2014/main" val="3914439117"/>
-                    </a:ext>
-                  </a:extLst>
-                </a:gridCol>
-                <a:gridCol w="3773574">
-                  <a:extLst>
-                    <a:ext uri="{9D8B030D-6E8A-4147-A177-3AD203B41FA5}">
-                      <a16:colId xmlns:a16="http://schemas.microsoft.com/office/drawing/2014/main" val="3390683289"/>
-                    </a:ext>
-                  </a:extLst>
-                </a:gridCol>
-              </a:tblGrid>
-              <a:tr h="331577">
-                <a:tc>
-                  <a:txBody>
-                    <a:bodyPr/>
-                    <a:lstStyle/>
-                    <a:p>
-                      <a:r>
-                        <a:rPr lang="nb-NO" dirty="0"/>
-                        <a:t>Date</a:t>
-                      </a:r>
-                      <a:endParaRPr lang="en-US" dirty="0"/>
-                    </a:p>
-                  </a:txBody>
-                  <a:tcPr/>
-                </a:tc>
-                <a:tc>
-                  <a:txBody>
-                    <a:bodyPr/>
-                    <a:lstStyle/>
-                    <a:p>
-                      <a:r>
-                        <a:rPr lang="nb-NO" dirty="0"/>
-                        <a:t>Geo-SfM Session</a:t>
-                      </a:r>
-                      <a:endParaRPr lang="en-US" dirty="0"/>
-                    </a:p>
-                  </a:txBody>
-                  <a:tcPr/>
-                </a:tc>
-                <a:tc>
-                  <a:txBody>
-                    <a:bodyPr/>
-                    <a:lstStyle/>
-                    <a:p>
-                      <a:r>
-                        <a:rPr lang="nb-NO" dirty="0"/>
-                        <a:t>Deliverable</a:t>
-                      </a:r>
-                      <a:endParaRPr lang="en-US" dirty="0"/>
-                    </a:p>
-                  </a:txBody>
-                  <a:tcPr/>
-                </a:tc>
-                <a:extLst>
-                  <a:ext uri="{0D108BD9-81ED-4DB2-BD59-A6C34878D82A}">
-                    <a16:rowId xmlns:a16="http://schemas.microsoft.com/office/drawing/2014/main" val="1535340800"/>
-                  </a:ext>
-                </a:extLst>
-              </a:tr>
-              <a:tr h="817588">
-                <a:tc>
-                  <a:txBody>
-                    <a:bodyPr/>
-                    <a:lstStyle/>
-                    <a:p>
-                      <a:r>
-                        <a:rPr lang="nb-NO" dirty="0"/>
-                        <a:t>23-09</a:t>
-                      </a:r>
-                    </a:p>
-                  </a:txBody>
-                  <a:tcPr/>
-                </a:tc>
-                <a:tc>
-                  <a:txBody>
-                    <a:bodyPr/>
-                    <a:lstStyle/>
-                    <a:p>
-                      <a:pPr marL="285750" indent="-285750">
-                        <a:buFontTx/>
-                        <a:buChar char="-"/>
-                      </a:pPr>
-                      <a:r>
-                        <a:rPr lang="nb-NO" dirty="0"/>
-                        <a:t>Welcome to Geo-SfM</a:t>
-                      </a:r>
-                    </a:p>
-                    <a:p>
-                      <a:pPr marL="285750" indent="-285750">
-                        <a:buFontTx/>
-                        <a:buChar char="-"/>
-                      </a:pPr>
-                      <a:r>
-                        <a:rPr lang="nb-NO" dirty="0"/>
-                        <a:t>Session 1: SfM photogrammetry</a:t>
-                      </a:r>
-                    </a:p>
-                    <a:p>
-                      <a:pPr marL="285750" indent="-285750">
-                        <a:buFontTx/>
-                        <a:buChar char="-"/>
-                      </a:pPr>
-                      <a:r>
-                        <a:rPr lang="en-US" dirty="0"/>
-                        <a:t>Session 2: Small object </a:t>
-                      </a:r>
-                      <a:r>
-                        <a:rPr lang="en-US" dirty="0" err="1"/>
-                        <a:t>SfM</a:t>
-                      </a:r>
-                      <a:r>
-                        <a:rPr lang="en-US" dirty="0"/>
-                        <a:t> photogrammetry</a:t>
-                      </a:r>
-                    </a:p>
-                    <a:p>
-                      <a:pPr marL="285750" indent="-285750">
-                        <a:buFontTx/>
-                        <a:buChar char="-"/>
-                      </a:pPr>
-                      <a:r>
-                        <a:rPr lang="en-US" dirty="0"/>
-                        <a:t>Session 3: Geo-referencing</a:t>
-                      </a:r>
-                    </a:p>
-                  </a:txBody>
-                  <a:tcPr/>
-                </a:tc>
-                <a:tc>
-                  <a:txBody>
-                    <a:bodyPr/>
-                    <a:lstStyle/>
-                    <a:p>
-                      <a:pPr marL="285750" indent="-285750">
-                        <a:buFontTx/>
-                        <a:buChar char="-"/>
-                      </a:pPr>
-                      <a:r>
-                        <a:rPr lang="nb-NO" dirty="0"/>
-                        <a:t>Create account and post to GitHub</a:t>
-                      </a:r>
-                    </a:p>
-                    <a:p>
-                      <a:pPr marL="285750" marR="0" lvl="0" indent="-285750" algn="l" defTabSz="914400" rtl="0" eaLnBrk="1" fontAlgn="auto" latinLnBrk="0" hangingPunct="1">
-                        <a:lnSpc>
-                          <a:spcPct val="100000"/>
-                        </a:lnSpc>
-                        <a:spcBef>
-                          <a:spcPts val="0"/>
-                        </a:spcBef>
-                        <a:spcAft>
-                          <a:spcPts val="0"/>
-                        </a:spcAft>
-                        <a:buClrTx/>
-                        <a:buSzTx/>
-                        <a:buFontTx/>
-                        <a:buChar char="-"/>
-                        <a:tabLst/>
-                        <a:defRPr/>
-                      </a:pPr>
-                      <a:r>
-                        <a:rPr lang="nb-NO" dirty="0"/>
-                        <a:t>Create (small) 3D model</a:t>
-                      </a:r>
-                      <a:endParaRPr lang="en-US" dirty="0"/>
-                    </a:p>
-                  </a:txBody>
-                  <a:tcPr/>
-                </a:tc>
-                <a:extLst>
-                  <a:ext uri="{0D108BD9-81ED-4DB2-BD59-A6C34878D82A}">
-                    <a16:rowId xmlns:a16="http://schemas.microsoft.com/office/drawing/2014/main" val="4041621934"/>
-                  </a:ext>
-                </a:extLst>
-              </a:tr>
-              <a:tr h="866194">
-                <a:tc>
-                  <a:txBody>
-                    <a:bodyPr/>
-                    <a:lstStyle/>
-                    <a:p>
-                      <a:pPr marL="0" marR="0" lvl="0" indent="0" algn="l" defTabSz="914400" rtl="0" eaLnBrk="1" fontAlgn="auto" latinLnBrk="0" hangingPunct="1">
-                        <a:lnSpc>
-                          <a:spcPct val="100000"/>
-                        </a:lnSpc>
-                        <a:spcBef>
-                          <a:spcPts val="0"/>
-                        </a:spcBef>
-                        <a:spcAft>
-                          <a:spcPts val="0"/>
-                        </a:spcAft>
-                        <a:buClrTx/>
-                        <a:buSzTx/>
-                        <a:buFontTx/>
-                        <a:buNone/>
-                        <a:tabLst/>
-                        <a:defRPr/>
-                      </a:pPr>
-                      <a:r>
-                        <a:rPr lang="nb-NO" dirty="0"/>
-                        <a:t>03-10</a:t>
-                      </a:r>
-                    </a:p>
-                  </a:txBody>
-                  <a:tcPr/>
-                </a:tc>
-                <a:tc>
-                  <a:txBody>
-                    <a:bodyPr/>
-                    <a:lstStyle/>
-                    <a:p>
-                      <a:pPr marL="285750" indent="-285750">
-                        <a:buFontTx/>
-                        <a:buChar char="-"/>
-                      </a:pPr>
-                      <a:r>
-                        <a:rPr lang="en-US" dirty="0"/>
-                        <a:t>Session 2: Small object </a:t>
-                      </a:r>
-                      <a:r>
-                        <a:rPr lang="en-US" dirty="0" err="1"/>
-                        <a:t>SfM</a:t>
-                      </a:r>
-                      <a:r>
-                        <a:rPr lang="en-US" dirty="0"/>
-                        <a:t> photogrammetry</a:t>
-                      </a:r>
-                    </a:p>
-                    <a:p>
-                      <a:pPr marL="285750" indent="-285750">
-                        <a:buFontTx/>
-                        <a:buChar char="-"/>
-                      </a:pPr>
-                      <a:r>
-                        <a:rPr lang="en-US" dirty="0"/>
-                        <a:t>Session 3: Geo-referencing</a:t>
-                      </a:r>
-                    </a:p>
-                  </a:txBody>
-                  <a:tcPr/>
-                </a:tc>
-                <a:tc>
-                  <a:txBody>
-                    <a:bodyPr/>
-                    <a:lstStyle/>
-                    <a:p>
-                      <a:pPr marL="285750" marR="0" lvl="0" indent="-285750" algn="l" defTabSz="914400" rtl="0" eaLnBrk="1" fontAlgn="auto" latinLnBrk="0" hangingPunct="1">
-                        <a:lnSpc>
-                          <a:spcPct val="100000"/>
-                        </a:lnSpc>
-                        <a:spcBef>
-                          <a:spcPts val="0"/>
-                        </a:spcBef>
-                        <a:spcAft>
-                          <a:spcPts val="0"/>
-                        </a:spcAft>
-                        <a:buClrTx/>
-                        <a:buSzTx/>
-                        <a:buFontTx/>
-                        <a:buChar char="-"/>
-                        <a:tabLst/>
-                        <a:defRPr/>
-                      </a:pPr>
-                      <a:r>
-                        <a:rPr lang="nb-NO" dirty="0"/>
-                        <a:t>Create a georeferenced, (small) 3D model</a:t>
-                      </a:r>
-                      <a:endParaRPr lang="en-US" dirty="0"/>
-                    </a:p>
-                  </a:txBody>
-                  <a:tcPr/>
-                </a:tc>
-                <a:extLst>
-                  <a:ext uri="{0D108BD9-81ED-4DB2-BD59-A6C34878D82A}">
-                    <a16:rowId xmlns:a16="http://schemas.microsoft.com/office/drawing/2014/main" val="1230412356"/>
-                  </a:ext>
-                </a:extLst>
-              </a:tr>
-              <a:tr h="817588">
-                <a:tc>
-                  <a:txBody>
-                    <a:bodyPr/>
-                    <a:lstStyle/>
-                    <a:p>
-                      <a:pPr marL="0" marR="0" lvl="0" indent="0" algn="l" defTabSz="914400" rtl="0" eaLnBrk="1" fontAlgn="auto" latinLnBrk="0" hangingPunct="1">
-                        <a:lnSpc>
-                          <a:spcPct val="100000"/>
-                        </a:lnSpc>
-                        <a:spcBef>
-                          <a:spcPts val="0"/>
-                        </a:spcBef>
-                        <a:spcAft>
-                          <a:spcPts val="0"/>
-                        </a:spcAft>
-                        <a:buClrTx/>
-                        <a:buSzTx/>
-                        <a:buFontTx/>
-                        <a:buNone/>
-                        <a:tabLst/>
-                        <a:defRPr/>
-                      </a:pPr>
-                      <a:r>
-                        <a:rPr lang="nb-NO" dirty="0"/>
-                        <a:t>04-10</a:t>
-                      </a:r>
-                      <a:endParaRPr lang="en-US" dirty="0"/>
-                    </a:p>
-                  </a:txBody>
-                  <a:tcPr/>
-                </a:tc>
-                <a:tc>
-                  <a:txBody>
-                    <a:bodyPr/>
-                    <a:lstStyle/>
-                    <a:p>
-                      <a:pPr marL="285750" marR="0" lvl="0" indent="-285750" algn="l" defTabSz="914400" rtl="0" eaLnBrk="1" fontAlgn="auto" latinLnBrk="0" hangingPunct="1">
-                        <a:lnSpc>
-                          <a:spcPct val="100000"/>
-                        </a:lnSpc>
-                        <a:spcBef>
-                          <a:spcPts val="0"/>
-                        </a:spcBef>
-                        <a:spcAft>
-                          <a:spcPts val="0"/>
-                        </a:spcAft>
-                        <a:buClrTx/>
-                        <a:buSzTx/>
-                        <a:buFontTx/>
-                        <a:buChar char="-"/>
-                        <a:tabLst/>
-                        <a:defRPr/>
-                      </a:pPr>
-                      <a:r>
-                        <a:rPr lang="en-US" dirty="0"/>
-                        <a:t>Session 4: Automation</a:t>
-                      </a:r>
-                    </a:p>
-                    <a:p>
-                      <a:pPr marL="285750" indent="-285750">
-                        <a:buFontTx/>
-                        <a:buChar char="-"/>
-                      </a:pPr>
-                      <a:r>
-                        <a:rPr lang="en-US" dirty="0"/>
-                        <a:t>Session 5: Geomodelling</a:t>
-                      </a:r>
-                    </a:p>
-                  </a:txBody>
-                  <a:tcPr/>
-                </a:tc>
-                <a:tc>
-                  <a:txBody>
-                    <a:bodyPr/>
-                    <a:lstStyle/>
-                    <a:p>
-                      <a:pPr marL="285750" marR="0" lvl="0" indent="-285750" algn="l" defTabSz="914400" rtl="0" eaLnBrk="1" fontAlgn="auto" latinLnBrk="0" hangingPunct="1">
-                        <a:lnSpc>
-                          <a:spcPct val="100000"/>
-                        </a:lnSpc>
-                        <a:spcBef>
-                          <a:spcPts val="0"/>
-                        </a:spcBef>
-                        <a:spcAft>
-                          <a:spcPts val="0"/>
-                        </a:spcAft>
-                        <a:buClrTx/>
-                        <a:buSzTx/>
-                        <a:buFontTx/>
-                        <a:buChar char="-"/>
-                        <a:tabLst/>
-                        <a:defRPr/>
-                      </a:pPr>
-                      <a:r>
-                        <a:rPr lang="nb-NO" dirty="0"/>
-                        <a:t>Create a digital outcrop model</a:t>
-                      </a:r>
-                    </a:p>
-                    <a:p>
-                      <a:pPr marL="285750" marR="0" lvl="0" indent="-285750" algn="l" defTabSz="914400" rtl="0" eaLnBrk="1" fontAlgn="auto" latinLnBrk="0" hangingPunct="1">
-                        <a:lnSpc>
-                          <a:spcPct val="100000"/>
-                        </a:lnSpc>
-                        <a:spcBef>
-                          <a:spcPts val="0"/>
-                        </a:spcBef>
-                        <a:spcAft>
-                          <a:spcPts val="0"/>
-                        </a:spcAft>
-                        <a:buClrTx/>
-                        <a:buSzTx/>
-                        <a:buFontTx/>
-                        <a:buChar char="-"/>
-                        <a:tabLst/>
-                        <a:defRPr/>
-                      </a:pPr>
-                      <a:r>
-                        <a:rPr lang="nb-NO" dirty="0"/>
-                        <a:t>Annotate a digital outcrop model</a:t>
-                      </a:r>
-                    </a:p>
-                  </a:txBody>
-                  <a:tcPr/>
-                </a:tc>
-                <a:extLst>
-                  <a:ext uri="{0D108BD9-81ED-4DB2-BD59-A6C34878D82A}">
-                    <a16:rowId xmlns:a16="http://schemas.microsoft.com/office/drawing/2014/main" val="3813902243"/>
-                  </a:ext>
-                </a:extLst>
-              </a:tr>
-            </a:tbl>
-          </a:graphicData>
-        </a:graphic>
-      </p:graphicFrame>
+        </p:nvSpPr>
+        <p:spPr>
+          <a:xfrm>
+            <a:off x="838199" y="1825625"/>
+            <a:ext cx="10785793" cy="4351338"/>
+          </a:xfrm>
+        </p:spPr>
+        <p:txBody>
+          <a:bodyPr>
+            <a:normAutofit fontScale="70000" lnSpcReduction="20000"/>
+          </a:bodyPr>
+          <a:lstStyle/>
+          <a:p>
+            <a:pPr marL="0" indent="0">
+              <a:buNone/>
+            </a:pPr>
+            <a:r>
+              <a:rPr lang="nb-NO" dirty="0"/>
+              <a:t>Motivation:</a:t>
+            </a:r>
+          </a:p>
+          <a:p>
+            <a:r>
+              <a:rPr lang="nb-NO" dirty="0"/>
+              <a:t>Plan of approach for acquiring digital data sets</a:t>
+            </a:r>
+          </a:p>
+          <a:p>
+            <a:r>
+              <a:rPr lang="nb-NO" dirty="0"/>
+              <a:t>Standardised &amp; structured data processing</a:t>
+            </a:r>
+          </a:p>
+          <a:p>
+            <a:r>
+              <a:rPr lang="nb-NO" dirty="0"/>
+              <a:t>Scientific notekeeping and data availability</a:t>
+            </a:r>
+          </a:p>
+          <a:p>
+            <a:endParaRPr lang="nb-NO" dirty="0"/>
+          </a:p>
+          <a:p>
+            <a:pPr marL="0" indent="0">
+              <a:buNone/>
+            </a:pPr>
+            <a:r>
+              <a:rPr lang="nb-NO" dirty="0"/>
+              <a:t>Learning outcomes:</a:t>
+            </a:r>
+          </a:p>
+          <a:p>
+            <a:r>
+              <a:rPr lang="nb-NO" dirty="0"/>
+              <a:t>Fundamental </a:t>
+            </a:r>
+            <a:r>
+              <a:rPr lang="nb-NO" dirty="0" err="1"/>
+              <a:t>understanding</a:t>
+            </a:r>
+            <a:r>
+              <a:rPr lang="nb-NO" dirty="0"/>
+              <a:t> </a:t>
+            </a:r>
+            <a:r>
+              <a:rPr lang="nb-NO" dirty="0" err="1"/>
+              <a:t>of</a:t>
+            </a:r>
+            <a:r>
+              <a:rPr lang="nb-NO" dirty="0"/>
+              <a:t> UAV </a:t>
+            </a:r>
+            <a:r>
+              <a:rPr lang="nb-NO" dirty="0" err="1"/>
+              <a:t>operations</a:t>
+            </a:r>
+            <a:r>
+              <a:rPr lang="nb-NO" dirty="0"/>
+              <a:t> in Svalbard (NEW 2025)</a:t>
+            </a:r>
+          </a:p>
+          <a:p>
+            <a:r>
+              <a:rPr lang="nb-NO" dirty="0"/>
+              <a:t>Fundamental understanding of photogrammetry, and how to </a:t>
+            </a:r>
+            <a:r>
+              <a:rPr lang="nb-NO" dirty="0" err="1"/>
+              <a:t>acquire</a:t>
+            </a:r>
+            <a:r>
+              <a:rPr lang="nb-NO" dirty="0"/>
+              <a:t> (NEW 2025) and </a:t>
+            </a:r>
+            <a:r>
+              <a:rPr lang="nb-NO" dirty="0" err="1"/>
+              <a:t>process</a:t>
+            </a:r>
+            <a:r>
+              <a:rPr lang="nb-NO" dirty="0"/>
+              <a:t> data</a:t>
+            </a:r>
+          </a:p>
+          <a:p>
+            <a:r>
+              <a:rPr lang="nb-NO" dirty="0"/>
+              <a:t>Understanding of how to apply georeferencing and spatial alignment</a:t>
+            </a:r>
+          </a:p>
+          <a:p>
+            <a:r>
+              <a:rPr lang="nb-NO" dirty="0"/>
+              <a:t>Become familiar with best-practices in data processing, including quality assessment and data validation</a:t>
+            </a:r>
+          </a:p>
+          <a:p>
+            <a:r>
+              <a:rPr lang="nb-NO" dirty="0"/>
+              <a:t>Be able to perform basic data analysis and feature interpretation</a:t>
+            </a:r>
+          </a:p>
+          <a:p>
+            <a:endParaRPr lang="nb-NO" dirty="0"/>
+          </a:p>
+          <a:p>
+            <a:endParaRPr lang="nb-NO" sz="2800" dirty="0"/>
+          </a:p>
+          <a:p>
+            <a:endParaRPr lang="nb-NO" sz="2800" dirty="0"/>
+          </a:p>
+          <a:p>
+            <a:pPr marL="0" indent="0">
+              <a:buNone/>
+            </a:pPr>
+            <a:endParaRPr lang="en-US" sz="2800" dirty="0"/>
+          </a:p>
+        </p:txBody>
+      </p:sp>
       <p:grpSp>
         <p:nvGrpSpPr>
-          <p:cNvPr id="3" name="Group 2">
-            <a:extLst>
-              <a:ext uri="{FF2B5EF4-FFF2-40B4-BE49-F238E27FC236}">
-                <a16:creationId xmlns:a16="http://schemas.microsoft.com/office/drawing/2014/main" id="{D0295AE9-B9BE-D78B-CFF5-81DE9C8ECE60}"/>
+          <p:cNvPr id="11" name="Group 10">
+            <a:extLst>
+              <a:ext uri="{FF2B5EF4-FFF2-40B4-BE49-F238E27FC236}">
+                <a16:creationId xmlns:a16="http://schemas.microsoft.com/office/drawing/2014/main" id="{D7878B93-9754-40C2-67B5-4C6B44C09932}"/>
               </a:ext>
             </a:extLst>
           </p:cNvPr>
@@ -8285,10 +8139,10 @@
         </p:grpSpPr>
         <p:pic>
           <p:nvPicPr>
-            <p:cNvPr id="11" name="Picture 2" descr="UNIS - The university centre in Svalbard">
+            <p:cNvPr id="12" name="Picture 2" descr="UNIS - The university centre in Svalbard">
               <a:extLst>
                 <a:ext uri="{FF2B5EF4-FFF2-40B4-BE49-F238E27FC236}">
-                  <a16:creationId xmlns:a16="http://schemas.microsoft.com/office/drawing/2014/main" id="{F69846FC-0AC2-797C-08D1-E008C1B0B464}"/>
+                  <a16:creationId xmlns:a16="http://schemas.microsoft.com/office/drawing/2014/main" id="{502E761F-10E4-1995-7CC7-8E2CD0F4F78C}"/>
                 </a:ext>
               </a:extLst>
             </p:cNvPr>
@@ -8332,10 +8186,10 @@
         </p:pic>
         <p:pic>
           <p:nvPicPr>
-            <p:cNvPr id="12" name="Picture 2" descr="Site is undergoing maintenance">
+            <p:cNvPr id="14" name="Picture 2" descr="Site is undergoing maintenance">
               <a:extLst>
                 <a:ext uri="{FF2B5EF4-FFF2-40B4-BE49-F238E27FC236}">
-                  <a16:creationId xmlns:a16="http://schemas.microsoft.com/office/drawing/2014/main" id="{B309E4B4-0892-B56D-6ABE-361E2621A0CA}"/>
+                  <a16:creationId xmlns:a16="http://schemas.microsoft.com/office/drawing/2014/main" id="{3104184E-88A8-A108-F5E3-9A13782D2B93}"/>
                 </a:ext>
               </a:extLst>
             </p:cNvPr>
@@ -8382,7 +8236,7 @@
             <p:cNvPr id="15" name="Picture 14" descr="A black background with grey letters and a red triangle&#10;&#10;Description automatically generated">
               <a:extLst>
                 <a:ext uri="{FF2B5EF4-FFF2-40B4-BE49-F238E27FC236}">
-                  <a16:creationId xmlns:a16="http://schemas.microsoft.com/office/drawing/2014/main" id="{D4868902-56D2-4DF3-1636-EF0C340483B1}"/>
+                  <a16:creationId xmlns:a16="http://schemas.microsoft.com/office/drawing/2014/main" id="{32CD27B1-17FB-17FD-5597-F00EA27562F1}"/>
                 </a:ext>
               </a:extLst>
             </p:cNvPr>
@@ -8417,7 +8271,7 @@
     </p:spTree>
     <p:extLst>
       <p:ext uri="{BB962C8B-B14F-4D97-AF65-F5344CB8AC3E}">
-        <p14:creationId xmlns:p14="http://schemas.microsoft.com/office/powerpoint/2010/main" val="2203399799"/>
+        <p14:creationId xmlns:p14="http://schemas.microsoft.com/office/powerpoint/2010/main" val="624144553"/>
       </p:ext>
     </p:extLst>
   </p:cSld>
@@ -9224,62 +9078,1316 @@
           <a:p>
             <a:r>
               <a:rPr lang="nb-NO" sz="3600" dirty="0"/>
-              <a:t>Geo-SfM platform: Github?</a:t>
+              <a:t>AG-214: 2025 timetable</a:t>
             </a:r>
             <a:endParaRPr lang="en-US" sz="3600" dirty="0"/>
           </a:p>
         </p:txBody>
       </p:sp>
-      <p:sp>
-        <p:nvSpPr>
-          <p:cNvPr id="3" name="Content Placeholder 2">
-            <a:extLst>
-              <a:ext uri="{FF2B5EF4-FFF2-40B4-BE49-F238E27FC236}">
-                <a16:creationId xmlns:a16="http://schemas.microsoft.com/office/drawing/2014/main" id="{2D0EA7A2-E4A5-2799-2A25-121BD1FEE728}"/>
-              </a:ext>
-            </a:extLst>
-          </p:cNvPr>
-          <p:cNvSpPr>
-            <a:spLocks noGrp="1"/>
-          </p:cNvSpPr>
+      <p:graphicFrame>
+        <p:nvGraphicFramePr>
+          <p:cNvPr id="14" name="Table 13">
+            <a:extLst>
+              <a:ext uri="{FF2B5EF4-FFF2-40B4-BE49-F238E27FC236}">
+                <a16:creationId xmlns:a16="http://schemas.microsoft.com/office/drawing/2014/main" id="{5EF592C9-C97C-E732-2171-54D211E08F66}"/>
+              </a:ext>
+            </a:extLst>
+          </p:cNvPr>
+          <p:cNvGraphicFramePr>
+            <a:graphicFrameLocks noGrp="1"/>
+          </p:cNvGraphicFramePr>
           <p:nvPr>
-            <p:ph idx="1"/>
+            <p:extLst>
+              <p:ext uri="{D42A27DB-BD31-4B8C-83A1-F6EECF244321}">
+                <p14:modId xmlns:p14="http://schemas.microsoft.com/office/powerpoint/2010/main" val="1200224556"/>
+              </p:ext>
+            </p:extLst>
           </p:nvPr>
-        </p:nvSpPr>
-        <p:spPr>
-          <a:xfrm>
-            <a:off x="838199" y="1825625"/>
-            <a:ext cx="10785793" cy="4351338"/>
-          </a:xfrm>
-        </p:spPr>
-        <p:txBody>
-          <a:bodyPr>
-            <a:normAutofit/>
-          </a:bodyPr>
-          <a:lstStyle/>
-          <a:p>
-            <a:endParaRPr lang="nb-NO" dirty="0"/>
-          </a:p>
-          <a:p>
-            <a:endParaRPr lang="nb-NO" sz="2800" dirty="0"/>
-          </a:p>
-          <a:p>
-            <a:endParaRPr lang="nb-NO" sz="2800" dirty="0"/>
-          </a:p>
-          <a:p>
-            <a:pPr marL="0" indent="0">
-              <a:buNone/>
-            </a:pPr>
-            <a:endParaRPr lang="en-US" sz="2800" dirty="0"/>
-          </a:p>
-        </p:txBody>
-      </p:sp>
+        </p:nvGraphicFramePr>
+        <p:xfrm>
+          <a:off x="687047" y="894851"/>
+          <a:ext cx="11055986" cy="5760720"/>
+        </p:xfrm>
+        <a:graphic>
+          <a:graphicData uri="http://schemas.openxmlformats.org/drawingml/2006/table">
+            <a:tbl>
+              <a:tblPr firstRow="1" bandRow="1">
+                <a:tableStyleId>{5C22544A-7EE6-4342-B048-85BDC9FD1C3A}</a:tableStyleId>
+              </a:tblPr>
+              <a:tblGrid>
+                <a:gridCol w="2630743">
+                  <a:extLst>
+                    <a:ext uri="{9D8B030D-6E8A-4147-A177-3AD203B41FA5}">
+                      <a16:colId xmlns:a16="http://schemas.microsoft.com/office/drawing/2014/main" val="77285100"/>
+                    </a:ext>
+                  </a:extLst>
+                </a:gridCol>
+                <a:gridCol w="4651669">
+                  <a:extLst>
+                    <a:ext uri="{9D8B030D-6E8A-4147-A177-3AD203B41FA5}">
+                      <a16:colId xmlns:a16="http://schemas.microsoft.com/office/drawing/2014/main" val="3914439117"/>
+                    </a:ext>
+                  </a:extLst>
+                </a:gridCol>
+                <a:gridCol w="3773574">
+                  <a:extLst>
+                    <a:ext uri="{9D8B030D-6E8A-4147-A177-3AD203B41FA5}">
+                      <a16:colId xmlns:a16="http://schemas.microsoft.com/office/drawing/2014/main" val="3390683289"/>
+                    </a:ext>
+                  </a:extLst>
+                </a:gridCol>
+              </a:tblGrid>
+              <a:tr h="346277">
+                <a:tc>
+                  <a:txBody>
+                    <a:bodyPr/>
+                    <a:lstStyle/>
+                    <a:p>
+                      <a:r>
+                        <a:rPr lang="nb-NO" dirty="0"/>
+                        <a:t>Date</a:t>
+                      </a:r>
+                      <a:endParaRPr lang="en-US" dirty="0"/>
+                    </a:p>
+                  </a:txBody>
+                  <a:tcPr/>
+                </a:tc>
+                <a:tc>
+                  <a:txBody>
+                    <a:bodyPr/>
+                    <a:lstStyle/>
+                    <a:p>
+                      <a:r>
+                        <a:rPr lang="nb-NO" dirty="0"/>
+                        <a:t>Geo-SfM Session</a:t>
+                      </a:r>
+                      <a:endParaRPr lang="en-US" dirty="0"/>
+                    </a:p>
+                  </a:txBody>
+                  <a:tcPr/>
+                </a:tc>
+                <a:tc>
+                  <a:txBody>
+                    <a:bodyPr/>
+                    <a:lstStyle/>
+                    <a:p>
+                      <a:r>
+                        <a:rPr lang="nb-NO" dirty="0"/>
+                        <a:t>Deliverable</a:t>
+                      </a:r>
+                      <a:endParaRPr lang="en-US" dirty="0"/>
+                    </a:p>
+                  </a:txBody>
+                  <a:tcPr/>
+                </a:tc>
+                <a:extLst>
+                  <a:ext uri="{0D108BD9-81ED-4DB2-BD59-A6C34878D82A}">
+                    <a16:rowId xmlns:a16="http://schemas.microsoft.com/office/drawing/2014/main" val="1535340800"/>
+                  </a:ext>
+                </a:extLst>
+              </a:tr>
+              <a:tr h="865692">
+                <a:tc>
+                  <a:txBody>
+                    <a:bodyPr/>
+                    <a:lstStyle/>
+                    <a:p>
+                      <a:r>
+                        <a:rPr lang="nb-NO" dirty="0"/>
+                        <a:t>02.09</a:t>
+                      </a:r>
+                    </a:p>
+                  </a:txBody>
+                  <a:tcPr/>
+                </a:tc>
+                <a:tc>
+                  <a:txBody>
+                    <a:bodyPr/>
+                    <a:lstStyle/>
+                    <a:p>
+                      <a:pPr marL="285750" indent="-285750">
+                        <a:buFontTx/>
+                        <a:buChar char="-"/>
+                      </a:pPr>
+                      <a:r>
+                        <a:rPr lang="nb-NO" dirty="0"/>
+                        <a:t>Welcome to </a:t>
+                      </a:r>
+                      <a:r>
+                        <a:rPr lang="nb-NO" dirty="0" err="1"/>
+                        <a:t>Geo</a:t>
+                      </a:r>
+                      <a:r>
+                        <a:rPr lang="nb-NO" dirty="0"/>
+                        <a:t>-UAV/</a:t>
+                      </a:r>
+                      <a:r>
+                        <a:rPr lang="nb-NO" dirty="0" err="1"/>
+                        <a:t>Geo-SfM</a:t>
+                      </a:r>
+                      <a:r>
+                        <a:rPr lang="nb-NO" dirty="0"/>
+                        <a:t>/GitHub</a:t>
+                      </a:r>
+                    </a:p>
+                    <a:p>
+                      <a:pPr marL="285750" marR="0" lvl="0" indent="-285750" algn="l" defTabSz="914400" rtl="0" eaLnBrk="1" fontAlgn="auto" latinLnBrk="0" hangingPunct="1">
+                        <a:lnSpc>
+                          <a:spcPct val="100000"/>
+                        </a:lnSpc>
+                        <a:spcBef>
+                          <a:spcPts val="0"/>
+                        </a:spcBef>
+                        <a:spcAft>
+                          <a:spcPts val="0"/>
+                        </a:spcAft>
+                        <a:buClrTx/>
+                        <a:buSzTx/>
+                        <a:buFontTx/>
+                        <a:buChar char="-"/>
+                        <a:tabLst/>
+                        <a:defRPr/>
+                      </a:pPr>
+                      <a:r>
+                        <a:rPr lang="nb-NO" dirty="0"/>
+                        <a:t>UAV Ses. 1: UAS Operators</a:t>
+                      </a:r>
+                    </a:p>
+                    <a:p>
+                      <a:pPr marL="285750" indent="-285750">
+                        <a:buFontTx/>
+                        <a:buChar char="-"/>
+                      </a:pPr>
+                      <a:r>
+                        <a:rPr lang="nb-NO" dirty="0" err="1"/>
+                        <a:t>SfM</a:t>
+                      </a:r>
+                      <a:r>
+                        <a:rPr lang="nb-NO" dirty="0"/>
+                        <a:t> Ses. 1: </a:t>
+                      </a:r>
+                      <a:r>
+                        <a:rPr lang="nb-NO" dirty="0" err="1"/>
+                        <a:t>SfM</a:t>
+                      </a:r>
+                      <a:r>
+                        <a:rPr lang="nb-NO" dirty="0"/>
+                        <a:t> </a:t>
+                      </a:r>
+                      <a:r>
+                        <a:rPr lang="nb-NO" dirty="0" err="1"/>
+                        <a:t>photogrammetry</a:t>
+                      </a:r>
+                      <a:endParaRPr lang="nb-NO" dirty="0"/>
+                    </a:p>
+                  </a:txBody>
+                  <a:tcPr/>
+                </a:tc>
+                <a:tc>
+                  <a:txBody>
+                    <a:bodyPr/>
+                    <a:lstStyle/>
+                    <a:p>
+                      <a:pPr marL="285750" marR="0" lvl="0" indent="-285750" algn="l" defTabSz="914400" rtl="0" eaLnBrk="1" fontAlgn="auto" latinLnBrk="0" hangingPunct="1">
+                        <a:lnSpc>
+                          <a:spcPct val="100000"/>
+                        </a:lnSpc>
+                        <a:spcBef>
+                          <a:spcPts val="0"/>
+                        </a:spcBef>
+                        <a:spcAft>
+                          <a:spcPts val="0"/>
+                        </a:spcAft>
+                        <a:buClrTx/>
+                        <a:buSzTx/>
+                        <a:buFontTx/>
+                        <a:buChar char="-"/>
+                        <a:tabLst/>
+                        <a:defRPr/>
+                      </a:pPr>
+                      <a:r>
+                        <a:rPr lang="nb-NO" dirty="0"/>
+                        <a:t>Register as an operator</a:t>
+                      </a:r>
+                    </a:p>
+                    <a:p>
+                      <a:pPr marL="285750" marR="0" lvl="0" indent="-285750" algn="l" defTabSz="914400" rtl="0" eaLnBrk="1" fontAlgn="auto" latinLnBrk="0" hangingPunct="1">
+                        <a:lnSpc>
+                          <a:spcPct val="100000"/>
+                        </a:lnSpc>
+                        <a:spcBef>
+                          <a:spcPts val="0"/>
+                        </a:spcBef>
+                        <a:spcAft>
+                          <a:spcPts val="0"/>
+                        </a:spcAft>
+                        <a:buClrTx/>
+                        <a:buSzTx/>
+                        <a:buFontTx/>
+                        <a:buChar char="-"/>
+                        <a:tabLst/>
+                        <a:defRPr/>
+                      </a:pPr>
+                      <a:r>
+                        <a:rPr lang="nb-NO" dirty="0"/>
+                        <a:t>Register </a:t>
+                      </a:r>
+                      <a:r>
+                        <a:rPr lang="nb-NO" dirty="0" err="1"/>
+                        <a:t>on</a:t>
+                      </a:r>
+                      <a:r>
+                        <a:rPr lang="nb-NO" dirty="0"/>
+                        <a:t> GitHub</a:t>
+                      </a:r>
+                    </a:p>
+                    <a:p>
+                      <a:pPr marL="285750" marR="0" lvl="0" indent="-285750" algn="l" defTabSz="914400" rtl="0" eaLnBrk="1" fontAlgn="auto" latinLnBrk="0" hangingPunct="1">
+                        <a:lnSpc>
+                          <a:spcPct val="100000"/>
+                        </a:lnSpc>
+                        <a:spcBef>
+                          <a:spcPts val="0"/>
+                        </a:spcBef>
+                        <a:spcAft>
+                          <a:spcPts val="0"/>
+                        </a:spcAft>
+                        <a:buClrTx/>
+                        <a:buSzTx/>
+                        <a:buFontTx/>
+                        <a:buChar char="-"/>
+                        <a:tabLst/>
+                        <a:defRPr/>
+                      </a:pPr>
+                      <a:r>
+                        <a:rPr lang="nb-NO" dirty="0" err="1"/>
+                        <a:t>Introduction</a:t>
+                      </a:r>
+                      <a:r>
+                        <a:rPr lang="nb-NO" dirty="0"/>
+                        <a:t> </a:t>
+                      </a:r>
+                      <a:r>
+                        <a:rPr lang="nb-NO" dirty="0" err="1"/>
+                        <a:t>into</a:t>
+                      </a:r>
+                      <a:r>
+                        <a:rPr lang="nb-NO" dirty="0"/>
+                        <a:t> 3D </a:t>
+                      </a:r>
+                      <a:r>
+                        <a:rPr lang="nb-NO" dirty="0" err="1"/>
+                        <a:t>modelling</a:t>
+                      </a:r>
+                      <a:endParaRPr lang="en-US" dirty="0"/>
+                    </a:p>
+                  </a:txBody>
+                  <a:tcPr/>
+                </a:tc>
+                <a:extLst>
+                  <a:ext uri="{0D108BD9-81ED-4DB2-BD59-A6C34878D82A}">
+                    <a16:rowId xmlns:a16="http://schemas.microsoft.com/office/drawing/2014/main" val="4041621934"/>
+                  </a:ext>
+                </a:extLst>
+              </a:tr>
+              <a:tr h="509078">
+                <a:tc>
+                  <a:txBody>
+                    <a:bodyPr/>
+                    <a:lstStyle/>
+                    <a:p>
+                      <a:pPr marL="0" marR="0" lvl="0" indent="0" algn="l" defTabSz="914400" rtl="0" eaLnBrk="1" fontAlgn="auto" latinLnBrk="0" hangingPunct="1">
+                        <a:lnSpc>
+                          <a:spcPct val="100000"/>
+                        </a:lnSpc>
+                        <a:spcBef>
+                          <a:spcPts val="0"/>
+                        </a:spcBef>
+                        <a:spcAft>
+                          <a:spcPts val="0"/>
+                        </a:spcAft>
+                        <a:buClrTx/>
+                        <a:buSzTx/>
+                        <a:buFontTx/>
+                        <a:buNone/>
+                        <a:tabLst/>
+                        <a:defRPr/>
+                      </a:pPr>
+                      <a:r>
+                        <a:rPr lang="nb-NO" dirty="0"/>
+                        <a:t>04.09</a:t>
+                      </a:r>
+                    </a:p>
+                  </a:txBody>
+                  <a:tcPr/>
+                </a:tc>
+                <a:tc>
+                  <a:txBody>
+                    <a:bodyPr/>
+                    <a:lstStyle/>
+                    <a:p>
+                      <a:pPr marL="285750" indent="-285750">
+                        <a:buFontTx/>
+                        <a:buChar char="-"/>
+                      </a:pPr>
+                      <a:r>
+                        <a:rPr lang="en-US" dirty="0" err="1"/>
+                        <a:t>SfM</a:t>
+                      </a:r>
+                      <a:r>
+                        <a:rPr lang="en-US" dirty="0"/>
+                        <a:t> Ses. 2: Small object </a:t>
+                      </a:r>
+                      <a:r>
+                        <a:rPr lang="en-US" dirty="0" err="1"/>
+                        <a:t>SfM</a:t>
+                      </a:r>
+                      <a:r>
+                        <a:rPr lang="en-US" dirty="0"/>
+                        <a:t> photogrammetry</a:t>
+                      </a:r>
+                    </a:p>
+                  </a:txBody>
+                  <a:tcPr/>
+                </a:tc>
+                <a:tc>
+                  <a:txBody>
+                    <a:bodyPr/>
+                    <a:lstStyle/>
+                    <a:p>
+                      <a:pPr marL="285750" marR="0" lvl="0" indent="-285750" algn="l" defTabSz="914400" rtl="0" eaLnBrk="1" fontAlgn="auto" latinLnBrk="0" hangingPunct="1">
+                        <a:lnSpc>
+                          <a:spcPct val="100000"/>
+                        </a:lnSpc>
+                        <a:spcBef>
+                          <a:spcPts val="0"/>
+                        </a:spcBef>
+                        <a:spcAft>
+                          <a:spcPts val="0"/>
+                        </a:spcAft>
+                        <a:buClrTx/>
+                        <a:buSzTx/>
+                        <a:buFontTx/>
+                        <a:buChar char="-"/>
+                        <a:tabLst/>
+                        <a:defRPr/>
+                      </a:pPr>
+                      <a:r>
+                        <a:rPr lang="nb-NO" dirty="0"/>
+                        <a:t>Create a georeferenced, (small) 3D model</a:t>
+                      </a:r>
+                      <a:endParaRPr lang="en-US" dirty="0"/>
+                    </a:p>
+                  </a:txBody>
+                  <a:tcPr/>
+                </a:tc>
+                <a:extLst>
+                  <a:ext uri="{0D108BD9-81ED-4DB2-BD59-A6C34878D82A}">
+                    <a16:rowId xmlns:a16="http://schemas.microsoft.com/office/drawing/2014/main" val="1230412356"/>
+                  </a:ext>
+                </a:extLst>
+              </a:tr>
+              <a:tr h="865692">
+                <a:tc>
+                  <a:txBody>
+                    <a:bodyPr/>
+                    <a:lstStyle/>
+                    <a:p>
+                      <a:pPr marL="0" marR="0" lvl="0" indent="0" algn="l" defTabSz="914400" rtl="0" eaLnBrk="1" fontAlgn="auto" latinLnBrk="0" hangingPunct="1">
+                        <a:lnSpc>
+                          <a:spcPct val="100000"/>
+                        </a:lnSpc>
+                        <a:spcBef>
+                          <a:spcPts val="0"/>
+                        </a:spcBef>
+                        <a:spcAft>
+                          <a:spcPts val="0"/>
+                        </a:spcAft>
+                        <a:buClrTx/>
+                        <a:buSzTx/>
+                        <a:buFontTx/>
+                        <a:buNone/>
+                        <a:tabLst/>
+                        <a:defRPr/>
+                      </a:pPr>
+                      <a:r>
+                        <a:rPr lang="nb-NO" dirty="0"/>
+                        <a:t>05.09</a:t>
+                      </a:r>
+                      <a:endParaRPr lang="en-US" dirty="0"/>
+                    </a:p>
+                  </a:txBody>
+                  <a:tcPr/>
+                </a:tc>
+                <a:tc>
+                  <a:txBody>
+                    <a:bodyPr/>
+                    <a:lstStyle/>
+                    <a:p>
+                      <a:pPr marL="285750" indent="-285750">
+                        <a:buFontTx/>
+                        <a:buChar char="-"/>
+                      </a:pPr>
+                      <a:r>
+                        <a:rPr lang="en-US" dirty="0" err="1"/>
+                        <a:t>SfM</a:t>
+                      </a:r>
+                      <a:r>
+                        <a:rPr lang="en-US" dirty="0"/>
+                        <a:t> Ses. 2: Small object </a:t>
+                      </a:r>
+                      <a:r>
+                        <a:rPr lang="en-US" dirty="0" err="1"/>
+                        <a:t>SfM</a:t>
+                      </a:r>
+                      <a:r>
+                        <a:rPr lang="en-US" dirty="0"/>
+                        <a:t> photogrammetry</a:t>
+                      </a:r>
+                    </a:p>
+                    <a:p>
+                      <a:pPr marL="285750" marR="0" lvl="0" indent="-285750" algn="l" defTabSz="914400" rtl="0" eaLnBrk="1" fontAlgn="auto" latinLnBrk="0" hangingPunct="1">
+                        <a:lnSpc>
+                          <a:spcPct val="100000"/>
+                        </a:lnSpc>
+                        <a:spcBef>
+                          <a:spcPts val="0"/>
+                        </a:spcBef>
+                        <a:spcAft>
+                          <a:spcPts val="0"/>
+                        </a:spcAft>
+                        <a:buClrTx/>
+                        <a:buSzTx/>
+                        <a:buFontTx/>
+                        <a:buChar char="-"/>
+                        <a:tabLst/>
+                        <a:defRPr/>
+                      </a:pPr>
+                      <a:r>
+                        <a:rPr lang="en-US" dirty="0" err="1"/>
+                        <a:t>SfM</a:t>
+                      </a:r>
+                      <a:r>
+                        <a:rPr lang="en-US" dirty="0"/>
+                        <a:t> Ses. 3: Geo-referencing</a:t>
+                      </a:r>
+                    </a:p>
+                  </a:txBody>
+                  <a:tcPr/>
+                </a:tc>
+                <a:tc>
+                  <a:txBody>
+                    <a:bodyPr/>
+                    <a:lstStyle/>
+                    <a:p>
+                      <a:pPr marL="285750" marR="0" lvl="0" indent="-285750" algn="l" defTabSz="914400" rtl="0" eaLnBrk="1" fontAlgn="auto" latinLnBrk="0" hangingPunct="1">
+                        <a:lnSpc>
+                          <a:spcPct val="100000"/>
+                        </a:lnSpc>
+                        <a:spcBef>
+                          <a:spcPts val="0"/>
+                        </a:spcBef>
+                        <a:spcAft>
+                          <a:spcPts val="0"/>
+                        </a:spcAft>
+                        <a:buClrTx/>
+                        <a:buSzTx/>
+                        <a:buFontTx/>
+                        <a:buChar char="-"/>
+                        <a:tabLst/>
+                        <a:defRPr/>
+                      </a:pPr>
+                      <a:r>
+                        <a:rPr lang="nb-NO" dirty="0" err="1"/>
+                        <a:t>Create</a:t>
+                      </a:r>
+                      <a:r>
+                        <a:rPr lang="nb-NO" dirty="0"/>
+                        <a:t> a </a:t>
+                      </a:r>
+                      <a:r>
+                        <a:rPr lang="nb-NO" dirty="0" err="1"/>
+                        <a:t>georeferenced</a:t>
+                      </a:r>
+                      <a:r>
+                        <a:rPr lang="nb-NO" dirty="0"/>
+                        <a:t>, (</a:t>
+                      </a:r>
+                      <a:r>
+                        <a:rPr lang="nb-NO" dirty="0" err="1"/>
+                        <a:t>small</a:t>
+                      </a:r>
+                      <a:r>
+                        <a:rPr lang="nb-NO" dirty="0"/>
+                        <a:t>) 3D </a:t>
+                      </a:r>
+                      <a:r>
+                        <a:rPr lang="nb-NO" dirty="0" err="1"/>
+                        <a:t>model</a:t>
+                      </a:r>
+                      <a:endParaRPr lang="nb-NO" dirty="0"/>
+                    </a:p>
+                    <a:p>
+                      <a:pPr marL="285750" marR="0" lvl="0" indent="-285750" algn="l" defTabSz="914400" rtl="0" eaLnBrk="1" fontAlgn="auto" latinLnBrk="0" hangingPunct="1">
+                        <a:lnSpc>
+                          <a:spcPct val="100000"/>
+                        </a:lnSpc>
+                        <a:spcBef>
+                          <a:spcPts val="0"/>
+                        </a:spcBef>
+                        <a:spcAft>
+                          <a:spcPts val="0"/>
+                        </a:spcAft>
+                        <a:buClrTx/>
+                        <a:buSzTx/>
+                        <a:buFontTx/>
+                        <a:buChar char="-"/>
+                        <a:tabLst/>
+                        <a:defRPr/>
+                      </a:pPr>
+                      <a:r>
+                        <a:rPr lang="nb-NO" dirty="0" err="1"/>
+                        <a:t>Georeferencing</a:t>
+                      </a:r>
+                      <a:r>
+                        <a:rPr lang="nb-NO" dirty="0"/>
+                        <a:t> </a:t>
+                      </a:r>
+                      <a:r>
+                        <a:rPr lang="nb-NO" dirty="0" err="1"/>
+                        <a:t>knowledge</a:t>
+                      </a:r>
+                      <a:endParaRPr lang="en-US" dirty="0"/>
+                    </a:p>
+                  </a:txBody>
+                  <a:tcPr/>
+                </a:tc>
+                <a:extLst>
+                  <a:ext uri="{0D108BD9-81ED-4DB2-BD59-A6C34878D82A}">
+                    <a16:rowId xmlns:a16="http://schemas.microsoft.com/office/drawing/2014/main" val="3813902243"/>
+                  </a:ext>
+                </a:extLst>
+              </a:tr>
+              <a:tr h="865692">
+                <a:tc>
+                  <a:txBody>
+                    <a:bodyPr/>
+                    <a:lstStyle/>
+                    <a:p>
+                      <a:pPr marL="0" marR="0" lvl="0" indent="0" algn="l" defTabSz="914400" rtl="0" eaLnBrk="1" fontAlgn="auto" latinLnBrk="0" hangingPunct="1">
+                        <a:lnSpc>
+                          <a:spcPct val="100000"/>
+                        </a:lnSpc>
+                        <a:spcBef>
+                          <a:spcPts val="0"/>
+                        </a:spcBef>
+                        <a:spcAft>
+                          <a:spcPts val="0"/>
+                        </a:spcAft>
+                        <a:buClrTx/>
+                        <a:buSzTx/>
+                        <a:buFontTx/>
+                        <a:buNone/>
+                        <a:tabLst/>
+                        <a:defRPr/>
+                      </a:pPr>
+                      <a:r>
+                        <a:rPr lang="en-US" dirty="0"/>
+                        <a:t>08.09</a:t>
+                      </a:r>
+                    </a:p>
+                  </a:txBody>
+                  <a:tcPr/>
+                </a:tc>
+                <a:tc>
+                  <a:txBody>
+                    <a:bodyPr/>
+                    <a:lstStyle/>
+                    <a:p>
+                      <a:pPr marL="285750" indent="-285750">
+                        <a:buFontTx/>
+                        <a:buChar char="-"/>
+                      </a:pPr>
+                      <a:r>
+                        <a:rPr lang="nb-NO" dirty="0"/>
+                        <a:t>Learning </a:t>
+                      </a:r>
+                      <a:r>
+                        <a:rPr lang="nb-NO" dirty="0" err="1"/>
+                        <a:t>the</a:t>
+                      </a:r>
+                      <a:r>
+                        <a:rPr lang="nb-NO" dirty="0"/>
+                        <a:t> ropes </a:t>
+                      </a:r>
+                      <a:r>
+                        <a:rPr lang="nb-NO" dirty="0" err="1"/>
+                        <a:t>with</a:t>
+                      </a:r>
+                      <a:r>
+                        <a:rPr lang="nb-NO" dirty="0"/>
+                        <a:t> </a:t>
+                      </a:r>
+                      <a:r>
+                        <a:rPr lang="nb-NO" dirty="0" err="1"/>
+                        <a:t>SvalBox</a:t>
+                      </a:r>
+                      <a:endParaRPr lang="en-US" dirty="0"/>
+                    </a:p>
+                    <a:p>
+                      <a:pPr marL="285750" indent="-285750">
+                        <a:buFontTx/>
+                        <a:buChar char="-"/>
+                      </a:pPr>
+                      <a:r>
+                        <a:rPr lang="en-US" dirty="0"/>
+                        <a:t>HSE brief.</a:t>
+                      </a:r>
+                    </a:p>
+                    <a:p>
+                      <a:pPr marL="285750" marR="0" lvl="0" indent="-285750" algn="l" defTabSz="914400" rtl="0" eaLnBrk="1" fontAlgn="auto" latinLnBrk="0" hangingPunct="1">
+                        <a:lnSpc>
+                          <a:spcPct val="100000"/>
+                        </a:lnSpc>
+                        <a:spcBef>
+                          <a:spcPts val="0"/>
+                        </a:spcBef>
+                        <a:spcAft>
+                          <a:spcPts val="0"/>
+                        </a:spcAft>
+                        <a:buClrTx/>
+                        <a:buSzTx/>
+                        <a:buFontTx/>
+                        <a:buChar char="-"/>
+                        <a:tabLst/>
+                        <a:defRPr/>
+                      </a:pPr>
+                      <a:r>
+                        <a:rPr lang="en-US" dirty="0" err="1"/>
+                        <a:t>SfM</a:t>
+                      </a:r>
+                      <a:r>
+                        <a:rPr lang="en-US" dirty="0"/>
+                        <a:t> Ses. 4</a:t>
+                      </a:r>
+                      <a:r>
+                        <a:rPr lang="nb-NO" dirty="0"/>
+                        <a:t>: Automation</a:t>
+                      </a:r>
+                      <a:endParaRPr lang="en-US" dirty="0"/>
+                    </a:p>
+                  </a:txBody>
+                  <a:tcPr/>
+                </a:tc>
+                <a:tc>
+                  <a:txBody>
+                    <a:bodyPr/>
+                    <a:lstStyle/>
+                    <a:p>
+                      <a:pPr marL="285750" marR="0" lvl="0" indent="-285750" algn="l" defTabSz="914400" rtl="0" eaLnBrk="1" fontAlgn="auto" latinLnBrk="0" hangingPunct="1">
+                        <a:lnSpc>
+                          <a:spcPct val="100000"/>
+                        </a:lnSpc>
+                        <a:spcBef>
+                          <a:spcPts val="0"/>
+                        </a:spcBef>
+                        <a:spcAft>
+                          <a:spcPts val="0"/>
+                        </a:spcAft>
+                        <a:buClrTx/>
+                        <a:buSzTx/>
+                        <a:buFontTx/>
+                        <a:buChar char="-"/>
+                        <a:tabLst/>
+                        <a:defRPr/>
+                      </a:pPr>
+                      <a:r>
+                        <a:rPr lang="nb-NO" dirty="0" err="1"/>
+                        <a:t>Experience</a:t>
+                      </a:r>
+                      <a:r>
+                        <a:rPr lang="nb-NO" dirty="0"/>
+                        <a:t> </a:t>
+                      </a:r>
+                      <a:r>
+                        <a:rPr lang="nb-NO" dirty="0" err="1"/>
+                        <a:t>with</a:t>
+                      </a:r>
+                      <a:r>
+                        <a:rPr lang="nb-NO" dirty="0"/>
+                        <a:t> </a:t>
+                      </a:r>
+                      <a:r>
+                        <a:rPr lang="nb-NO" dirty="0" err="1"/>
+                        <a:t>accessing</a:t>
+                      </a:r>
+                      <a:r>
+                        <a:rPr lang="nb-NO" dirty="0"/>
+                        <a:t> </a:t>
+                      </a:r>
+                      <a:r>
+                        <a:rPr lang="nb-NO" dirty="0" err="1"/>
+                        <a:t>Svalbox</a:t>
+                      </a:r>
+                      <a:endParaRPr lang="nb-NO" dirty="0"/>
+                    </a:p>
+                    <a:p>
+                      <a:pPr marL="285750" marR="0" lvl="0" indent="-285750" algn="l" defTabSz="914400" rtl="0" eaLnBrk="1" fontAlgn="auto" latinLnBrk="0" hangingPunct="1">
+                        <a:lnSpc>
+                          <a:spcPct val="100000"/>
+                        </a:lnSpc>
+                        <a:spcBef>
+                          <a:spcPts val="0"/>
+                        </a:spcBef>
+                        <a:spcAft>
+                          <a:spcPts val="0"/>
+                        </a:spcAft>
+                        <a:buClrTx/>
+                        <a:buSzTx/>
+                        <a:buFontTx/>
+                        <a:buChar char="-"/>
+                        <a:tabLst/>
+                        <a:defRPr/>
+                      </a:pPr>
+                      <a:r>
+                        <a:rPr lang="nb-NO" dirty="0" err="1"/>
+                        <a:t>Planned</a:t>
+                      </a:r>
+                      <a:r>
+                        <a:rPr lang="nb-NO" dirty="0"/>
+                        <a:t> </a:t>
+                      </a:r>
+                      <a:r>
+                        <a:rPr lang="nb-NO" dirty="0" err="1"/>
+                        <a:t>fieldwork</a:t>
+                      </a:r>
+                      <a:endParaRPr lang="nb-NO" dirty="0"/>
+                    </a:p>
+                    <a:p>
+                      <a:pPr marL="285750" marR="0" lvl="0" indent="-285750" algn="l" defTabSz="914400" rtl="0" eaLnBrk="1" fontAlgn="auto" latinLnBrk="0" hangingPunct="1">
+                        <a:lnSpc>
+                          <a:spcPct val="100000"/>
+                        </a:lnSpc>
+                        <a:spcBef>
+                          <a:spcPts val="0"/>
+                        </a:spcBef>
+                        <a:spcAft>
+                          <a:spcPts val="0"/>
+                        </a:spcAft>
+                        <a:buClrTx/>
+                        <a:buSzTx/>
+                        <a:buFontTx/>
+                        <a:buChar char="-"/>
+                        <a:tabLst/>
+                        <a:defRPr/>
+                      </a:pPr>
+                      <a:r>
+                        <a:rPr lang="nb-NO" dirty="0" err="1"/>
+                        <a:t>Automated</a:t>
+                      </a:r>
+                      <a:r>
+                        <a:rPr lang="nb-NO" dirty="0"/>
+                        <a:t>/</a:t>
+                      </a:r>
+                      <a:r>
+                        <a:rPr lang="nb-NO" dirty="0" err="1"/>
+                        <a:t>structured</a:t>
+                      </a:r>
+                      <a:r>
+                        <a:rPr lang="nb-NO" dirty="0"/>
+                        <a:t> </a:t>
+                      </a:r>
+                      <a:r>
+                        <a:rPr lang="nb-NO" dirty="0" err="1"/>
+                        <a:t>approach</a:t>
+                      </a:r>
+                      <a:endParaRPr lang="nb-NO" dirty="0"/>
+                    </a:p>
+                  </a:txBody>
+                  <a:tcPr/>
+                </a:tc>
+                <a:extLst>
+                  <a:ext uri="{0D108BD9-81ED-4DB2-BD59-A6C34878D82A}">
+                    <a16:rowId xmlns:a16="http://schemas.microsoft.com/office/drawing/2014/main" val="1846519345"/>
+                  </a:ext>
+                </a:extLst>
+              </a:tr>
+              <a:tr h="865692">
+                <a:tc>
+                  <a:txBody>
+                    <a:bodyPr/>
+                    <a:lstStyle/>
+                    <a:p>
+                      <a:pPr marL="0" marR="0" lvl="0" indent="0" algn="l" defTabSz="914400" rtl="0" eaLnBrk="1" fontAlgn="auto" latinLnBrk="0" hangingPunct="1">
+                        <a:lnSpc>
+                          <a:spcPct val="100000"/>
+                        </a:lnSpc>
+                        <a:spcBef>
+                          <a:spcPts val="0"/>
+                        </a:spcBef>
+                        <a:spcAft>
+                          <a:spcPts val="0"/>
+                        </a:spcAft>
+                        <a:buClrTx/>
+                        <a:buSzTx/>
+                        <a:buFontTx/>
+                        <a:buNone/>
+                        <a:tabLst/>
+                        <a:defRPr/>
+                      </a:pPr>
+                      <a:r>
+                        <a:rPr lang="en-US" dirty="0"/>
+                        <a:t>09.09</a:t>
+                      </a:r>
+                    </a:p>
+                  </a:txBody>
+                  <a:tcPr/>
+                </a:tc>
+                <a:tc>
+                  <a:txBody>
+                    <a:bodyPr/>
+                    <a:lstStyle/>
+                    <a:p>
+                      <a:pPr marL="285750" marR="0" lvl="0" indent="-285750" algn="l" defTabSz="914400" rtl="0" eaLnBrk="1" fontAlgn="auto" latinLnBrk="0" hangingPunct="1">
+                        <a:lnSpc>
+                          <a:spcPct val="100000"/>
+                        </a:lnSpc>
+                        <a:spcBef>
+                          <a:spcPts val="0"/>
+                        </a:spcBef>
+                        <a:spcAft>
+                          <a:spcPts val="0"/>
+                        </a:spcAft>
+                        <a:buClrTx/>
+                        <a:buSzTx/>
+                        <a:buFontTx/>
+                        <a:buChar char="-"/>
+                        <a:tabLst/>
+                        <a:defRPr/>
+                      </a:pPr>
+                      <a:r>
+                        <a:rPr lang="en-US" dirty="0"/>
+                        <a:t>UAV Ses. 1: Register as operator / pass test</a:t>
+                      </a:r>
+                    </a:p>
+                    <a:p>
+                      <a:pPr marL="285750" marR="0" lvl="0" indent="-285750" algn="l" defTabSz="914400" rtl="0" eaLnBrk="1" fontAlgn="auto" latinLnBrk="0" hangingPunct="1">
+                        <a:lnSpc>
+                          <a:spcPct val="100000"/>
+                        </a:lnSpc>
+                        <a:spcBef>
+                          <a:spcPts val="0"/>
+                        </a:spcBef>
+                        <a:spcAft>
+                          <a:spcPts val="0"/>
+                        </a:spcAft>
+                        <a:buClrTx/>
+                        <a:buSzTx/>
+                        <a:buFontTx/>
+                        <a:buChar char="-"/>
+                        <a:tabLst/>
+                        <a:defRPr/>
+                      </a:pPr>
+                      <a:r>
+                        <a:rPr lang="en-US" dirty="0"/>
+                        <a:t>UAV Ses. 3: Flying a multirotor UAV</a:t>
+                      </a:r>
+                    </a:p>
+                    <a:p>
+                      <a:pPr marL="285750" marR="0" lvl="0" indent="-285750" algn="l" defTabSz="914400" rtl="0" eaLnBrk="1" fontAlgn="auto" latinLnBrk="0" hangingPunct="1">
+                        <a:lnSpc>
+                          <a:spcPct val="100000"/>
+                        </a:lnSpc>
+                        <a:spcBef>
+                          <a:spcPts val="0"/>
+                        </a:spcBef>
+                        <a:spcAft>
+                          <a:spcPts val="0"/>
+                        </a:spcAft>
+                        <a:buClrTx/>
+                        <a:buSzTx/>
+                        <a:buFontTx/>
+                        <a:buChar char="-"/>
+                        <a:tabLst/>
+                        <a:defRPr/>
+                      </a:pPr>
+                      <a:r>
+                        <a:rPr lang="en-US" dirty="0"/>
+                        <a:t>UAV Ses. 4: Planning and Surveying</a:t>
+                      </a:r>
+                    </a:p>
+                  </a:txBody>
+                  <a:tcPr/>
+                </a:tc>
+                <a:tc>
+                  <a:txBody>
+                    <a:bodyPr/>
+                    <a:lstStyle/>
+                    <a:p>
+                      <a:pPr marL="285750" marR="0" lvl="0" indent="-285750" algn="l" defTabSz="914400" rtl="0" eaLnBrk="1" fontAlgn="auto" latinLnBrk="0" hangingPunct="1">
+                        <a:lnSpc>
+                          <a:spcPct val="100000"/>
+                        </a:lnSpc>
+                        <a:spcBef>
+                          <a:spcPts val="0"/>
+                        </a:spcBef>
+                        <a:spcAft>
+                          <a:spcPts val="0"/>
+                        </a:spcAft>
+                        <a:buClrTx/>
+                        <a:buSzTx/>
+                        <a:buFontTx/>
+                        <a:buChar char="-"/>
+                        <a:tabLst/>
+                        <a:defRPr/>
+                      </a:pPr>
+                      <a:r>
+                        <a:rPr lang="nb-NO" dirty="0"/>
+                        <a:t>Operator </a:t>
+                      </a:r>
+                      <a:r>
+                        <a:rPr lang="nb-NO" dirty="0" err="1"/>
+                        <a:t>license</a:t>
+                      </a:r>
+                      <a:endParaRPr lang="nb-NO" dirty="0"/>
+                    </a:p>
+                    <a:p>
+                      <a:pPr marL="285750" marR="0" lvl="0" indent="-285750" algn="l" defTabSz="914400" rtl="0" eaLnBrk="1" fontAlgn="auto" latinLnBrk="0" hangingPunct="1">
+                        <a:lnSpc>
+                          <a:spcPct val="100000"/>
+                        </a:lnSpc>
+                        <a:spcBef>
+                          <a:spcPts val="0"/>
+                        </a:spcBef>
+                        <a:spcAft>
+                          <a:spcPts val="0"/>
+                        </a:spcAft>
+                        <a:buClrTx/>
+                        <a:buSzTx/>
+                        <a:buFontTx/>
+                        <a:buChar char="-"/>
+                        <a:tabLst/>
+                        <a:defRPr/>
+                      </a:pPr>
+                      <a:r>
+                        <a:rPr lang="nb-NO" dirty="0"/>
+                        <a:t>Trial </a:t>
+                      </a:r>
+                      <a:r>
+                        <a:rPr lang="nb-NO" dirty="0" err="1"/>
+                        <a:t>with</a:t>
+                      </a:r>
+                      <a:r>
+                        <a:rPr lang="nb-NO" dirty="0"/>
+                        <a:t> flying/drones</a:t>
+                      </a:r>
+                    </a:p>
+                    <a:p>
+                      <a:pPr marL="285750" marR="0" lvl="0" indent="-285750" algn="l" defTabSz="914400" rtl="0" eaLnBrk="1" fontAlgn="auto" latinLnBrk="0" hangingPunct="1">
+                        <a:lnSpc>
+                          <a:spcPct val="100000"/>
+                        </a:lnSpc>
+                        <a:spcBef>
+                          <a:spcPts val="0"/>
+                        </a:spcBef>
+                        <a:spcAft>
+                          <a:spcPts val="0"/>
+                        </a:spcAft>
+                        <a:buClrTx/>
+                        <a:buSzTx/>
+                        <a:buFontTx/>
+                        <a:buChar char="-"/>
+                        <a:tabLst/>
+                        <a:defRPr/>
+                      </a:pPr>
+                      <a:r>
+                        <a:rPr lang="nb-NO" dirty="0"/>
+                        <a:t>Field planning (in </a:t>
+                      </a:r>
+                      <a:r>
+                        <a:rPr lang="nb-NO" dirty="0" err="1"/>
+                        <a:t>groups</a:t>
+                      </a:r>
+                      <a:r>
+                        <a:rPr lang="nb-NO" dirty="0"/>
+                        <a:t>)</a:t>
+                      </a:r>
+                    </a:p>
+                  </a:txBody>
+                  <a:tcPr/>
+                </a:tc>
+                <a:extLst>
+                  <a:ext uri="{0D108BD9-81ED-4DB2-BD59-A6C34878D82A}">
+                    <a16:rowId xmlns:a16="http://schemas.microsoft.com/office/drawing/2014/main" val="2409855304"/>
+                  </a:ext>
+                </a:extLst>
+              </a:tr>
+              <a:tr h="209656">
+                <a:tc>
+                  <a:txBody>
+                    <a:bodyPr/>
+                    <a:lstStyle/>
+                    <a:p>
+                      <a:pPr marL="0" marR="0" lvl="0" indent="0" algn="l" defTabSz="914400" rtl="0" eaLnBrk="1" fontAlgn="auto" latinLnBrk="0" hangingPunct="1">
+                        <a:lnSpc>
+                          <a:spcPct val="100000"/>
+                        </a:lnSpc>
+                        <a:spcBef>
+                          <a:spcPts val="0"/>
+                        </a:spcBef>
+                        <a:spcAft>
+                          <a:spcPts val="0"/>
+                        </a:spcAft>
+                        <a:buClrTx/>
+                        <a:buSzTx/>
+                        <a:buFontTx/>
+                        <a:buNone/>
+                        <a:tabLst/>
+                        <a:defRPr/>
+                      </a:pPr>
+                      <a:r>
+                        <a:rPr lang="en-US" dirty="0"/>
+                        <a:t>10.09</a:t>
+                      </a:r>
+                    </a:p>
+                  </a:txBody>
+                  <a:tcPr/>
+                </a:tc>
+                <a:tc>
+                  <a:txBody>
+                    <a:bodyPr/>
+                    <a:lstStyle/>
+                    <a:p>
+                      <a:pPr marL="285750" marR="0" lvl="0" indent="-285750" algn="l" defTabSz="914400" rtl="0" eaLnBrk="1" fontAlgn="auto" latinLnBrk="0" hangingPunct="1">
+                        <a:lnSpc>
+                          <a:spcPct val="100000"/>
+                        </a:lnSpc>
+                        <a:spcBef>
+                          <a:spcPts val="0"/>
+                        </a:spcBef>
+                        <a:spcAft>
+                          <a:spcPts val="0"/>
+                        </a:spcAft>
+                        <a:buClrTx/>
+                        <a:buSzTx/>
+                        <a:buFontTx/>
+                        <a:buChar char="-"/>
+                        <a:tabLst/>
+                        <a:defRPr/>
+                      </a:pPr>
+                      <a:r>
+                        <a:rPr lang="en-US" dirty="0"/>
+                        <a:t>FIELD training</a:t>
+                      </a:r>
+                    </a:p>
+                  </a:txBody>
+                  <a:tcPr/>
+                </a:tc>
+                <a:tc>
+                  <a:txBody>
+                    <a:bodyPr/>
+                    <a:lstStyle/>
+                    <a:p>
+                      <a:pPr marL="285750" marR="0" lvl="0" indent="-285750" algn="l" defTabSz="914400" rtl="0" eaLnBrk="1" fontAlgn="auto" latinLnBrk="0" hangingPunct="1">
+                        <a:lnSpc>
+                          <a:spcPct val="100000"/>
+                        </a:lnSpc>
+                        <a:spcBef>
+                          <a:spcPts val="0"/>
+                        </a:spcBef>
+                        <a:spcAft>
+                          <a:spcPts val="0"/>
+                        </a:spcAft>
+                        <a:buClrTx/>
+                        <a:buSzTx/>
+                        <a:buFontTx/>
+                        <a:buChar char="-"/>
+                        <a:tabLst/>
+                        <a:defRPr/>
+                      </a:pPr>
+                      <a:endParaRPr lang="nb-NO" dirty="0"/>
+                    </a:p>
+                  </a:txBody>
+                  <a:tcPr/>
+                </a:tc>
+                <a:extLst>
+                  <a:ext uri="{0D108BD9-81ED-4DB2-BD59-A6C34878D82A}">
+                    <a16:rowId xmlns:a16="http://schemas.microsoft.com/office/drawing/2014/main" val="89666527"/>
+                  </a:ext>
+                </a:extLst>
+              </a:tr>
+              <a:tr h="259619">
+                <a:tc>
+                  <a:txBody>
+                    <a:bodyPr/>
+                    <a:lstStyle/>
+                    <a:p>
+                      <a:pPr marL="0" marR="0" lvl="0" indent="0" algn="l" defTabSz="914400" rtl="0" eaLnBrk="1" fontAlgn="auto" latinLnBrk="0" hangingPunct="1">
+                        <a:lnSpc>
+                          <a:spcPct val="100000"/>
+                        </a:lnSpc>
+                        <a:spcBef>
+                          <a:spcPts val="0"/>
+                        </a:spcBef>
+                        <a:spcAft>
+                          <a:spcPts val="0"/>
+                        </a:spcAft>
+                        <a:buClrTx/>
+                        <a:buSzTx/>
+                        <a:buFontTx/>
+                        <a:buNone/>
+                        <a:tabLst/>
+                        <a:defRPr/>
+                      </a:pPr>
+                      <a:r>
+                        <a:rPr lang="en-US" dirty="0"/>
+                        <a:t>11.09</a:t>
+                      </a:r>
+                    </a:p>
+                  </a:txBody>
+                  <a:tcPr/>
+                </a:tc>
+                <a:tc>
+                  <a:txBody>
+                    <a:bodyPr/>
+                    <a:lstStyle/>
+                    <a:p>
+                      <a:pPr marL="285750" indent="-285750">
+                        <a:buFontTx/>
+                        <a:buChar char="-"/>
+                      </a:pPr>
+                      <a:r>
+                        <a:rPr lang="en-US" dirty="0"/>
+                        <a:t>FIELD Acquisition</a:t>
+                      </a:r>
+                    </a:p>
+                  </a:txBody>
+                  <a:tcPr/>
+                </a:tc>
+                <a:tc>
+                  <a:txBody>
+                    <a:bodyPr/>
+                    <a:lstStyle/>
+                    <a:p>
+                      <a:pPr marL="285750" marR="0" lvl="0" indent="-285750" algn="l" defTabSz="914400" rtl="0" eaLnBrk="1" fontAlgn="auto" latinLnBrk="0" hangingPunct="1">
+                        <a:lnSpc>
+                          <a:spcPct val="100000"/>
+                        </a:lnSpc>
+                        <a:spcBef>
+                          <a:spcPts val="0"/>
+                        </a:spcBef>
+                        <a:spcAft>
+                          <a:spcPts val="0"/>
+                        </a:spcAft>
+                        <a:buClrTx/>
+                        <a:buSzTx/>
+                        <a:buFontTx/>
+                        <a:buChar char="-"/>
+                        <a:tabLst/>
+                        <a:defRPr/>
+                      </a:pPr>
+                      <a:endParaRPr lang="nb-NO" dirty="0"/>
+                    </a:p>
+                  </a:txBody>
+                  <a:tcPr/>
+                </a:tc>
+                <a:extLst>
+                  <a:ext uri="{0D108BD9-81ED-4DB2-BD59-A6C34878D82A}">
+                    <a16:rowId xmlns:a16="http://schemas.microsoft.com/office/drawing/2014/main" val="3666418271"/>
+                  </a:ext>
+                </a:extLst>
+              </a:tr>
+              <a:tr h="365760">
+                <a:tc>
+                  <a:txBody>
+                    <a:bodyPr/>
+                    <a:lstStyle/>
+                    <a:p>
+                      <a:pPr marL="0" marR="0" lvl="0" indent="0" algn="l" defTabSz="914400" rtl="0" eaLnBrk="1" fontAlgn="auto" latinLnBrk="0" hangingPunct="1">
+                        <a:lnSpc>
+                          <a:spcPct val="100000"/>
+                        </a:lnSpc>
+                        <a:spcBef>
+                          <a:spcPts val="0"/>
+                        </a:spcBef>
+                        <a:spcAft>
+                          <a:spcPts val="0"/>
+                        </a:spcAft>
+                        <a:buClrTx/>
+                        <a:buSzTx/>
+                        <a:buFontTx/>
+                        <a:buNone/>
+                        <a:tabLst/>
+                        <a:defRPr/>
+                      </a:pPr>
+                      <a:r>
+                        <a:rPr lang="en-US" dirty="0"/>
+                        <a:t>12.09</a:t>
+                      </a:r>
+                    </a:p>
+                  </a:txBody>
+                  <a:tcPr/>
+                </a:tc>
+                <a:tc>
+                  <a:txBody>
+                    <a:bodyPr/>
+                    <a:lstStyle/>
+                    <a:p>
+                      <a:pPr marL="285750" indent="-285750">
+                        <a:buFontTx/>
+                        <a:buChar char="-"/>
+                      </a:pPr>
+                      <a:r>
+                        <a:rPr lang="en-US" dirty="0"/>
+                        <a:t>Processing field data </a:t>
+                      </a:r>
+                    </a:p>
+                  </a:txBody>
+                  <a:tcPr/>
+                </a:tc>
+                <a:tc>
+                  <a:txBody>
+                    <a:bodyPr/>
+                    <a:lstStyle/>
+                    <a:p>
+                      <a:pPr marL="0" marR="0" lvl="0" indent="0" algn="l" defTabSz="914400" rtl="0" eaLnBrk="1" fontAlgn="auto" latinLnBrk="0" hangingPunct="1">
+                        <a:lnSpc>
+                          <a:spcPct val="100000"/>
+                        </a:lnSpc>
+                        <a:spcBef>
+                          <a:spcPts val="0"/>
+                        </a:spcBef>
+                        <a:spcAft>
+                          <a:spcPts val="0"/>
+                        </a:spcAft>
+                        <a:buClrTx/>
+                        <a:buSzTx/>
+                        <a:buFontTx/>
+                        <a:buNone/>
+                        <a:tabLst/>
+                        <a:defRPr/>
+                      </a:pPr>
+                      <a:endParaRPr lang="nb-NO" dirty="0"/>
+                    </a:p>
+                  </a:txBody>
+                  <a:tcPr/>
+                </a:tc>
+                <a:extLst>
+                  <a:ext uri="{0D108BD9-81ED-4DB2-BD59-A6C34878D82A}">
+                    <a16:rowId xmlns:a16="http://schemas.microsoft.com/office/drawing/2014/main" val="2521610066"/>
+                  </a:ext>
+                </a:extLst>
+              </a:tr>
+            </a:tbl>
+          </a:graphicData>
+        </a:graphic>
+      </p:graphicFrame>
       <p:grpSp>
         <p:nvGrpSpPr>
-          <p:cNvPr id="11" name="Group 10">
-            <a:extLst>
-              <a:ext uri="{FF2B5EF4-FFF2-40B4-BE49-F238E27FC236}">
-                <a16:creationId xmlns:a16="http://schemas.microsoft.com/office/drawing/2014/main" id="{39FA12A0-93EB-9667-D138-6CFEC34513E7}"/>
+          <p:cNvPr id="3" name="Group 2">
+            <a:extLst>
+              <a:ext uri="{FF2B5EF4-FFF2-40B4-BE49-F238E27FC236}">
+                <a16:creationId xmlns:a16="http://schemas.microsoft.com/office/drawing/2014/main" id="{D0295AE9-B9BE-D78B-CFF5-81DE9C8ECE60}"/>
               </a:ext>
             </a:extLst>
           </p:cNvPr>
@@ -9296,10 +10404,10 @@
         </p:grpSpPr>
         <p:pic>
           <p:nvPicPr>
-            <p:cNvPr id="12" name="Picture 2" descr="UNIS - The university centre in Svalbard">
+            <p:cNvPr id="11" name="Picture 2" descr="UNIS - The university centre in Svalbard">
               <a:extLst>
                 <a:ext uri="{FF2B5EF4-FFF2-40B4-BE49-F238E27FC236}">
-                  <a16:creationId xmlns:a16="http://schemas.microsoft.com/office/drawing/2014/main" id="{B13E6562-7F10-94CA-EB1A-BE7B895B4843}"/>
+                  <a16:creationId xmlns:a16="http://schemas.microsoft.com/office/drawing/2014/main" id="{F69846FC-0AC2-797C-08D1-E008C1B0B464}"/>
                 </a:ext>
               </a:extLst>
             </p:cNvPr>
@@ -9343,10 +10451,10 @@
         </p:pic>
         <p:pic>
           <p:nvPicPr>
-            <p:cNvPr id="14" name="Picture 2" descr="Site is undergoing maintenance">
+            <p:cNvPr id="12" name="Picture 2" descr="Site is undergoing maintenance">
               <a:extLst>
                 <a:ext uri="{FF2B5EF4-FFF2-40B4-BE49-F238E27FC236}">
-                  <a16:creationId xmlns:a16="http://schemas.microsoft.com/office/drawing/2014/main" id="{7FC20674-0AD5-99AE-09FA-EE5597A739AC}"/>
+                  <a16:creationId xmlns:a16="http://schemas.microsoft.com/office/drawing/2014/main" id="{B309E4B4-0892-B56D-6ABE-361E2621A0CA}"/>
                 </a:ext>
               </a:extLst>
             </p:cNvPr>
@@ -9393,7 +10501,7 @@
             <p:cNvPr id="15" name="Picture 14" descr="A black background with grey letters and a red triangle&#10;&#10;Description automatically generated">
               <a:extLst>
                 <a:ext uri="{FF2B5EF4-FFF2-40B4-BE49-F238E27FC236}">
-                  <a16:creationId xmlns:a16="http://schemas.microsoft.com/office/drawing/2014/main" id="{E4AE02E2-BA0E-2721-3873-1FDD65148C13}"/>
+                  <a16:creationId xmlns:a16="http://schemas.microsoft.com/office/drawing/2014/main" id="{D4868902-56D2-4DF3-1636-EF0C340483B1}"/>
                 </a:ext>
               </a:extLst>
             </p:cNvPr>
@@ -9428,7 +10536,7 @@
     </p:spTree>
     <p:extLst>
       <p:ext uri="{BB962C8B-B14F-4D97-AF65-F5344CB8AC3E}">
-        <p14:creationId xmlns:p14="http://schemas.microsoft.com/office/powerpoint/2010/main" val="3180695537"/>
+        <p14:creationId xmlns:p14="http://schemas.microsoft.com/office/powerpoint/2010/main" val="2203399799"/>
       </p:ext>
     </p:extLst>
   </p:cSld>
@@ -9443,7 +10551,13 @@
   <p:cSld>
     <p:spTree>
       <p:nvGrpSpPr>
-        <p:cNvPr id="1" name=""/>
+        <p:cNvPr id="1" name="">
+          <a:extLst>
+            <a:ext uri="{FF2B5EF4-FFF2-40B4-BE49-F238E27FC236}">
+              <a16:creationId xmlns:a16="http://schemas.microsoft.com/office/drawing/2014/main" id="{5EC3B5E5-1365-33DD-B151-15EC44F27572}"/>
+            </a:ext>
+          </a:extLst>
+        </p:cNvPr>
         <p:cNvGrpSpPr/>
         <p:nvPr/>
       </p:nvGrpSpPr>
@@ -9460,7 +10574,7 @@
           <p:cNvPr id="4" name="Rectangle 3">
             <a:extLst>
               <a:ext uri="{FF2B5EF4-FFF2-40B4-BE49-F238E27FC236}">
-                <a16:creationId xmlns:a16="http://schemas.microsoft.com/office/drawing/2014/main" id="{EF4483D5-183C-E317-4602-6E24434DC8D9}"/>
+                <a16:creationId xmlns:a16="http://schemas.microsoft.com/office/drawing/2014/main" id="{6F6E9614-BACF-C648-5933-2BF1EC4184F5}"/>
               </a:ext>
               <a:ext uri="{C183D7F6-B498-43B3-948B-1728B52AA6E4}">
                 <adec:decorative xmlns:adec="http://schemas.microsoft.com/office/drawing/2017/decorative" val="1"/>
@@ -9523,7 +10637,7 @@
           <p:cNvPr id="5" name="Freeform: Shape 4">
             <a:extLst>
               <a:ext uri="{FF2B5EF4-FFF2-40B4-BE49-F238E27FC236}">
-                <a16:creationId xmlns:a16="http://schemas.microsoft.com/office/drawing/2014/main" id="{DFE79144-A76D-F3CE-1B24-7CCE37658CFA}"/>
+                <a16:creationId xmlns:a16="http://schemas.microsoft.com/office/drawing/2014/main" id="{B826F65C-4167-F121-6F62-E2E50E214F97}"/>
               </a:ext>
               <a:ext uri="{C183D7F6-B498-43B3-948B-1728B52AA6E4}">
                 <adec:decorative xmlns:adec="http://schemas.microsoft.com/office/drawing/2017/decorative" val="1"/>
@@ -9639,7 +10753,7 @@
           <p:cNvPr id="6" name="Rectangle 5">
             <a:extLst>
               <a:ext uri="{FF2B5EF4-FFF2-40B4-BE49-F238E27FC236}">
-                <a16:creationId xmlns:a16="http://schemas.microsoft.com/office/drawing/2014/main" id="{9FF2B546-A3AF-4C97-0CDA-90AABBCCF627}"/>
+                <a16:creationId xmlns:a16="http://schemas.microsoft.com/office/drawing/2014/main" id="{5E51CFA7-8253-2115-538C-8CBB2F7C7A06}"/>
               </a:ext>
               <a:ext uri="{C183D7F6-B498-43B3-948B-1728B52AA6E4}">
                 <adec:decorative xmlns:adec="http://schemas.microsoft.com/office/drawing/2017/decorative" val="1"/>
@@ -9704,7 +10818,7 @@
           <p:cNvPr id="7" name="Rectangle 6">
             <a:extLst>
               <a:ext uri="{FF2B5EF4-FFF2-40B4-BE49-F238E27FC236}">
-                <a16:creationId xmlns:a16="http://schemas.microsoft.com/office/drawing/2014/main" id="{300AA31C-C6DE-73DE-7EC1-FE464C7D39FC}"/>
+                <a16:creationId xmlns:a16="http://schemas.microsoft.com/office/drawing/2014/main" id="{87E4198E-E60C-D970-DD15-1C8EAFDA170C}"/>
               </a:ext>
               <a:ext uri="{C183D7F6-B498-43B3-948B-1728B52AA6E4}">
                 <adec:decorative xmlns:adec="http://schemas.microsoft.com/office/drawing/2017/decorative" val="1"/>
@@ -9769,7 +10883,7 @@
           <p:cNvPr id="8" name="Freeform: Shape 7">
             <a:extLst>
               <a:ext uri="{FF2B5EF4-FFF2-40B4-BE49-F238E27FC236}">
-                <a16:creationId xmlns:a16="http://schemas.microsoft.com/office/drawing/2014/main" id="{53611377-98E4-C64E-45A4-8C6EDE9BD5FD}"/>
+                <a16:creationId xmlns:a16="http://schemas.microsoft.com/office/drawing/2014/main" id="{C818905A-FF3F-F927-7217-0C59B8B1B744}"/>
               </a:ext>
               <a:ext uri="{C183D7F6-B498-43B3-948B-1728B52AA6E4}">
                 <adec:decorative xmlns:adec="http://schemas.microsoft.com/office/drawing/2017/decorative" val="1"/>
@@ -9879,7 +10993,7 @@
           <p:cNvPr id="9" name="Isosceles Triangle 8">
             <a:extLst>
               <a:ext uri="{FF2B5EF4-FFF2-40B4-BE49-F238E27FC236}">
-                <a16:creationId xmlns:a16="http://schemas.microsoft.com/office/drawing/2014/main" id="{164E112C-FA58-F234-635E-5CF8EA2511A2}"/>
+                <a16:creationId xmlns:a16="http://schemas.microsoft.com/office/drawing/2014/main" id="{453F8C95-94D5-0C1B-EC90-2B4B3D11D82D}"/>
               </a:ext>
               <a:ext uri="{C183D7F6-B498-43B3-948B-1728B52AA6E4}">
                 <adec:decorative xmlns:adec="http://schemas.microsoft.com/office/drawing/2017/decorative" val="1"/>
@@ -9944,7 +11058,7 @@
           <p:cNvPr id="10" name="Isosceles Triangle 9">
             <a:extLst>
               <a:ext uri="{FF2B5EF4-FFF2-40B4-BE49-F238E27FC236}">
-                <a16:creationId xmlns:a16="http://schemas.microsoft.com/office/drawing/2014/main" id="{CC850582-7327-2255-77BA-0FC1C58B1129}"/>
+                <a16:creationId xmlns:a16="http://schemas.microsoft.com/office/drawing/2014/main" id="{32B0076D-8564-30F7-5B90-00746DA6B851}"/>
               </a:ext>
               <a:ext uri="{C183D7F6-B498-43B3-948B-1728B52AA6E4}">
                 <adec:decorative xmlns:adec="http://schemas.microsoft.com/office/drawing/2017/decorative" val="1"/>
@@ -10009,7 +11123,7 @@
           <p:cNvPr id="13" name="Subtitle 2">
             <a:extLst>
               <a:ext uri="{FF2B5EF4-FFF2-40B4-BE49-F238E27FC236}">
-                <a16:creationId xmlns:a16="http://schemas.microsoft.com/office/drawing/2014/main" id="{560260DA-12BE-6B6F-5524-C9D48504680C}"/>
+                <a16:creationId xmlns:a16="http://schemas.microsoft.com/office/drawing/2014/main" id="{9D5285BF-67D7-23B7-07F2-28AFF41FEA3D}"/>
               </a:ext>
             </a:extLst>
           </p:cNvPr>
@@ -10210,6 +11324,2137 @@
           <p:cNvPr id="2" name="Title 1">
             <a:extLst>
               <a:ext uri="{FF2B5EF4-FFF2-40B4-BE49-F238E27FC236}">
+                <a16:creationId xmlns:a16="http://schemas.microsoft.com/office/drawing/2014/main" id="{BFFAE23D-07FA-AB54-AB9E-04A7D700015B}"/>
+              </a:ext>
+            </a:extLst>
+          </p:cNvPr>
+          <p:cNvSpPr>
+            <a:spLocks noGrp="1"/>
+          </p:cNvSpPr>
+          <p:nvPr>
+            <p:ph type="title"/>
+          </p:nvPr>
+        </p:nvSpPr>
+        <p:spPr>
+          <a:xfrm>
+            <a:off x="1676400" y="-7563"/>
+            <a:ext cx="10515600" cy="1325563"/>
+          </a:xfrm>
+        </p:spPr>
+        <p:txBody>
+          <a:bodyPr>
+            <a:normAutofit/>
+          </a:bodyPr>
+          <a:lstStyle/>
+          <a:p>
+            <a:r>
+              <a:rPr lang="nb-NO" sz="3600" dirty="0"/>
+              <a:t>AG-214: Focus &amp; aims</a:t>
+            </a:r>
+            <a:endParaRPr lang="en-US" sz="3600" dirty="0"/>
+          </a:p>
+        </p:txBody>
+      </p:sp>
+      <p:sp>
+        <p:nvSpPr>
+          <p:cNvPr id="3" name="Content Placeholder 2">
+            <a:extLst>
+              <a:ext uri="{FF2B5EF4-FFF2-40B4-BE49-F238E27FC236}">
+                <a16:creationId xmlns:a16="http://schemas.microsoft.com/office/drawing/2014/main" id="{039B9ED2-A425-1C68-05DC-9E3AC7C8D698}"/>
+              </a:ext>
+            </a:extLst>
+          </p:cNvPr>
+          <p:cNvSpPr>
+            <a:spLocks noGrp="1"/>
+          </p:cNvSpPr>
+          <p:nvPr>
+            <p:ph idx="1"/>
+          </p:nvPr>
+        </p:nvSpPr>
+        <p:spPr>
+          <a:xfrm>
+            <a:off x="838199" y="1825625"/>
+            <a:ext cx="10785793" cy="4351338"/>
+          </a:xfrm>
+        </p:spPr>
+        <p:txBody>
+          <a:bodyPr>
+            <a:normAutofit fontScale="70000" lnSpcReduction="20000"/>
+          </a:bodyPr>
+          <a:lstStyle/>
+          <a:p>
+            <a:pPr marL="0" indent="0">
+              <a:buNone/>
+            </a:pPr>
+            <a:r>
+              <a:rPr lang="nb-NO" dirty="0"/>
+              <a:t>Motivation:</a:t>
+            </a:r>
+          </a:p>
+          <a:p>
+            <a:r>
+              <a:rPr lang="nb-NO" dirty="0"/>
+              <a:t>Plan of approach for acquiring digital data sets</a:t>
+            </a:r>
+          </a:p>
+          <a:p>
+            <a:r>
+              <a:rPr lang="nb-NO" dirty="0"/>
+              <a:t>Standardised &amp; structured data processing</a:t>
+            </a:r>
+          </a:p>
+          <a:p>
+            <a:r>
+              <a:rPr lang="nb-NO" dirty="0"/>
+              <a:t>Scientific notekeeping and data availability</a:t>
+            </a:r>
+          </a:p>
+          <a:p>
+            <a:endParaRPr lang="nb-NO" dirty="0"/>
+          </a:p>
+          <a:p>
+            <a:pPr marL="0" indent="0">
+              <a:buNone/>
+            </a:pPr>
+            <a:r>
+              <a:rPr lang="nb-NO" dirty="0"/>
+              <a:t>Learning outcomes:</a:t>
+            </a:r>
+          </a:p>
+          <a:p>
+            <a:r>
+              <a:rPr lang="nb-NO" dirty="0"/>
+              <a:t>Fundamental </a:t>
+            </a:r>
+            <a:r>
+              <a:rPr lang="nb-NO" dirty="0" err="1"/>
+              <a:t>understanding</a:t>
+            </a:r>
+            <a:r>
+              <a:rPr lang="nb-NO" dirty="0"/>
+              <a:t> </a:t>
+            </a:r>
+            <a:r>
+              <a:rPr lang="nb-NO" dirty="0" err="1"/>
+              <a:t>of</a:t>
+            </a:r>
+            <a:r>
+              <a:rPr lang="nb-NO" dirty="0"/>
+              <a:t> UAV </a:t>
+            </a:r>
+            <a:r>
+              <a:rPr lang="nb-NO" dirty="0" err="1"/>
+              <a:t>operations</a:t>
+            </a:r>
+            <a:r>
+              <a:rPr lang="nb-NO" dirty="0"/>
+              <a:t> in Svalbard (NEW 2025)</a:t>
+            </a:r>
+          </a:p>
+          <a:p>
+            <a:r>
+              <a:rPr lang="nb-NO" dirty="0"/>
+              <a:t>Fundamental understanding of photogrammetry, and how to </a:t>
+            </a:r>
+            <a:r>
+              <a:rPr lang="nb-NO" dirty="0" err="1"/>
+              <a:t>acquire</a:t>
+            </a:r>
+            <a:r>
+              <a:rPr lang="nb-NO" dirty="0"/>
+              <a:t> (NEW 2025) and </a:t>
+            </a:r>
+            <a:r>
+              <a:rPr lang="nb-NO" dirty="0" err="1"/>
+              <a:t>process</a:t>
+            </a:r>
+            <a:r>
+              <a:rPr lang="nb-NO" dirty="0"/>
+              <a:t> data</a:t>
+            </a:r>
+          </a:p>
+          <a:p>
+            <a:r>
+              <a:rPr lang="nb-NO" dirty="0"/>
+              <a:t>Understanding of how to apply georeferencing and spatial alignment</a:t>
+            </a:r>
+          </a:p>
+          <a:p>
+            <a:r>
+              <a:rPr lang="nb-NO" dirty="0"/>
+              <a:t>Become familiar with best-practices in data processing, including quality assessment and data validation</a:t>
+            </a:r>
+          </a:p>
+          <a:p>
+            <a:r>
+              <a:rPr lang="nb-NO" dirty="0"/>
+              <a:t>Be able to perform basic data analysis and feature interpretation</a:t>
+            </a:r>
+          </a:p>
+          <a:p>
+            <a:endParaRPr lang="nb-NO" dirty="0"/>
+          </a:p>
+          <a:p>
+            <a:endParaRPr lang="nb-NO" sz="2800" dirty="0"/>
+          </a:p>
+          <a:p>
+            <a:endParaRPr lang="nb-NO" sz="2800" dirty="0"/>
+          </a:p>
+          <a:p>
+            <a:pPr marL="0" indent="0">
+              <a:buNone/>
+            </a:pPr>
+            <a:endParaRPr lang="en-US" sz="2800" dirty="0"/>
+          </a:p>
+        </p:txBody>
+      </p:sp>
+      <p:grpSp>
+        <p:nvGrpSpPr>
+          <p:cNvPr id="11" name="Group 10">
+            <a:extLst>
+              <a:ext uri="{FF2B5EF4-FFF2-40B4-BE49-F238E27FC236}">
+                <a16:creationId xmlns:a16="http://schemas.microsoft.com/office/drawing/2014/main" id="{DB24A55C-A364-194C-98DD-B4D8B24D217C}"/>
+              </a:ext>
+            </a:extLst>
+          </p:cNvPr>
+          <p:cNvGrpSpPr/>
+          <p:nvPr/>
+        </p:nvGrpSpPr>
+        <p:grpSpPr>
+          <a:xfrm>
+            <a:off x="9704900" y="6443508"/>
+            <a:ext cx="2344684" cy="333050"/>
+            <a:chOff x="9704900" y="6443508"/>
+            <a:chExt cx="2344684" cy="333050"/>
+          </a:xfrm>
+        </p:grpSpPr>
+        <p:pic>
+          <p:nvPicPr>
+            <p:cNvPr id="12" name="Picture 2" descr="UNIS - The university centre in Svalbard">
+              <a:extLst>
+                <a:ext uri="{FF2B5EF4-FFF2-40B4-BE49-F238E27FC236}">
+                  <a16:creationId xmlns:a16="http://schemas.microsoft.com/office/drawing/2014/main" id="{FD6A8E70-9E8C-5AAA-4B81-FE19DBEFFC81}"/>
+                </a:ext>
+              </a:extLst>
+            </p:cNvPr>
+            <p:cNvPicPr>
+              <a:picLocks noChangeAspect="1" noChangeArrowheads="1"/>
+            </p:cNvPicPr>
+            <p:nvPr/>
+          </p:nvPicPr>
+          <p:blipFill>
+            <a:blip r:embed="rId2">
+              <a:extLst>
+                <a:ext uri="{28A0092B-C50C-407E-A947-70E740481C1C}">
+                  <a14:useLocalDpi xmlns:a14="http://schemas.microsoft.com/office/drawing/2010/main" val="0"/>
+                </a:ext>
+              </a:extLst>
+            </a:blip>
+            <a:srcRect/>
+            <a:stretch>
+              <a:fillRect/>
+            </a:stretch>
+          </p:blipFill>
+          <p:spPr bwMode="auto">
+            <a:xfrm>
+              <a:off x="10413848" y="6443508"/>
+              <a:ext cx="1210145" cy="326740"/>
+            </a:xfrm>
+            <a:prstGeom prst="rect">
+              <a:avLst/>
+            </a:prstGeom>
+            <a:noFill/>
+            <a:extLst>
+              <a:ext uri="{909E8E84-426E-40DD-AFC4-6F175D3DCCD1}">
+                <a14:hiddenFill xmlns:a14="http://schemas.microsoft.com/office/drawing/2010/main">
+                  <a:solidFill>
+                    <a:srgbClr val="FFFFFF"/>
+                  </a:solidFill>
+                </a14:hiddenFill>
+              </a:ext>
+            </a:extLst>
+          </p:spPr>
+        </p:pic>
+        <p:pic>
+          <p:nvPicPr>
+            <p:cNvPr id="14" name="Picture 2" descr="Site is undergoing maintenance">
+              <a:extLst>
+                <a:ext uri="{FF2B5EF4-FFF2-40B4-BE49-F238E27FC236}">
+                  <a16:creationId xmlns:a16="http://schemas.microsoft.com/office/drawing/2014/main" id="{D807380C-9CC1-946A-10C6-660978614FCA}"/>
+                </a:ext>
+              </a:extLst>
+            </p:cNvPr>
+            <p:cNvPicPr>
+              <a:picLocks noChangeAspect="1" noChangeArrowheads="1"/>
+            </p:cNvPicPr>
+            <p:nvPr/>
+          </p:nvPicPr>
+          <p:blipFill>
+            <a:blip r:embed="rId3">
+              <a:extLst>
+                <a:ext uri="{28A0092B-C50C-407E-A947-70E740481C1C}">
+                  <a14:useLocalDpi xmlns:a14="http://schemas.microsoft.com/office/drawing/2010/main" val="0"/>
+                </a:ext>
+              </a:extLst>
+            </a:blip>
+            <a:srcRect/>
+            <a:stretch>
+              <a:fillRect/>
+            </a:stretch>
+          </p:blipFill>
+          <p:spPr bwMode="auto">
+            <a:xfrm>
+              <a:off x="11766409" y="6449818"/>
+              <a:ext cx="283175" cy="326740"/>
+            </a:xfrm>
+            <a:prstGeom prst="rect">
+              <a:avLst/>
+            </a:prstGeom>
+            <a:noFill/>
+            <a:extLst>
+              <a:ext uri="{909E8E84-426E-40DD-AFC4-6F175D3DCCD1}">
+                <a14:hiddenFill xmlns:a14="http://schemas.microsoft.com/office/drawing/2010/main">
+                  <a:solidFill>
+                    <a:srgbClr val="FFFFFF"/>
+                  </a:solidFill>
+                </a14:hiddenFill>
+              </a:ext>
+            </a:extLst>
+          </p:spPr>
+        </p:pic>
+        <p:pic>
+          <p:nvPicPr>
+            <p:cNvPr id="15" name="Picture 14" descr="A black background with grey letters and a red triangle&#10;&#10;Description automatically generated">
+              <a:extLst>
+                <a:ext uri="{FF2B5EF4-FFF2-40B4-BE49-F238E27FC236}">
+                  <a16:creationId xmlns:a16="http://schemas.microsoft.com/office/drawing/2014/main" id="{E537F791-13F9-6240-CA2F-B726B1662E82}"/>
+                </a:ext>
+              </a:extLst>
+            </p:cNvPr>
+            <p:cNvPicPr>
+              <a:picLocks noChangeAspect="1"/>
+            </p:cNvPicPr>
+            <p:nvPr/>
+          </p:nvPicPr>
+          <p:blipFill>
+            <a:blip r:embed="rId4">
+              <a:extLst>
+                <a:ext uri="{28A0092B-C50C-407E-A947-70E740481C1C}">
+                  <a14:useLocalDpi xmlns:a14="http://schemas.microsoft.com/office/drawing/2010/main" val="0"/>
+                </a:ext>
+              </a:extLst>
+            </a:blip>
+            <a:stretch>
+              <a:fillRect/>
+            </a:stretch>
+          </p:blipFill>
+          <p:spPr>
+            <a:xfrm>
+              <a:off x="9704900" y="6486750"/>
+              <a:ext cx="580285" cy="270414"/>
+            </a:xfrm>
+            <a:prstGeom prst="rect">
+              <a:avLst/>
+            </a:prstGeom>
+          </p:spPr>
+        </p:pic>
+      </p:grpSp>
+    </p:spTree>
+    <p:extLst>
+      <p:ext uri="{BB962C8B-B14F-4D97-AF65-F5344CB8AC3E}">
+        <p14:creationId xmlns:p14="http://schemas.microsoft.com/office/powerpoint/2010/main" val="1402289922"/>
+      </p:ext>
+    </p:extLst>
+  </p:cSld>
+  <p:clrMapOvr>
+    <a:masterClrMapping/>
+  </p:clrMapOvr>
+</p:sld>
+</file>
+
+<file path=ppt/slides/slide7.xml><?xml version="1.0" encoding="utf-8"?>
+<p:sld xmlns:a="http://schemas.openxmlformats.org/drawingml/2006/main" xmlns:r="http://schemas.openxmlformats.org/officeDocument/2006/relationships" xmlns:p="http://schemas.openxmlformats.org/presentationml/2006/main">
+  <p:cSld>
+    <p:spTree>
+      <p:nvGrpSpPr>
+        <p:cNvPr id="1" name=""/>
+        <p:cNvGrpSpPr/>
+        <p:nvPr/>
+      </p:nvGrpSpPr>
+      <p:grpSpPr>
+        <a:xfrm>
+          <a:off x="0" y="0"/>
+          <a:ext cx="0" cy="0"/>
+          <a:chOff x="0" y="0"/>
+          <a:chExt cx="0" cy="0"/>
+        </a:xfrm>
+      </p:grpSpPr>
+      <p:sp>
+        <p:nvSpPr>
+          <p:cNvPr id="4" name="Rectangle 3">
+            <a:extLst>
+              <a:ext uri="{FF2B5EF4-FFF2-40B4-BE49-F238E27FC236}">
+                <a16:creationId xmlns:a16="http://schemas.microsoft.com/office/drawing/2014/main" id="{EF4483D5-183C-E317-4602-6E24434DC8D9}"/>
+              </a:ext>
+              <a:ext uri="{C183D7F6-B498-43B3-948B-1728B52AA6E4}">
+                <adec:decorative xmlns:adec="http://schemas.microsoft.com/office/drawing/2017/decorative" val="1"/>
+              </a:ext>
+            </a:extLst>
+          </p:cNvPr>
+          <p:cNvSpPr/>
+          <p:nvPr>
+            <p:extLst>
+              <p:ext uri="{386F3935-93C4-4BCD-93E2-E3B085C9AB24}">
+                <p16:designElem xmlns:p16="http://schemas.microsoft.com/office/powerpoint/2015/main" val="1"/>
+              </p:ext>
+            </p:extLst>
+          </p:nvPr>
+        </p:nvSpPr>
+        <p:spPr>
+          <a:xfrm>
+            <a:off x="0" y="0"/>
+            <a:ext cx="12192000" cy="6858000"/>
+          </a:xfrm>
+          <a:prstGeom prst="rect">
+            <a:avLst/>
+          </a:prstGeom>
+          <a:solidFill>
+            <a:schemeClr val="bg1"/>
+          </a:solidFill>
+          <a:ln>
+            <a:noFill/>
+          </a:ln>
+        </p:spPr>
+        <p:style>
+          <a:lnRef idx="2">
+            <a:schemeClr val="accent1">
+              <a:shade val="50000"/>
+            </a:schemeClr>
+          </a:lnRef>
+          <a:fillRef idx="1">
+            <a:schemeClr val="accent1"/>
+          </a:fillRef>
+          <a:effectRef idx="0">
+            <a:schemeClr val="accent1"/>
+          </a:effectRef>
+          <a:fontRef idx="minor">
+            <a:schemeClr val="lt1"/>
+          </a:fontRef>
+        </p:style>
+        <p:txBody>
+          <a:bodyPr rtlCol="0" anchor="ctr"/>
+          <a:lstStyle/>
+          <a:p>
+            <a:pPr algn="ctr"/>
+            <a:endParaRPr lang="en-US" dirty="0">
+              <a:latin typeface="Arial" panose="020B0604020202020204" pitchFamily="34" charset="0"/>
+            </a:endParaRPr>
+          </a:p>
+        </p:txBody>
+      </p:sp>
+      <p:sp>
+        <p:nvSpPr>
+          <p:cNvPr id="5" name="Freeform: Shape 4">
+            <a:extLst>
+              <a:ext uri="{FF2B5EF4-FFF2-40B4-BE49-F238E27FC236}">
+                <a16:creationId xmlns:a16="http://schemas.microsoft.com/office/drawing/2014/main" id="{DFE79144-A76D-F3CE-1B24-7CCE37658CFA}"/>
+              </a:ext>
+              <a:ext uri="{C183D7F6-B498-43B3-948B-1728B52AA6E4}">
+                <adec:decorative xmlns:adec="http://schemas.microsoft.com/office/drawing/2017/decorative" val="1"/>
+              </a:ext>
+            </a:extLst>
+          </p:cNvPr>
+          <p:cNvSpPr/>
+          <p:nvPr>
+            <p:extLst>
+              <p:ext uri="{386F3935-93C4-4BCD-93E2-E3B085C9AB24}">
+                <p16:designElem xmlns:p16="http://schemas.microsoft.com/office/powerpoint/2015/main" val="1"/>
+              </p:ext>
+            </p:extLst>
+          </p:nvPr>
+        </p:nvSpPr>
+        <p:spPr>
+          <a:xfrm rot="18900000" flipH="1">
+            <a:off x="-376156" y="-253670"/>
+            <a:ext cx="1827638" cy="1376989"/>
+          </a:xfrm>
+          <a:custGeom>
+            <a:avLst/>
+            <a:gdLst>
+              <a:gd name="connsiteX0" fmla="*/ 0 w 1827638"/>
+              <a:gd name="connsiteY0" fmla="*/ 987379 h 1376989"/>
+              <a:gd name="connsiteX1" fmla="*/ 987379 w 1827638"/>
+              <a:gd name="connsiteY1" fmla="*/ 0 h 1376989"/>
+              <a:gd name="connsiteX2" fmla="*/ 1827638 w 1827638"/>
+              <a:gd name="connsiteY2" fmla="*/ 840260 h 1376989"/>
+              <a:gd name="connsiteX3" fmla="*/ 1827638 w 1827638"/>
+              <a:gd name="connsiteY3" fmla="*/ 1376989 h 1376989"/>
+              <a:gd name="connsiteX4" fmla="*/ 0 w 1827638"/>
+              <a:gd name="connsiteY4" fmla="*/ 1376989 h 1376989"/>
+            </a:gdLst>
+            <a:ahLst/>
+            <a:cxnLst>
+              <a:cxn ang="0">
+                <a:pos x="connsiteX0" y="connsiteY0"/>
+              </a:cxn>
+              <a:cxn ang="0">
+                <a:pos x="connsiteX1" y="connsiteY1"/>
+              </a:cxn>
+              <a:cxn ang="0">
+                <a:pos x="connsiteX2" y="connsiteY2"/>
+              </a:cxn>
+              <a:cxn ang="0">
+                <a:pos x="connsiteX3" y="connsiteY3"/>
+              </a:cxn>
+              <a:cxn ang="0">
+                <a:pos x="connsiteX4" y="connsiteY4"/>
+              </a:cxn>
+            </a:cxnLst>
+            <a:rect l="l" t="t" r="r" b="b"/>
+            <a:pathLst>
+              <a:path w="1827638" h="1376989">
+                <a:moveTo>
+                  <a:pt x="0" y="987379"/>
+                </a:moveTo>
+                <a:lnTo>
+                  <a:pt x="987379" y="0"/>
+                </a:lnTo>
+                <a:lnTo>
+                  <a:pt x="1827638" y="840260"/>
+                </a:lnTo>
+                <a:lnTo>
+                  <a:pt x="1827638" y="1376989"/>
+                </a:lnTo>
+                <a:lnTo>
+                  <a:pt x="0" y="1376989"/>
+                </a:lnTo>
+                <a:close/>
+              </a:path>
+            </a:pathLst>
+          </a:custGeom>
+          <a:solidFill>
+            <a:schemeClr val="accent1">
+              <a:alpha val="30000"/>
+            </a:schemeClr>
+          </a:solidFill>
+          <a:ln>
+            <a:noFill/>
+          </a:ln>
+        </p:spPr>
+        <p:style>
+          <a:lnRef idx="2">
+            <a:schemeClr val="accent1">
+              <a:shade val="50000"/>
+            </a:schemeClr>
+          </a:lnRef>
+          <a:fillRef idx="1">
+            <a:schemeClr val="accent1"/>
+          </a:fillRef>
+          <a:effectRef idx="0">
+            <a:schemeClr val="accent1"/>
+          </a:effectRef>
+          <a:fontRef idx="minor">
+            <a:schemeClr val="lt1"/>
+          </a:fontRef>
+        </p:style>
+        <p:txBody>
+          <a:bodyPr rtlCol="0" anchor="ctr"/>
+          <a:lstStyle/>
+          <a:p>
+            <a:pPr algn="ctr"/>
+            <a:endParaRPr lang="en-US" dirty="0">
+              <a:latin typeface="Arial" panose="020B0604020202020204" pitchFamily="34" charset="0"/>
+            </a:endParaRPr>
+          </a:p>
+        </p:txBody>
+      </p:sp>
+      <p:sp>
+        <p:nvSpPr>
+          <p:cNvPr id="6" name="Rectangle 5">
+            <a:extLst>
+              <a:ext uri="{FF2B5EF4-FFF2-40B4-BE49-F238E27FC236}">
+                <a16:creationId xmlns:a16="http://schemas.microsoft.com/office/drawing/2014/main" id="{9FF2B546-A3AF-4C97-0CDA-90AABBCCF627}"/>
+              </a:ext>
+              <a:ext uri="{C183D7F6-B498-43B3-948B-1728B52AA6E4}">
+                <adec:decorative xmlns:adec="http://schemas.microsoft.com/office/drawing/2017/decorative" val="1"/>
+              </a:ext>
+            </a:extLst>
+          </p:cNvPr>
+          <p:cNvSpPr/>
+          <p:nvPr>
+            <p:extLst>
+              <p:ext uri="{386F3935-93C4-4BCD-93E2-E3B085C9AB24}">
+                <p16:designElem xmlns:p16="http://schemas.microsoft.com/office/powerpoint/2015/main" val="1"/>
+              </p:ext>
+            </p:extLst>
+          </p:nvPr>
+        </p:nvSpPr>
+        <p:spPr>
+          <a:xfrm rot="18900000" flipH="1">
+            <a:off x="891641" y="422146"/>
+            <a:ext cx="645368" cy="645368"/>
+          </a:xfrm>
+          <a:prstGeom prst="rect">
+            <a:avLst/>
+          </a:prstGeom>
+          <a:solidFill>
+            <a:schemeClr val="accent1">
+              <a:alpha val="30000"/>
+            </a:schemeClr>
+          </a:solidFill>
+          <a:ln>
+            <a:noFill/>
+          </a:ln>
+        </p:spPr>
+        <p:style>
+          <a:lnRef idx="2">
+            <a:schemeClr val="accent1">
+              <a:shade val="50000"/>
+            </a:schemeClr>
+          </a:lnRef>
+          <a:fillRef idx="1">
+            <a:schemeClr val="accent1"/>
+          </a:fillRef>
+          <a:effectRef idx="0">
+            <a:schemeClr val="accent1"/>
+          </a:effectRef>
+          <a:fontRef idx="minor">
+            <a:schemeClr val="lt1"/>
+          </a:fontRef>
+        </p:style>
+        <p:txBody>
+          <a:bodyPr rtlCol="0" anchor="ctr"/>
+          <a:lstStyle/>
+          <a:p>
+            <a:pPr algn="ctr"/>
+            <a:endParaRPr lang="en-US" dirty="0">
+              <a:latin typeface="Arial" panose="020B0604020202020204" pitchFamily="34" charset="0"/>
+            </a:endParaRPr>
+          </a:p>
+        </p:txBody>
+      </p:sp>
+      <p:sp>
+        <p:nvSpPr>
+          <p:cNvPr id="7" name="Rectangle 6">
+            <a:extLst>
+              <a:ext uri="{FF2B5EF4-FFF2-40B4-BE49-F238E27FC236}">
+                <a16:creationId xmlns:a16="http://schemas.microsoft.com/office/drawing/2014/main" id="{300AA31C-C6DE-73DE-7EC1-FE464C7D39FC}"/>
+              </a:ext>
+              <a:ext uri="{C183D7F6-B498-43B3-948B-1728B52AA6E4}">
+                <adec:decorative xmlns:adec="http://schemas.microsoft.com/office/drawing/2017/decorative" val="1"/>
+              </a:ext>
+            </a:extLst>
+          </p:cNvPr>
+          <p:cNvSpPr/>
+          <p:nvPr>
+            <p:extLst>
+              <p:ext uri="{386F3935-93C4-4BCD-93E2-E3B085C9AB24}">
+                <p16:designElem xmlns:p16="http://schemas.microsoft.com/office/powerpoint/2015/main" val="1"/>
+              </p:ext>
+            </p:extLst>
+          </p:nvPr>
+        </p:nvSpPr>
+        <p:spPr>
+          <a:xfrm rot="18900000" flipH="1">
+            <a:off x="10043482" y="655140"/>
+            <a:ext cx="687472" cy="687472"/>
+          </a:xfrm>
+          <a:prstGeom prst="rect">
+            <a:avLst/>
+          </a:prstGeom>
+          <a:solidFill>
+            <a:schemeClr val="accent4">
+              <a:alpha val="30000"/>
+            </a:schemeClr>
+          </a:solidFill>
+          <a:ln>
+            <a:noFill/>
+          </a:ln>
+        </p:spPr>
+        <p:style>
+          <a:lnRef idx="2">
+            <a:schemeClr val="accent1">
+              <a:shade val="50000"/>
+            </a:schemeClr>
+          </a:lnRef>
+          <a:fillRef idx="1">
+            <a:schemeClr val="accent1"/>
+          </a:fillRef>
+          <a:effectRef idx="0">
+            <a:schemeClr val="accent1"/>
+          </a:effectRef>
+          <a:fontRef idx="minor">
+            <a:schemeClr val="lt1"/>
+          </a:fontRef>
+        </p:style>
+        <p:txBody>
+          <a:bodyPr rtlCol="0" anchor="ctr"/>
+          <a:lstStyle/>
+          <a:p>
+            <a:pPr algn="ctr"/>
+            <a:endParaRPr lang="en-US" dirty="0">
+              <a:latin typeface="Arial" panose="020B0604020202020204" pitchFamily="34" charset="0"/>
+            </a:endParaRPr>
+          </a:p>
+        </p:txBody>
+      </p:sp>
+      <p:sp>
+        <p:nvSpPr>
+          <p:cNvPr id="8" name="Freeform: Shape 7">
+            <a:extLst>
+              <a:ext uri="{FF2B5EF4-FFF2-40B4-BE49-F238E27FC236}">
+                <a16:creationId xmlns:a16="http://schemas.microsoft.com/office/drawing/2014/main" id="{53611377-98E4-C64E-45A4-8C6EDE9BD5FD}"/>
+              </a:ext>
+              <a:ext uri="{C183D7F6-B498-43B3-948B-1728B52AA6E4}">
+                <adec:decorative xmlns:adec="http://schemas.microsoft.com/office/drawing/2017/decorative" val="1"/>
+              </a:ext>
+            </a:extLst>
+          </p:cNvPr>
+          <p:cNvSpPr/>
+          <p:nvPr>
+            <p:extLst>
+              <p:ext uri="{386F3935-93C4-4BCD-93E2-E3B085C9AB24}">
+                <p16:designElem xmlns:p16="http://schemas.microsoft.com/office/powerpoint/2015/main" val="1"/>
+              </p:ext>
+            </p:extLst>
+          </p:nvPr>
+        </p:nvSpPr>
+        <p:spPr>
+          <a:xfrm rot="10800000" flipH="1">
+            <a:off x="9356643" y="0"/>
+            <a:ext cx="2835357" cy="1480837"/>
+          </a:xfrm>
+          <a:custGeom>
+            <a:avLst/>
+            <a:gdLst>
+              <a:gd name="connsiteX0" fmla="*/ 2835357 w 2835357"/>
+              <a:gd name="connsiteY0" fmla="*/ 1480837 h 1480837"/>
+              <a:gd name="connsiteX1" fmla="*/ 0 w 2835357"/>
+              <a:gd name="connsiteY1" fmla="*/ 1480837 h 1480837"/>
+              <a:gd name="connsiteX2" fmla="*/ 1552727 w 2835357"/>
+              <a:gd name="connsiteY2" fmla="*/ 0 h 1480837"/>
+              <a:gd name="connsiteX3" fmla="*/ 2835357 w 2835357"/>
+              <a:gd name="connsiteY3" fmla="*/ 1223245 h 1480837"/>
+            </a:gdLst>
+            <a:ahLst/>
+            <a:cxnLst>
+              <a:cxn ang="0">
+                <a:pos x="connsiteX0" y="connsiteY0"/>
+              </a:cxn>
+              <a:cxn ang="0">
+                <a:pos x="connsiteX1" y="connsiteY1"/>
+              </a:cxn>
+              <a:cxn ang="0">
+                <a:pos x="connsiteX2" y="connsiteY2"/>
+              </a:cxn>
+              <a:cxn ang="0">
+                <a:pos x="connsiteX3" y="connsiteY3"/>
+              </a:cxn>
+            </a:cxnLst>
+            <a:rect l="l" t="t" r="r" b="b"/>
+            <a:pathLst>
+              <a:path w="2835357" h="1480837">
+                <a:moveTo>
+                  <a:pt x="2835357" y="1480837"/>
+                </a:moveTo>
+                <a:lnTo>
+                  <a:pt x="0" y="1480837"/>
+                </a:lnTo>
+                <a:lnTo>
+                  <a:pt x="1552727" y="0"/>
+                </a:lnTo>
+                <a:lnTo>
+                  <a:pt x="2835357" y="1223245"/>
+                </a:lnTo>
+                <a:close/>
+              </a:path>
+            </a:pathLst>
+          </a:custGeom>
+          <a:solidFill>
+            <a:schemeClr val="accent4">
+              <a:alpha val="30000"/>
+            </a:schemeClr>
+          </a:solidFill>
+          <a:ln>
+            <a:noFill/>
+          </a:ln>
+        </p:spPr>
+        <p:style>
+          <a:lnRef idx="2">
+            <a:schemeClr val="accent1">
+              <a:shade val="50000"/>
+            </a:schemeClr>
+          </a:lnRef>
+          <a:fillRef idx="1">
+            <a:schemeClr val="accent1"/>
+          </a:fillRef>
+          <a:effectRef idx="0">
+            <a:schemeClr val="accent1"/>
+          </a:effectRef>
+          <a:fontRef idx="minor">
+            <a:schemeClr val="lt1"/>
+          </a:fontRef>
+        </p:style>
+        <p:txBody>
+          <a:bodyPr wrap="square" rtlCol="0" anchor="ctr">
+            <a:noAutofit/>
+          </a:bodyPr>
+          <a:lstStyle/>
+          <a:p>
+            <a:pPr algn="ctr"/>
+            <a:endParaRPr lang="en-US" dirty="0">
+              <a:latin typeface="Arial" panose="020B0604020202020204" pitchFamily="34" charset="0"/>
+            </a:endParaRPr>
+          </a:p>
+        </p:txBody>
+      </p:sp>
+      <p:sp>
+        <p:nvSpPr>
+          <p:cNvPr id="9" name="Isosceles Triangle 8">
+            <a:extLst>
+              <a:ext uri="{FF2B5EF4-FFF2-40B4-BE49-F238E27FC236}">
+                <a16:creationId xmlns:a16="http://schemas.microsoft.com/office/drawing/2014/main" id="{164E112C-FA58-F234-635E-5CF8EA2511A2}"/>
+              </a:ext>
+              <a:ext uri="{C183D7F6-B498-43B3-948B-1728B52AA6E4}">
+                <adec:decorative xmlns:adec="http://schemas.microsoft.com/office/drawing/2017/decorative" val="1"/>
+              </a:ext>
+            </a:extLst>
+          </p:cNvPr>
+          <p:cNvSpPr/>
+          <p:nvPr>
+            <p:extLst>
+              <p:ext uri="{386F3935-93C4-4BCD-93E2-E3B085C9AB24}">
+                <p16:designElem xmlns:p16="http://schemas.microsoft.com/office/powerpoint/2015/main" val="1"/>
+              </p:ext>
+            </p:extLst>
+          </p:nvPr>
+        </p:nvSpPr>
+        <p:spPr>
+          <a:xfrm flipH="1">
+            <a:off x="7976344" y="6115501"/>
+            <a:ext cx="1494513" cy="742499"/>
+          </a:xfrm>
+          <a:prstGeom prst="triangle">
+            <a:avLst/>
+          </a:prstGeom>
+          <a:solidFill>
+            <a:schemeClr val="accent1">
+              <a:alpha val="30000"/>
+            </a:schemeClr>
+          </a:solidFill>
+          <a:ln>
+            <a:noFill/>
+          </a:ln>
+        </p:spPr>
+        <p:style>
+          <a:lnRef idx="2">
+            <a:schemeClr val="accent1">
+              <a:shade val="50000"/>
+            </a:schemeClr>
+          </a:lnRef>
+          <a:fillRef idx="1">
+            <a:schemeClr val="accent1"/>
+          </a:fillRef>
+          <a:effectRef idx="0">
+            <a:schemeClr val="accent1"/>
+          </a:effectRef>
+          <a:fontRef idx="minor">
+            <a:schemeClr val="lt1"/>
+          </a:fontRef>
+        </p:style>
+        <p:txBody>
+          <a:bodyPr rtlCol="0" anchor="ctr"/>
+          <a:lstStyle/>
+          <a:p>
+            <a:pPr algn="ctr"/>
+            <a:endParaRPr lang="en-US" dirty="0">
+              <a:latin typeface="Arial" panose="020B0604020202020204" pitchFamily="34" charset="0"/>
+            </a:endParaRPr>
+          </a:p>
+        </p:txBody>
+      </p:sp>
+      <p:sp>
+        <p:nvSpPr>
+          <p:cNvPr id="10" name="Isosceles Triangle 9">
+            <a:extLst>
+              <a:ext uri="{FF2B5EF4-FFF2-40B4-BE49-F238E27FC236}">
+                <a16:creationId xmlns:a16="http://schemas.microsoft.com/office/drawing/2014/main" id="{CC850582-7327-2255-77BA-0FC1C58B1129}"/>
+              </a:ext>
+              <a:ext uri="{C183D7F6-B498-43B3-948B-1728B52AA6E4}">
+                <adec:decorative xmlns:adec="http://schemas.microsoft.com/office/drawing/2017/decorative" val="1"/>
+              </a:ext>
+            </a:extLst>
+          </p:cNvPr>
+          <p:cNvSpPr/>
+          <p:nvPr>
+            <p:extLst>
+              <p:ext uri="{386F3935-93C4-4BCD-93E2-E3B085C9AB24}">
+                <p16:designElem xmlns:p16="http://schemas.microsoft.com/office/powerpoint/2015/main" val="1"/>
+              </p:ext>
+            </p:extLst>
+          </p:nvPr>
+        </p:nvSpPr>
+        <p:spPr>
+          <a:xfrm flipH="1">
+            <a:off x="7604080" y="6453143"/>
+            <a:ext cx="814903" cy="404857"/>
+          </a:xfrm>
+          <a:prstGeom prst="triangle">
+            <a:avLst/>
+          </a:prstGeom>
+          <a:solidFill>
+            <a:schemeClr val="accent1">
+              <a:alpha val="30000"/>
+            </a:schemeClr>
+          </a:solidFill>
+          <a:ln>
+            <a:noFill/>
+          </a:ln>
+        </p:spPr>
+        <p:style>
+          <a:lnRef idx="2">
+            <a:schemeClr val="accent1">
+              <a:shade val="50000"/>
+            </a:schemeClr>
+          </a:lnRef>
+          <a:fillRef idx="1">
+            <a:schemeClr val="accent1"/>
+          </a:fillRef>
+          <a:effectRef idx="0">
+            <a:schemeClr val="accent1"/>
+          </a:effectRef>
+          <a:fontRef idx="minor">
+            <a:schemeClr val="lt1"/>
+          </a:fontRef>
+        </p:style>
+        <p:txBody>
+          <a:bodyPr rtlCol="0" anchor="ctr"/>
+          <a:lstStyle/>
+          <a:p>
+            <a:pPr algn="ctr"/>
+            <a:endParaRPr lang="en-US" dirty="0">
+              <a:latin typeface="Arial" panose="020B0604020202020204" pitchFamily="34" charset="0"/>
+            </a:endParaRPr>
+          </a:p>
+        </p:txBody>
+      </p:sp>
+      <p:sp>
+        <p:nvSpPr>
+          <p:cNvPr id="13" name="Subtitle 2">
+            <a:extLst>
+              <a:ext uri="{FF2B5EF4-FFF2-40B4-BE49-F238E27FC236}">
+                <a16:creationId xmlns:a16="http://schemas.microsoft.com/office/drawing/2014/main" id="{560260DA-12BE-6B6F-5524-C9D48504680C}"/>
+              </a:ext>
+            </a:extLst>
+          </p:cNvPr>
+          <p:cNvSpPr txBox="1">
+            <a:spLocks/>
+          </p:cNvSpPr>
+          <p:nvPr/>
+        </p:nvSpPr>
+        <p:spPr>
+          <a:xfrm>
+            <a:off x="477980" y="4872922"/>
+            <a:ext cx="4429300" cy="1591885"/>
+          </a:xfrm>
+          <a:prstGeom prst="rect">
+            <a:avLst/>
+          </a:prstGeom>
+        </p:spPr>
+        <p:txBody>
+          <a:bodyPr vert="horz" lIns="91440" tIns="45720" rIns="91440" bIns="45720" rtlCol="0">
+            <a:normAutofit/>
+          </a:bodyPr>
+          <a:lstStyle>
+            <a:lvl1pPr marL="228600" indent="-228600" algn="l" defTabSz="914400" rtl="0" eaLnBrk="1" latinLnBrk="0" hangingPunct="1">
+              <a:lnSpc>
+                <a:spcPct val="90000"/>
+              </a:lnSpc>
+              <a:spcBef>
+                <a:spcPts val="1000"/>
+              </a:spcBef>
+              <a:buFont typeface="Arial" panose="020B0604020202020204" pitchFamily="34" charset="0"/>
+              <a:buChar char="•"/>
+              <a:defRPr sz="2800" kern="1200">
+                <a:solidFill>
+                  <a:schemeClr val="tx1"/>
+                </a:solidFill>
+                <a:latin typeface="+mn-lt"/>
+                <a:ea typeface="+mn-ea"/>
+                <a:cs typeface="+mn-cs"/>
+              </a:defRPr>
+            </a:lvl1pPr>
+            <a:lvl2pPr marL="685800" indent="-228600" algn="l" defTabSz="914400" rtl="0" eaLnBrk="1" latinLnBrk="0" hangingPunct="1">
+              <a:lnSpc>
+                <a:spcPct val="90000"/>
+              </a:lnSpc>
+              <a:spcBef>
+                <a:spcPts val="500"/>
+              </a:spcBef>
+              <a:buFont typeface="Arial" panose="020B0604020202020204" pitchFamily="34" charset="0"/>
+              <a:buChar char="•"/>
+              <a:defRPr sz="2400" kern="1200">
+                <a:solidFill>
+                  <a:schemeClr val="tx1"/>
+                </a:solidFill>
+                <a:latin typeface="+mn-lt"/>
+                <a:ea typeface="+mn-ea"/>
+                <a:cs typeface="+mn-cs"/>
+              </a:defRPr>
+            </a:lvl2pPr>
+            <a:lvl3pPr marL="1143000" indent="-228600" algn="l" defTabSz="914400" rtl="0" eaLnBrk="1" latinLnBrk="0" hangingPunct="1">
+              <a:lnSpc>
+                <a:spcPct val="90000"/>
+              </a:lnSpc>
+              <a:spcBef>
+                <a:spcPts val="500"/>
+              </a:spcBef>
+              <a:buFont typeface="Arial" panose="020B0604020202020204" pitchFamily="34" charset="0"/>
+              <a:buChar char="•"/>
+              <a:defRPr sz="2000" kern="1200">
+                <a:solidFill>
+                  <a:schemeClr val="tx1"/>
+                </a:solidFill>
+                <a:latin typeface="+mn-lt"/>
+                <a:ea typeface="+mn-ea"/>
+                <a:cs typeface="+mn-cs"/>
+              </a:defRPr>
+            </a:lvl3pPr>
+            <a:lvl4pPr marL="1600200" indent="-228600" algn="l" defTabSz="914400" rtl="0" eaLnBrk="1" latinLnBrk="0" hangingPunct="1">
+              <a:lnSpc>
+                <a:spcPct val="90000"/>
+              </a:lnSpc>
+              <a:spcBef>
+                <a:spcPts val="500"/>
+              </a:spcBef>
+              <a:buFont typeface="Arial" panose="020B0604020202020204" pitchFamily="34" charset="0"/>
+              <a:buChar char="•"/>
+              <a:defRPr sz="1800" kern="1200">
+                <a:solidFill>
+                  <a:schemeClr val="tx1"/>
+                </a:solidFill>
+                <a:latin typeface="+mn-lt"/>
+                <a:ea typeface="+mn-ea"/>
+                <a:cs typeface="+mn-cs"/>
+              </a:defRPr>
+            </a:lvl4pPr>
+            <a:lvl5pPr marL="2057400" indent="-228600" algn="l" defTabSz="914400" rtl="0" eaLnBrk="1" latinLnBrk="0" hangingPunct="1">
+              <a:lnSpc>
+                <a:spcPct val="90000"/>
+              </a:lnSpc>
+              <a:spcBef>
+                <a:spcPts val="500"/>
+              </a:spcBef>
+              <a:buFont typeface="Arial" panose="020B0604020202020204" pitchFamily="34" charset="0"/>
+              <a:buChar char="•"/>
+              <a:defRPr sz="1800" kern="1200">
+                <a:solidFill>
+                  <a:schemeClr val="tx1"/>
+                </a:solidFill>
+                <a:latin typeface="+mn-lt"/>
+                <a:ea typeface="+mn-ea"/>
+                <a:cs typeface="+mn-cs"/>
+              </a:defRPr>
+            </a:lvl5pPr>
+            <a:lvl6pPr marL="2514600" indent="-228600" algn="l" defTabSz="914400" rtl="0" eaLnBrk="1" latinLnBrk="0" hangingPunct="1">
+              <a:lnSpc>
+                <a:spcPct val="90000"/>
+              </a:lnSpc>
+              <a:spcBef>
+                <a:spcPts val="500"/>
+              </a:spcBef>
+              <a:buFont typeface="Arial" panose="020B0604020202020204" pitchFamily="34" charset="0"/>
+              <a:buChar char="•"/>
+              <a:defRPr sz="1800" kern="1200">
+                <a:solidFill>
+                  <a:schemeClr val="tx1"/>
+                </a:solidFill>
+                <a:latin typeface="+mn-lt"/>
+                <a:ea typeface="+mn-ea"/>
+                <a:cs typeface="+mn-cs"/>
+              </a:defRPr>
+            </a:lvl6pPr>
+            <a:lvl7pPr marL="2971800" indent="-228600" algn="l" defTabSz="914400" rtl="0" eaLnBrk="1" latinLnBrk="0" hangingPunct="1">
+              <a:lnSpc>
+                <a:spcPct val="90000"/>
+              </a:lnSpc>
+              <a:spcBef>
+                <a:spcPts val="500"/>
+              </a:spcBef>
+              <a:buFont typeface="Arial" panose="020B0604020202020204" pitchFamily="34" charset="0"/>
+              <a:buChar char="•"/>
+              <a:defRPr sz="1800" kern="1200">
+                <a:solidFill>
+                  <a:schemeClr val="tx1"/>
+                </a:solidFill>
+                <a:latin typeface="+mn-lt"/>
+                <a:ea typeface="+mn-ea"/>
+                <a:cs typeface="+mn-cs"/>
+              </a:defRPr>
+            </a:lvl7pPr>
+            <a:lvl8pPr marL="3429000" indent="-228600" algn="l" defTabSz="914400" rtl="0" eaLnBrk="1" latinLnBrk="0" hangingPunct="1">
+              <a:lnSpc>
+                <a:spcPct val="90000"/>
+              </a:lnSpc>
+              <a:spcBef>
+                <a:spcPts val="500"/>
+              </a:spcBef>
+              <a:buFont typeface="Arial" panose="020B0604020202020204" pitchFamily="34" charset="0"/>
+              <a:buChar char="•"/>
+              <a:defRPr sz="1800" kern="1200">
+                <a:solidFill>
+                  <a:schemeClr val="tx1"/>
+                </a:solidFill>
+                <a:latin typeface="+mn-lt"/>
+                <a:ea typeface="+mn-ea"/>
+                <a:cs typeface="+mn-cs"/>
+              </a:defRPr>
+            </a:lvl8pPr>
+            <a:lvl9pPr marL="3886200" indent="-228600" algn="l" defTabSz="914400" rtl="0" eaLnBrk="1" latinLnBrk="0" hangingPunct="1">
+              <a:lnSpc>
+                <a:spcPct val="90000"/>
+              </a:lnSpc>
+              <a:spcBef>
+                <a:spcPts val="500"/>
+              </a:spcBef>
+              <a:buFont typeface="Arial" panose="020B0604020202020204" pitchFamily="34" charset="0"/>
+              <a:buChar char="•"/>
+              <a:defRPr sz="1800" kern="1200">
+                <a:solidFill>
+                  <a:schemeClr val="tx1"/>
+                </a:solidFill>
+                <a:latin typeface="+mn-lt"/>
+                <a:ea typeface="+mn-ea"/>
+                <a:cs typeface="+mn-cs"/>
+              </a:defRPr>
+            </a:lvl9pPr>
+          </a:lstStyle>
+          <a:p>
+            <a:pPr marL="0" indent="0">
+              <a:buNone/>
+            </a:pPr>
+            <a:endParaRPr lang="en-US" dirty="0">
+              <a:latin typeface="Arial" panose="020B0604020202020204" pitchFamily="34" charset="0"/>
+            </a:endParaRPr>
+          </a:p>
+        </p:txBody>
+      </p:sp>
+      <p:sp>
+        <p:nvSpPr>
+          <p:cNvPr id="2" name="Title 1">
+            <a:extLst>
+              <a:ext uri="{FF2B5EF4-FFF2-40B4-BE49-F238E27FC236}">
+                <a16:creationId xmlns:a16="http://schemas.microsoft.com/office/drawing/2014/main" id="{044D5C86-6C13-B385-18EB-CE82554A07BC}"/>
+              </a:ext>
+            </a:extLst>
+          </p:cNvPr>
+          <p:cNvSpPr>
+            <a:spLocks noGrp="1"/>
+          </p:cNvSpPr>
+          <p:nvPr>
+            <p:ph type="title"/>
+          </p:nvPr>
+        </p:nvSpPr>
+        <p:spPr>
+          <a:xfrm>
+            <a:off x="1676400" y="-7563"/>
+            <a:ext cx="10515600" cy="1325563"/>
+          </a:xfrm>
+        </p:spPr>
+        <p:txBody>
+          <a:bodyPr>
+            <a:normAutofit/>
+          </a:bodyPr>
+          <a:lstStyle/>
+          <a:p>
+            <a:r>
+              <a:rPr lang="nb-NO" sz="3600" dirty="0"/>
+              <a:t>Geo-SfM platform: Github?</a:t>
+            </a:r>
+            <a:endParaRPr lang="en-US" sz="3600" dirty="0"/>
+          </a:p>
+        </p:txBody>
+      </p:sp>
+      <p:sp>
+        <p:nvSpPr>
+          <p:cNvPr id="3" name="Content Placeholder 2">
+            <a:extLst>
+              <a:ext uri="{FF2B5EF4-FFF2-40B4-BE49-F238E27FC236}">
+                <a16:creationId xmlns:a16="http://schemas.microsoft.com/office/drawing/2014/main" id="{2D0EA7A2-E4A5-2799-2A25-121BD1FEE728}"/>
+              </a:ext>
+            </a:extLst>
+          </p:cNvPr>
+          <p:cNvSpPr>
+            <a:spLocks noGrp="1"/>
+          </p:cNvSpPr>
+          <p:nvPr>
+            <p:ph idx="1"/>
+          </p:nvPr>
+        </p:nvSpPr>
+        <p:spPr>
+          <a:xfrm>
+            <a:off x="838199" y="1825625"/>
+            <a:ext cx="10785793" cy="4351338"/>
+          </a:xfrm>
+        </p:spPr>
+        <p:txBody>
+          <a:bodyPr>
+            <a:normAutofit/>
+          </a:bodyPr>
+          <a:lstStyle/>
+          <a:p>
+            <a:endParaRPr lang="nb-NO" dirty="0"/>
+          </a:p>
+          <a:p>
+            <a:endParaRPr lang="nb-NO" sz="2800" dirty="0"/>
+          </a:p>
+          <a:p>
+            <a:endParaRPr lang="nb-NO" sz="2800" dirty="0"/>
+          </a:p>
+          <a:p>
+            <a:pPr marL="0" indent="0">
+              <a:buNone/>
+            </a:pPr>
+            <a:endParaRPr lang="en-US" sz="2800" dirty="0"/>
+          </a:p>
+        </p:txBody>
+      </p:sp>
+      <p:grpSp>
+        <p:nvGrpSpPr>
+          <p:cNvPr id="11" name="Group 10">
+            <a:extLst>
+              <a:ext uri="{FF2B5EF4-FFF2-40B4-BE49-F238E27FC236}">
+                <a16:creationId xmlns:a16="http://schemas.microsoft.com/office/drawing/2014/main" id="{39FA12A0-93EB-9667-D138-6CFEC34513E7}"/>
+              </a:ext>
+            </a:extLst>
+          </p:cNvPr>
+          <p:cNvGrpSpPr/>
+          <p:nvPr/>
+        </p:nvGrpSpPr>
+        <p:grpSpPr>
+          <a:xfrm>
+            <a:off x="9704900" y="6443508"/>
+            <a:ext cx="2344684" cy="333050"/>
+            <a:chOff x="9704900" y="6443508"/>
+            <a:chExt cx="2344684" cy="333050"/>
+          </a:xfrm>
+        </p:grpSpPr>
+        <p:pic>
+          <p:nvPicPr>
+            <p:cNvPr id="12" name="Picture 2" descr="UNIS - The university centre in Svalbard">
+              <a:extLst>
+                <a:ext uri="{FF2B5EF4-FFF2-40B4-BE49-F238E27FC236}">
+                  <a16:creationId xmlns:a16="http://schemas.microsoft.com/office/drawing/2014/main" id="{B13E6562-7F10-94CA-EB1A-BE7B895B4843}"/>
+                </a:ext>
+              </a:extLst>
+            </p:cNvPr>
+            <p:cNvPicPr>
+              <a:picLocks noChangeAspect="1" noChangeArrowheads="1"/>
+            </p:cNvPicPr>
+            <p:nvPr/>
+          </p:nvPicPr>
+          <p:blipFill>
+            <a:blip r:embed="rId2">
+              <a:extLst>
+                <a:ext uri="{28A0092B-C50C-407E-A947-70E740481C1C}">
+                  <a14:useLocalDpi xmlns:a14="http://schemas.microsoft.com/office/drawing/2010/main" val="0"/>
+                </a:ext>
+              </a:extLst>
+            </a:blip>
+            <a:srcRect/>
+            <a:stretch>
+              <a:fillRect/>
+            </a:stretch>
+          </p:blipFill>
+          <p:spPr bwMode="auto">
+            <a:xfrm>
+              <a:off x="10413848" y="6443508"/>
+              <a:ext cx="1210145" cy="326740"/>
+            </a:xfrm>
+            <a:prstGeom prst="rect">
+              <a:avLst/>
+            </a:prstGeom>
+            <a:noFill/>
+            <a:extLst>
+              <a:ext uri="{909E8E84-426E-40DD-AFC4-6F175D3DCCD1}">
+                <a14:hiddenFill xmlns:a14="http://schemas.microsoft.com/office/drawing/2010/main">
+                  <a:solidFill>
+                    <a:srgbClr val="FFFFFF"/>
+                  </a:solidFill>
+                </a14:hiddenFill>
+              </a:ext>
+            </a:extLst>
+          </p:spPr>
+        </p:pic>
+        <p:pic>
+          <p:nvPicPr>
+            <p:cNvPr id="14" name="Picture 2" descr="Site is undergoing maintenance">
+              <a:extLst>
+                <a:ext uri="{FF2B5EF4-FFF2-40B4-BE49-F238E27FC236}">
+                  <a16:creationId xmlns:a16="http://schemas.microsoft.com/office/drawing/2014/main" id="{7FC20674-0AD5-99AE-09FA-EE5597A739AC}"/>
+                </a:ext>
+              </a:extLst>
+            </p:cNvPr>
+            <p:cNvPicPr>
+              <a:picLocks noChangeAspect="1" noChangeArrowheads="1"/>
+            </p:cNvPicPr>
+            <p:nvPr/>
+          </p:nvPicPr>
+          <p:blipFill>
+            <a:blip r:embed="rId3">
+              <a:extLst>
+                <a:ext uri="{28A0092B-C50C-407E-A947-70E740481C1C}">
+                  <a14:useLocalDpi xmlns:a14="http://schemas.microsoft.com/office/drawing/2010/main" val="0"/>
+                </a:ext>
+              </a:extLst>
+            </a:blip>
+            <a:srcRect/>
+            <a:stretch>
+              <a:fillRect/>
+            </a:stretch>
+          </p:blipFill>
+          <p:spPr bwMode="auto">
+            <a:xfrm>
+              <a:off x="11766409" y="6449818"/>
+              <a:ext cx="283175" cy="326740"/>
+            </a:xfrm>
+            <a:prstGeom prst="rect">
+              <a:avLst/>
+            </a:prstGeom>
+            <a:noFill/>
+            <a:extLst>
+              <a:ext uri="{909E8E84-426E-40DD-AFC4-6F175D3DCCD1}">
+                <a14:hiddenFill xmlns:a14="http://schemas.microsoft.com/office/drawing/2010/main">
+                  <a:solidFill>
+                    <a:srgbClr val="FFFFFF"/>
+                  </a:solidFill>
+                </a14:hiddenFill>
+              </a:ext>
+            </a:extLst>
+          </p:spPr>
+        </p:pic>
+        <p:pic>
+          <p:nvPicPr>
+            <p:cNvPr id="15" name="Picture 14" descr="A black background with grey letters and a red triangle&#10;&#10;Description automatically generated">
+              <a:extLst>
+                <a:ext uri="{FF2B5EF4-FFF2-40B4-BE49-F238E27FC236}">
+                  <a16:creationId xmlns:a16="http://schemas.microsoft.com/office/drawing/2014/main" id="{E4AE02E2-BA0E-2721-3873-1FDD65148C13}"/>
+                </a:ext>
+              </a:extLst>
+            </p:cNvPr>
+            <p:cNvPicPr>
+              <a:picLocks noChangeAspect="1"/>
+            </p:cNvPicPr>
+            <p:nvPr/>
+          </p:nvPicPr>
+          <p:blipFill>
+            <a:blip r:embed="rId4">
+              <a:extLst>
+                <a:ext uri="{28A0092B-C50C-407E-A947-70E740481C1C}">
+                  <a14:useLocalDpi xmlns:a14="http://schemas.microsoft.com/office/drawing/2010/main" val="0"/>
+                </a:ext>
+              </a:extLst>
+            </a:blip>
+            <a:stretch>
+              <a:fillRect/>
+            </a:stretch>
+          </p:blipFill>
+          <p:spPr>
+            <a:xfrm>
+              <a:off x="9704900" y="6486750"/>
+              <a:ext cx="580285" cy="270414"/>
+            </a:xfrm>
+            <a:prstGeom prst="rect">
+              <a:avLst/>
+            </a:prstGeom>
+          </p:spPr>
+        </p:pic>
+      </p:grpSp>
+    </p:spTree>
+    <p:extLst>
+      <p:ext uri="{BB962C8B-B14F-4D97-AF65-F5344CB8AC3E}">
+        <p14:creationId xmlns:p14="http://schemas.microsoft.com/office/powerpoint/2010/main" val="3180695537"/>
+      </p:ext>
+    </p:extLst>
+  </p:cSld>
+  <p:clrMapOvr>
+    <a:masterClrMapping/>
+  </p:clrMapOvr>
+</p:sld>
+</file>
+
+<file path=ppt/slides/slide8.xml><?xml version="1.0" encoding="utf-8"?>
+<p:sld xmlns:a="http://schemas.openxmlformats.org/drawingml/2006/main" xmlns:r="http://schemas.openxmlformats.org/officeDocument/2006/relationships" xmlns:p="http://schemas.openxmlformats.org/presentationml/2006/main">
+  <p:cSld>
+    <p:spTree>
+      <p:nvGrpSpPr>
+        <p:cNvPr id="1" name=""/>
+        <p:cNvGrpSpPr/>
+        <p:nvPr/>
+      </p:nvGrpSpPr>
+      <p:grpSpPr>
+        <a:xfrm>
+          <a:off x="0" y="0"/>
+          <a:ext cx="0" cy="0"/>
+          <a:chOff x="0" y="0"/>
+          <a:chExt cx="0" cy="0"/>
+        </a:xfrm>
+      </p:grpSpPr>
+      <p:sp>
+        <p:nvSpPr>
+          <p:cNvPr id="4" name="Rectangle 3">
+            <a:extLst>
+              <a:ext uri="{FF2B5EF4-FFF2-40B4-BE49-F238E27FC236}">
+                <a16:creationId xmlns:a16="http://schemas.microsoft.com/office/drawing/2014/main" id="{EF4483D5-183C-E317-4602-6E24434DC8D9}"/>
+              </a:ext>
+              <a:ext uri="{C183D7F6-B498-43B3-948B-1728B52AA6E4}">
+                <adec:decorative xmlns:adec="http://schemas.microsoft.com/office/drawing/2017/decorative" val="1"/>
+              </a:ext>
+            </a:extLst>
+          </p:cNvPr>
+          <p:cNvSpPr/>
+          <p:nvPr>
+            <p:extLst>
+              <p:ext uri="{386F3935-93C4-4BCD-93E2-E3B085C9AB24}">
+                <p16:designElem xmlns:p16="http://schemas.microsoft.com/office/powerpoint/2015/main" val="1"/>
+              </p:ext>
+            </p:extLst>
+          </p:nvPr>
+        </p:nvSpPr>
+        <p:spPr>
+          <a:xfrm>
+            <a:off x="0" y="0"/>
+            <a:ext cx="12192000" cy="6858000"/>
+          </a:xfrm>
+          <a:prstGeom prst="rect">
+            <a:avLst/>
+          </a:prstGeom>
+          <a:solidFill>
+            <a:schemeClr val="bg1"/>
+          </a:solidFill>
+          <a:ln>
+            <a:noFill/>
+          </a:ln>
+        </p:spPr>
+        <p:style>
+          <a:lnRef idx="2">
+            <a:schemeClr val="accent1">
+              <a:shade val="50000"/>
+            </a:schemeClr>
+          </a:lnRef>
+          <a:fillRef idx="1">
+            <a:schemeClr val="accent1"/>
+          </a:fillRef>
+          <a:effectRef idx="0">
+            <a:schemeClr val="accent1"/>
+          </a:effectRef>
+          <a:fontRef idx="minor">
+            <a:schemeClr val="lt1"/>
+          </a:fontRef>
+        </p:style>
+        <p:txBody>
+          <a:bodyPr rtlCol="0" anchor="ctr"/>
+          <a:lstStyle/>
+          <a:p>
+            <a:pPr algn="ctr"/>
+            <a:endParaRPr lang="en-US" dirty="0">
+              <a:latin typeface="Arial" panose="020B0604020202020204" pitchFamily="34" charset="0"/>
+            </a:endParaRPr>
+          </a:p>
+        </p:txBody>
+      </p:sp>
+      <p:sp>
+        <p:nvSpPr>
+          <p:cNvPr id="5" name="Freeform: Shape 4">
+            <a:extLst>
+              <a:ext uri="{FF2B5EF4-FFF2-40B4-BE49-F238E27FC236}">
+                <a16:creationId xmlns:a16="http://schemas.microsoft.com/office/drawing/2014/main" id="{DFE79144-A76D-F3CE-1B24-7CCE37658CFA}"/>
+              </a:ext>
+              <a:ext uri="{C183D7F6-B498-43B3-948B-1728B52AA6E4}">
+                <adec:decorative xmlns:adec="http://schemas.microsoft.com/office/drawing/2017/decorative" val="1"/>
+              </a:ext>
+            </a:extLst>
+          </p:cNvPr>
+          <p:cNvSpPr/>
+          <p:nvPr>
+            <p:extLst>
+              <p:ext uri="{386F3935-93C4-4BCD-93E2-E3B085C9AB24}">
+                <p16:designElem xmlns:p16="http://schemas.microsoft.com/office/powerpoint/2015/main" val="1"/>
+              </p:ext>
+            </p:extLst>
+          </p:nvPr>
+        </p:nvSpPr>
+        <p:spPr>
+          <a:xfrm rot="18900000" flipH="1">
+            <a:off x="-376156" y="-253670"/>
+            <a:ext cx="1827638" cy="1376989"/>
+          </a:xfrm>
+          <a:custGeom>
+            <a:avLst/>
+            <a:gdLst>
+              <a:gd name="connsiteX0" fmla="*/ 0 w 1827638"/>
+              <a:gd name="connsiteY0" fmla="*/ 987379 h 1376989"/>
+              <a:gd name="connsiteX1" fmla="*/ 987379 w 1827638"/>
+              <a:gd name="connsiteY1" fmla="*/ 0 h 1376989"/>
+              <a:gd name="connsiteX2" fmla="*/ 1827638 w 1827638"/>
+              <a:gd name="connsiteY2" fmla="*/ 840260 h 1376989"/>
+              <a:gd name="connsiteX3" fmla="*/ 1827638 w 1827638"/>
+              <a:gd name="connsiteY3" fmla="*/ 1376989 h 1376989"/>
+              <a:gd name="connsiteX4" fmla="*/ 0 w 1827638"/>
+              <a:gd name="connsiteY4" fmla="*/ 1376989 h 1376989"/>
+            </a:gdLst>
+            <a:ahLst/>
+            <a:cxnLst>
+              <a:cxn ang="0">
+                <a:pos x="connsiteX0" y="connsiteY0"/>
+              </a:cxn>
+              <a:cxn ang="0">
+                <a:pos x="connsiteX1" y="connsiteY1"/>
+              </a:cxn>
+              <a:cxn ang="0">
+                <a:pos x="connsiteX2" y="connsiteY2"/>
+              </a:cxn>
+              <a:cxn ang="0">
+                <a:pos x="connsiteX3" y="connsiteY3"/>
+              </a:cxn>
+              <a:cxn ang="0">
+                <a:pos x="connsiteX4" y="connsiteY4"/>
+              </a:cxn>
+            </a:cxnLst>
+            <a:rect l="l" t="t" r="r" b="b"/>
+            <a:pathLst>
+              <a:path w="1827638" h="1376989">
+                <a:moveTo>
+                  <a:pt x="0" y="987379"/>
+                </a:moveTo>
+                <a:lnTo>
+                  <a:pt x="987379" y="0"/>
+                </a:lnTo>
+                <a:lnTo>
+                  <a:pt x="1827638" y="840260"/>
+                </a:lnTo>
+                <a:lnTo>
+                  <a:pt x="1827638" y="1376989"/>
+                </a:lnTo>
+                <a:lnTo>
+                  <a:pt x="0" y="1376989"/>
+                </a:lnTo>
+                <a:close/>
+              </a:path>
+            </a:pathLst>
+          </a:custGeom>
+          <a:solidFill>
+            <a:schemeClr val="accent1">
+              <a:alpha val="30000"/>
+            </a:schemeClr>
+          </a:solidFill>
+          <a:ln>
+            <a:noFill/>
+          </a:ln>
+        </p:spPr>
+        <p:style>
+          <a:lnRef idx="2">
+            <a:schemeClr val="accent1">
+              <a:shade val="50000"/>
+            </a:schemeClr>
+          </a:lnRef>
+          <a:fillRef idx="1">
+            <a:schemeClr val="accent1"/>
+          </a:fillRef>
+          <a:effectRef idx="0">
+            <a:schemeClr val="accent1"/>
+          </a:effectRef>
+          <a:fontRef idx="minor">
+            <a:schemeClr val="lt1"/>
+          </a:fontRef>
+        </p:style>
+        <p:txBody>
+          <a:bodyPr rtlCol="0" anchor="ctr"/>
+          <a:lstStyle/>
+          <a:p>
+            <a:pPr algn="ctr"/>
+            <a:endParaRPr lang="en-US" dirty="0">
+              <a:latin typeface="Arial" panose="020B0604020202020204" pitchFamily="34" charset="0"/>
+            </a:endParaRPr>
+          </a:p>
+        </p:txBody>
+      </p:sp>
+      <p:sp>
+        <p:nvSpPr>
+          <p:cNvPr id="6" name="Rectangle 5">
+            <a:extLst>
+              <a:ext uri="{FF2B5EF4-FFF2-40B4-BE49-F238E27FC236}">
+                <a16:creationId xmlns:a16="http://schemas.microsoft.com/office/drawing/2014/main" id="{9FF2B546-A3AF-4C97-0CDA-90AABBCCF627}"/>
+              </a:ext>
+              <a:ext uri="{C183D7F6-B498-43B3-948B-1728B52AA6E4}">
+                <adec:decorative xmlns:adec="http://schemas.microsoft.com/office/drawing/2017/decorative" val="1"/>
+              </a:ext>
+            </a:extLst>
+          </p:cNvPr>
+          <p:cNvSpPr/>
+          <p:nvPr>
+            <p:extLst>
+              <p:ext uri="{386F3935-93C4-4BCD-93E2-E3B085C9AB24}">
+                <p16:designElem xmlns:p16="http://schemas.microsoft.com/office/powerpoint/2015/main" val="1"/>
+              </p:ext>
+            </p:extLst>
+          </p:nvPr>
+        </p:nvSpPr>
+        <p:spPr>
+          <a:xfrm rot="18900000" flipH="1">
+            <a:off x="891641" y="422146"/>
+            <a:ext cx="645368" cy="645368"/>
+          </a:xfrm>
+          <a:prstGeom prst="rect">
+            <a:avLst/>
+          </a:prstGeom>
+          <a:solidFill>
+            <a:schemeClr val="accent1">
+              <a:alpha val="30000"/>
+            </a:schemeClr>
+          </a:solidFill>
+          <a:ln>
+            <a:noFill/>
+          </a:ln>
+        </p:spPr>
+        <p:style>
+          <a:lnRef idx="2">
+            <a:schemeClr val="accent1">
+              <a:shade val="50000"/>
+            </a:schemeClr>
+          </a:lnRef>
+          <a:fillRef idx="1">
+            <a:schemeClr val="accent1"/>
+          </a:fillRef>
+          <a:effectRef idx="0">
+            <a:schemeClr val="accent1"/>
+          </a:effectRef>
+          <a:fontRef idx="minor">
+            <a:schemeClr val="lt1"/>
+          </a:fontRef>
+        </p:style>
+        <p:txBody>
+          <a:bodyPr rtlCol="0" anchor="ctr"/>
+          <a:lstStyle/>
+          <a:p>
+            <a:pPr algn="ctr"/>
+            <a:endParaRPr lang="en-US" dirty="0">
+              <a:latin typeface="Arial" panose="020B0604020202020204" pitchFamily="34" charset="0"/>
+            </a:endParaRPr>
+          </a:p>
+        </p:txBody>
+      </p:sp>
+      <p:sp>
+        <p:nvSpPr>
+          <p:cNvPr id="7" name="Rectangle 6">
+            <a:extLst>
+              <a:ext uri="{FF2B5EF4-FFF2-40B4-BE49-F238E27FC236}">
+                <a16:creationId xmlns:a16="http://schemas.microsoft.com/office/drawing/2014/main" id="{300AA31C-C6DE-73DE-7EC1-FE464C7D39FC}"/>
+              </a:ext>
+              <a:ext uri="{C183D7F6-B498-43B3-948B-1728B52AA6E4}">
+                <adec:decorative xmlns:adec="http://schemas.microsoft.com/office/drawing/2017/decorative" val="1"/>
+              </a:ext>
+            </a:extLst>
+          </p:cNvPr>
+          <p:cNvSpPr/>
+          <p:nvPr>
+            <p:extLst>
+              <p:ext uri="{386F3935-93C4-4BCD-93E2-E3B085C9AB24}">
+                <p16:designElem xmlns:p16="http://schemas.microsoft.com/office/powerpoint/2015/main" val="1"/>
+              </p:ext>
+            </p:extLst>
+          </p:nvPr>
+        </p:nvSpPr>
+        <p:spPr>
+          <a:xfrm rot="18900000" flipH="1">
+            <a:off x="10043482" y="655140"/>
+            <a:ext cx="687472" cy="687472"/>
+          </a:xfrm>
+          <a:prstGeom prst="rect">
+            <a:avLst/>
+          </a:prstGeom>
+          <a:solidFill>
+            <a:schemeClr val="accent4">
+              <a:alpha val="30000"/>
+            </a:schemeClr>
+          </a:solidFill>
+          <a:ln>
+            <a:noFill/>
+          </a:ln>
+        </p:spPr>
+        <p:style>
+          <a:lnRef idx="2">
+            <a:schemeClr val="accent1">
+              <a:shade val="50000"/>
+            </a:schemeClr>
+          </a:lnRef>
+          <a:fillRef idx="1">
+            <a:schemeClr val="accent1"/>
+          </a:fillRef>
+          <a:effectRef idx="0">
+            <a:schemeClr val="accent1"/>
+          </a:effectRef>
+          <a:fontRef idx="minor">
+            <a:schemeClr val="lt1"/>
+          </a:fontRef>
+        </p:style>
+        <p:txBody>
+          <a:bodyPr rtlCol="0" anchor="ctr"/>
+          <a:lstStyle/>
+          <a:p>
+            <a:pPr algn="ctr"/>
+            <a:endParaRPr lang="en-US" dirty="0">
+              <a:latin typeface="Arial" panose="020B0604020202020204" pitchFamily="34" charset="0"/>
+            </a:endParaRPr>
+          </a:p>
+        </p:txBody>
+      </p:sp>
+      <p:sp>
+        <p:nvSpPr>
+          <p:cNvPr id="8" name="Freeform: Shape 7">
+            <a:extLst>
+              <a:ext uri="{FF2B5EF4-FFF2-40B4-BE49-F238E27FC236}">
+                <a16:creationId xmlns:a16="http://schemas.microsoft.com/office/drawing/2014/main" id="{53611377-98E4-C64E-45A4-8C6EDE9BD5FD}"/>
+              </a:ext>
+              <a:ext uri="{C183D7F6-B498-43B3-948B-1728B52AA6E4}">
+                <adec:decorative xmlns:adec="http://schemas.microsoft.com/office/drawing/2017/decorative" val="1"/>
+              </a:ext>
+            </a:extLst>
+          </p:cNvPr>
+          <p:cNvSpPr/>
+          <p:nvPr>
+            <p:extLst>
+              <p:ext uri="{386F3935-93C4-4BCD-93E2-E3B085C9AB24}">
+                <p16:designElem xmlns:p16="http://schemas.microsoft.com/office/powerpoint/2015/main" val="1"/>
+              </p:ext>
+            </p:extLst>
+          </p:nvPr>
+        </p:nvSpPr>
+        <p:spPr>
+          <a:xfrm rot="10800000" flipH="1">
+            <a:off x="9356643" y="0"/>
+            <a:ext cx="2835357" cy="1480837"/>
+          </a:xfrm>
+          <a:custGeom>
+            <a:avLst/>
+            <a:gdLst>
+              <a:gd name="connsiteX0" fmla="*/ 2835357 w 2835357"/>
+              <a:gd name="connsiteY0" fmla="*/ 1480837 h 1480837"/>
+              <a:gd name="connsiteX1" fmla="*/ 0 w 2835357"/>
+              <a:gd name="connsiteY1" fmla="*/ 1480837 h 1480837"/>
+              <a:gd name="connsiteX2" fmla="*/ 1552727 w 2835357"/>
+              <a:gd name="connsiteY2" fmla="*/ 0 h 1480837"/>
+              <a:gd name="connsiteX3" fmla="*/ 2835357 w 2835357"/>
+              <a:gd name="connsiteY3" fmla="*/ 1223245 h 1480837"/>
+            </a:gdLst>
+            <a:ahLst/>
+            <a:cxnLst>
+              <a:cxn ang="0">
+                <a:pos x="connsiteX0" y="connsiteY0"/>
+              </a:cxn>
+              <a:cxn ang="0">
+                <a:pos x="connsiteX1" y="connsiteY1"/>
+              </a:cxn>
+              <a:cxn ang="0">
+                <a:pos x="connsiteX2" y="connsiteY2"/>
+              </a:cxn>
+              <a:cxn ang="0">
+                <a:pos x="connsiteX3" y="connsiteY3"/>
+              </a:cxn>
+            </a:cxnLst>
+            <a:rect l="l" t="t" r="r" b="b"/>
+            <a:pathLst>
+              <a:path w="2835357" h="1480837">
+                <a:moveTo>
+                  <a:pt x="2835357" y="1480837"/>
+                </a:moveTo>
+                <a:lnTo>
+                  <a:pt x="0" y="1480837"/>
+                </a:lnTo>
+                <a:lnTo>
+                  <a:pt x="1552727" y="0"/>
+                </a:lnTo>
+                <a:lnTo>
+                  <a:pt x="2835357" y="1223245"/>
+                </a:lnTo>
+                <a:close/>
+              </a:path>
+            </a:pathLst>
+          </a:custGeom>
+          <a:solidFill>
+            <a:schemeClr val="accent4">
+              <a:alpha val="30000"/>
+            </a:schemeClr>
+          </a:solidFill>
+          <a:ln>
+            <a:noFill/>
+          </a:ln>
+        </p:spPr>
+        <p:style>
+          <a:lnRef idx="2">
+            <a:schemeClr val="accent1">
+              <a:shade val="50000"/>
+            </a:schemeClr>
+          </a:lnRef>
+          <a:fillRef idx="1">
+            <a:schemeClr val="accent1"/>
+          </a:fillRef>
+          <a:effectRef idx="0">
+            <a:schemeClr val="accent1"/>
+          </a:effectRef>
+          <a:fontRef idx="minor">
+            <a:schemeClr val="lt1"/>
+          </a:fontRef>
+        </p:style>
+        <p:txBody>
+          <a:bodyPr wrap="square" rtlCol="0" anchor="ctr">
+            <a:noAutofit/>
+          </a:bodyPr>
+          <a:lstStyle/>
+          <a:p>
+            <a:pPr algn="ctr"/>
+            <a:endParaRPr lang="en-US" dirty="0">
+              <a:latin typeface="Arial" panose="020B0604020202020204" pitchFamily="34" charset="0"/>
+            </a:endParaRPr>
+          </a:p>
+        </p:txBody>
+      </p:sp>
+      <p:sp>
+        <p:nvSpPr>
+          <p:cNvPr id="9" name="Isosceles Triangle 8">
+            <a:extLst>
+              <a:ext uri="{FF2B5EF4-FFF2-40B4-BE49-F238E27FC236}">
+                <a16:creationId xmlns:a16="http://schemas.microsoft.com/office/drawing/2014/main" id="{164E112C-FA58-F234-635E-5CF8EA2511A2}"/>
+              </a:ext>
+              <a:ext uri="{C183D7F6-B498-43B3-948B-1728B52AA6E4}">
+                <adec:decorative xmlns:adec="http://schemas.microsoft.com/office/drawing/2017/decorative" val="1"/>
+              </a:ext>
+            </a:extLst>
+          </p:cNvPr>
+          <p:cNvSpPr/>
+          <p:nvPr>
+            <p:extLst>
+              <p:ext uri="{386F3935-93C4-4BCD-93E2-E3B085C9AB24}">
+                <p16:designElem xmlns:p16="http://schemas.microsoft.com/office/powerpoint/2015/main" val="1"/>
+              </p:ext>
+            </p:extLst>
+          </p:nvPr>
+        </p:nvSpPr>
+        <p:spPr>
+          <a:xfrm flipH="1">
+            <a:off x="7976344" y="6115501"/>
+            <a:ext cx="1494513" cy="742499"/>
+          </a:xfrm>
+          <a:prstGeom prst="triangle">
+            <a:avLst/>
+          </a:prstGeom>
+          <a:solidFill>
+            <a:schemeClr val="accent1">
+              <a:alpha val="30000"/>
+            </a:schemeClr>
+          </a:solidFill>
+          <a:ln>
+            <a:noFill/>
+          </a:ln>
+        </p:spPr>
+        <p:style>
+          <a:lnRef idx="2">
+            <a:schemeClr val="accent1">
+              <a:shade val="50000"/>
+            </a:schemeClr>
+          </a:lnRef>
+          <a:fillRef idx="1">
+            <a:schemeClr val="accent1"/>
+          </a:fillRef>
+          <a:effectRef idx="0">
+            <a:schemeClr val="accent1"/>
+          </a:effectRef>
+          <a:fontRef idx="minor">
+            <a:schemeClr val="lt1"/>
+          </a:fontRef>
+        </p:style>
+        <p:txBody>
+          <a:bodyPr rtlCol="0" anchor="ctr"/>
+          <a:lstStyle/>
+          <a:p>
+            <a:pPr algn="ctr"/>
+            <a:endParaRPr lang="en-US" dirty="0">
+              <a:latin typeface="Arial" panose="020B0604020202020204" pitchFamily="34" charset="0"/>
+            </a:endParaRPr>
+          </a:p>
+        </p:txBody>
+      </p:sp>
+      <p:sp>
+        <p:nvSpPr>
+          <p:cNvPr id="10" name="Isosceles Triangle 9">
+            <a:extLst>
+              <a:ext uri="{FF2B5EF4-FFF2-40B4-BE49-F238E27FC236}">
+                <a16:creationId xmlns:a16="http://schemas.microsoft.com/office/drawing/2014/main" id="{CC850582-7327-2255-77BA-0FC1C58B1129}"/>
+              </a:ext>
+              <a:ext uri="{C183D7F6-B498-43B3-948B-1728B52AA6E4}">
+                <adec:decorative xmlns:adec="http://schemas.microsoft.com/office/drawing/2017/decorative" val="1"/>
+              </a:ext>
+            </a:extLst>
+          </p:cNvPr>
+          <p:cNvSpPr/>
+          <p:nvPr>
+            <p:extLst>
+              <p:ext uri="{386F3935-93C4-4BCD-93E2-E3B085C9AB24}">
+                <p16:designElem xmlns:p16="http://schemas.microsoft.com/office/powerpoint/2015/main" val="1"/>
+              </p:ext>
+            </p:extLst>
+          </p:nvPr>
+        </p:nvSpPr>
+        <p:spPr>
+          <a:xfrm flipH="1">
+            <a:off x="7604080" y="6453143"/>
+            <a:ext cx="814903" cy="404857"/>
+          </a:xfrm>
+          <a:prstGeom prst="triangle">
+            <a:avLst/>
+          </a:prstGeom>
+          <a:solidFill>
+            <a:schemeClr val="accent1">
+              <a:alpha val="30000"/>
+            </a:schemeClr>
+          </a:solidFill>
+          <a:ln>
+            <a:noFill/>
+          </a:ln>
+        </p:spPr>
+        <p:style>
+          <a:lnRef idx="2">
+            <a:schemeClr val="accent1">
+              <a:shade val="50000"/>
+            </a:schemeClr>
+          </a:lnRef>
+          <a:fillRef idx="1">
+            <a:schemeClr val="accent1"/>
+          </a:fillRef>
+          <a:effectRef idx="0">
+            <a:schemeClr val="accent1"/>
+          </a:effectRef>
+          <a:fontRef idx="minor">
+            <a:schemeClr val="lt1"/>
+          </a:fontRef>
+        </p:style>
+        <p:txBody>
+          <a:bodyPr rtlCol="0" anchor="ctr"/>
+          <a:lstStyle/>
+          <a:p>
+            <a:pPr algn="ctr"/>
+            <a:endParaRPr lang="en-US" dirty="0">
+              <a:latin typeface="Arial" panose="020B0604020202020204" pitchFamily="34" charset="0"/>
+            </a:endParaRPr>
+          </a:p>
+        </p:txBody>
+      </p:sp>
+      <p:sp>
+        <p:nvSpPr>
+          <p:cNvPr id="13" name="Subtitle 2">
+            <a:extLst>
+              <a:ext uri="{FF2B5EF4-FFF2-40B4-BE49-F238E27FC236}">
+                <a16:creationId xmlns:a16="http://schemas.microsoft.com/office/drawing/2014/main" id="{560260DA-12BE-6B6F-5524-C9D48504680C}"/>
+              </a:ext>
+            </a:extLst>
+          </p:cNvPr>
+          <p:cNvSpPr txBox="1">
+            <a:spLocks/>
+          </p:cNvSpPr>
+          <p:nvPr/>
+        </p:nvSpPr>
+        <p:spPr>
+          <a:xfrm>
+            <a:off x="477980" y="4872922"/>
+            <a:ext cx="4429300" cy="1591885"/>
+          </a:xfrm>
+          <a:prstGeom prst="rect">
+            <a:avLst/>
+          </a:prstGeom>
+        </p:spPr>
+        <p:txBody>
+          <a:bodyPr vert="horz" lIns="91440" tIns="45720" rIns="91440" bIns="45720" rtlCol="0">
+            <a:normAutofit/>
+          </a:bodyPr>
+          <a:lstStyle>
+            <a:lvl1pPr marL="228600" indent="-228600" algn="l" defTabSz="914400" rtl="0" eaLnBrk="1" latinLnBrk="0" hangingPunct="1">
+              <a:lnSpc>
+                <a:spcPct val="90000"/>
+              </a:lnSpc>
+              <a:spcBef>
+                <a:spcPts val="1000"/>
+              </a:spcBef>
+              <a:buFont typeface="Arial" panose="020B0604020202020204" pitchFamily="34" charset="0"/>
+              <a:buChar char="•"/>
+              <a:defRPr sz="2800" kern="1200">
+                <a:solidFill>
+                  <a:schemeClr val="tx1"/>
+                </a:solidFill>
+                <a:latin typeface="+mn-lt"/>
+                <a:ea typeface="+mn-ea"/>
+                <a:cs typeface="+mn-cs"/>
+              </a:defRPr>
+            </a:lvl1pPr>
+            <a:lvl2pPr marL="685800" indent="-228600" algn="l" defTabSz="914400" rtl="0" eaLnBrk="1" latinLnBrk="0" hangingPunct="1">
+              <a:lnSpc>
+                <a:spcPct val="90000"/>
+              </a:lnSpc>
+              <a:spcBef>
+                <a:spcPts val="500"/>
+              </a:spcBef>
+              <a:buFont typeface="Arial" panose="020B0604020202020204" pitchFamily="34" charset="0"/>
+              <a:buChar char="•"/>
+              <a:defRPr sz="2400" kern="1200">
+                <a:solidFill>
+                  <a:schemeClr val="tx1"/>
+                </a:solidFill>
+                <a:latin typeface="+mn-lt"/>
+                <a:ea typeface="+mn-ea"/>
+                <a:cs typeface="+mn-cs"/>
+              </a:defRPr>
+            </a:lvl2pPr>
+            <a:lvl3pPr marL="1143000" indent="-228600" algn="l" defTabSz="914400" rtl="0" eaLnBrk="1" latinLnBrk="0" hangingPunct="1">
+              <a:lnSpc>
+                <a:spcPct val="90000"/>
+              </a:lnSpc>
+              <a:spcBef>
+                <a:spcPts val="500"/>
+              </a:spcBef>
+              <a:buFont typeface="Arial" panose="020B0604020202020204" pitchFamily="34" charset="0"/>
+              <a:buChar char="•"/>
+              <a:defRPr sz="2000" kern="1200">
+                <a:solidFill>
+                  <a:schemeClr val="tx1"/>
+                </a:solidFill>
+                <a:latin typeface="+mn-lt"/>
+                <a:ea typeface="+mn-ea"/>
+                <a:cs typeface="+mn-cs"/>
+              </a:defRPr>
+            </a:lvl3pPr>
+            <a:lvl4pPr marL="1600200" indent="-228600" algn="l" defTabSz="914400" rtl="0" eaLnBrk="1" latinLnBrk="0" hangingPunct="1">
+              <a:lnSpc>
+                <a:spcPct val="90000"/>
+              </a:lnSpc>
+              <a:spcBef>
+                <a:spcPts val="500"/>
+              </a:spcBef>
+              <a:buFont typeface="Arial" panose="020B0604020202020204" pitchFamily="34" charset="0"/>
+              <a:buChar char="•"/>
+              <a:defRPr sz="1800" kern="1200">
+                <a:solidFill>
+                  <a:schemeClr val="tx1"/>
+                </a:solidFill>
+                <a:latin typeface="+mn-lt"/>
+                <a:ea typeface="+mn-ea"/>
+                <a:cs typeface="+mn-cs"/>
+              </a:defRPr>
+            </a:lvl4pPr>
+            <a:lvl5pPr marL="2057400" indent="-228600" algn="l" defTabSz="914400" rtl="0" eaLnBrk="1" latinLnBrk="0" hangingPunct="1">
+              <a:lnSpc>
+                <a:spcPct val="90000"/>
+              </a:lnSpc>
+              <a:spcBef>
+                <a:spcPts val="500"/>
+              </a:spcBef>
+              <a:buFont typeface="Arial" panose="020B0604020202020204" pitchFamily="34" charset="0"/>
+              <a:buChar char="•"/>
+              <a:defRPr sz="1800" kern="1200">
+                <a:solidFill>
+                  <a:schemeClr val="tx1"/>
+                </a:solidFill>
+                <a:latin typeface="+mn-lt"/>
+                <a:ea typeface="+mn-ea"/>
+                <a:cs typeface="+mn-cs"/>
+              </a:defRPr>
+            </a:lvl5pPr>
+            <a:lvl6pPr marL="2514600" indent="-228600" algn="l" defTabSz="914400" rtl="0" eaLnBrk="1" latinLnBrk="0" hangingPunct="1">
+              <a:lnSpc>
+                <a:spcPct val="90000"/>
+              </a:lnSpc>
+              <a:spcBef>
+                <a:spcPts val="500"/>
+              </a:spcBef>
+              <a:buFont typeface="Arial" panose="020B0604020202020204" pitchFamily="34" charset="0"/>
+              <a:buChar char="•"/>
+              <a:defRPr sz="1800" kern="1200">
+                <a:solidFill>
+                  <a:schemeClr val="tx1"/>
+                </a:solidFill>
+                <a:latin typeface="+mn-lt"/>
+                <a:ea typeface="+mn-ea"/>
+                <a:cs typeface="+mn-cs"/>
+              </a:defRPr>
+            </a:lvl6pPr>
+            <a:lvl7pPr marL="2971800" indent="-228600" algn="l" defTabSz="914400" rtl="0" eaLnBrk="1" latinLnBrk="0" hangingPunct="1">
+              <a:lnSpc>
+                <a:spcPct val="90000"/>
+              </a:lnSpc>
+              <a:spcBef>
+                <a:spcPts val="500"/>
+              </a:spcBef>
+              <a:buFont typeface="Arial" panose="020B0604020202020204" pitchFamily="34" charset="0"/>
+              <a:buChar char="•"/>
+              <a:defRPr sz="1800" kern="1200">
+                <a:solidFill>
+                  <a:schemeClr val="tx1"/>
+                </a:solidFill>
+                <a:latin typeface="+mn-lt"/>
+                <a:ea typeface="+mn-ea"/>
+                <a:cs typeface="+mn-cs"/>
+              </a:defRPr>
+            </a:lvl7pPr>
+            <a:lvl8pPr marL="3429000" indent="-228600" algn="l" defTabSz="914400" rtl="0" eaLnBrk="1" latinLnBrk="0" hangingPunct="1">
+              <a:lnSpc>
+                <a:spcPct val="90000"/>
+              </a:lnSpc>
+              <a:spcBef>
+                <a:spcPts val="500"/>
+              </a:spcBef>
+              <a:buFont typeface="Arial" panose="020B0604020202020204" pitchFamily="34" charset="0"/>
+              <a:buChar char="•"/>
+              <a:defRPr sz="1800" kern="1200">
+                <a:solidFill>
+                  <a:schemeClr val="tx1"/>
+                </a:solidFill>
+                <a:latin typeface="+mn-lt"/>
+                <a:ea typeface="+mn-ea"/>
+                <a:cs typeface="+mn-cs"/>
+              </a:defRPr>
+            </a:lvl8pPr>
+            <a:lvl9pPr marL="3886200" indent="-228600" algn="l" defTabSz="914400" rtl="0" eaLnBrk="1" latinLnBrk="0" hangingPunct="1">
+              <a:lnSpc>
+                <a:spcPct val="90000"/>
+              </a:lnSpc>
+              <a:spcBef>
+                <a:spcPts val="500"/>
+              </a:spcBef>
+              <a:buFont typeface="Arial" panose="020B0604020202020204" pitchFamily="34" charset="0"/>
+              <a:buChar char="•"/>
+              <a:defRPr sz="1800" kern="1200">
+                <a:solidFill>
+                  <a:schemeClr val="tx1"/>
+                </a:solidFill>
+                <a:latin typeface="+mn-lt"/>
+                <a:ea typeface="+mn-ea"/>
+                <a:cs typeface="+mn-cs"/>
+              </a:defRPr>
+            </a:lvl9pPr>
+          </a:lstStyle>
+          <a:p>
+            <a:pPr marL="0" indent="0">
+              <a:buNone/>
+            </a:pPr>
+            <a:endParaRPr lang="en-US" dirty="0">
+              <a:latin typeface="Arial" panose="020B0604020202020204" pitchFamily="34" charset="0"/>
+            </a:endParaRPr>
+          </a:p>
+        </p:txBody>
+      </p:sp>
+      <p:sp>
+        <p:nvSpPr>
+          <p:cNvPr id="2" name="Title 1">
+            <a:extLst>
+              <a:ext uri="{FF2B5EF4-FFF2-40B4-BE49-F238E27FC236}">
                 <a16:creationId xmlns:a16="http://schemas.microsoft.com/office/drawing/2014/main" id="{044D5C86-6C13-B385-18EB-CE82554A07BC}"/>
               </a:ext>
             </a:extLst>
@@ -10487,7 +13732,7 @@
 </p:sld>
 </file>
 
-<file path=ppt/slides/slide7.xml><?xml version="1.0" encoding="utf-8"?>
+<file path=ppt/slides/slide9.xml><?xml version="1.0" encoding="utf-8"?>
 <p:sld xmlns:a="http://schemas.openxmlformats.org/drawingml/2006/main" xmlns:r="http://schemas.openxmlformats.org/officeDocument/2006/relationships" xmlns:p="http://schemas.openxmlformats.org/presentationml/2006/main">
   <p:cSld>
     <p:spTree>
